--- a/Anthony Bourdain’s Travels.pptx
+++ b/Anthony Bourdain’s Travels.pptx
@@ -5,10 +5,10 @@
     <p:sldMasterId id="2147483660" r:id="rId4"/>
   </p:sldMasterIdLst>
   <p:notesMasterIdLst>
-    <p:notesMasterId r:id="rId11"/>
+    <p:notesMasterId r:id="rId16"/>
   </p:notesMasterIdLst>
   <p:handoutMasterIdLst>
-    <p:handoutMasterId r:id="rId12"/>
+    <p:handoutMasterId r:id="rId17"/>
   </p:handoutMasterIdLst>
   <p:sldIdLst>
     <p:sldId id="257" r:id="rId5"/>
@@ -16,7 +16,12 @@
     <p:sldId id="274" r:id="rId7"/>
     <p:sldId id="275" r:id="rId8"/>
     <p:sldId id="272" r:id="rId9"/>
-    <p:sldId id="273" r:id="rId10"/>
+    <p:sldId id="277" r:id="rId10"/>
+    <p:sldId id="278" r:id="rId11"/>
+    <p:sldId id="279" r:id="rId12"/>
+    <p:sldId id="280" r:id="rId13"/>
+    <p:sldId id="281" r:id="rId14"/>
+    <p:sldId id="273" r:id="rId15"/>
   </p:sldIdLst>
   <p:sldSz cx="12192000" cy="6858000"/>
   <p:notesSz cx="6858000" cy="9144000"/>
@@ -126,814 +131,6 @@
 </p:presentation>
 </file>
 
-<file path=ppt/charts/chart1.xml><?xml version="1.0" encoding="utf-8"?>
-<c:chartSpace xmlns:c="http://schemas.openxmlformats.org/drawingml/2006/chart" xmlns:a="http://schemas.openxmlformats.org/drawingml/2006/main" xmlns:r="http://schemas.openxmlformats.org/officeDocument/2006/relationships" xmlns:c16r2="http://schemas.microsoft.com/office/drawing/2015/06/chart">
-  <c:date1904 val="0"/>
-  <c:lang val="en-US"/>
-  <c:roundedCorners val="0"/>
-  <mc:AlternateContent xmlns:mc="http://schemas.openxmlformats.org/markup-compatibility/2006">
-    <mc:Choice xmlns:c14="http://schemas.microsoft.com/office/drawing/2007/8/2/chart" Requires="c14">
-      <c14:style val="102"/>
-    </mc:Choice>
-    <mc:Fallback>
-      <c:style val="2"/>
-    </mc:Fallback>
-  </mc:AlternateContent>
-  <c:chart>
-    <c:autoTitleDeleted val="1"/>
-    <c:plotArea>
-      <c:layout/>
-      <c:barChart>
-        <c:barDir val="col"/>
-        <c:grouping val="stacked"/>
-        <c:varyColors val="0"/>
-        <c:ser>
-          <c:idx val="0"/>
-          <c:order val="0"/>
-          <c:tx>
-            <c:strRef>
-              <c:f>Лист1!$B$1</c:f>
-              <c:strCache>
-                <c:ptCount val="1"/>
-                <c:pt idx="0">
-                  <c:v>Row</c:v>
-                </c:pt>
-              </c:strCache>
-            </c:strRef>
-          </c:tx>
-          <c:spPr>
-            <a:solidFill>
-              <a:schemeClr val="bg2"/>
-            </a:solidFill>
-            <a:ln>
-              <a:noFill/>
-            </a:ln>
-            <a:effectLst/>
-          </c:spPr>
-          <c:invertIfNegative val="0"/>
-          <c:cat>
-            <c:strRef>
-              <c:f>Лист1!$A$2:$A$6</c:f>
-              <c:strCache>
-                <c:ptCount val="5"/>
-                <c:pt idx="0">
-                  <c:v>Jan </c:v>
-                </c:pt>
-                <c:pt idx="1">
-                  <c:v>Feb</c:v>
-                </c:pt>
-                <c:pt idx="2">
-                  <c:v>Mar</c:v>
-                </c:pt>
-                <c:pt idx="3">
-                  <c:v>Apr</c:v>
-                </c:pt>
-                <c:pt idx="4">
-                  <c:v>May</c:v>
-                </c:pt>
-              </c:strCache>
-            </c:strRef>
-          </c:cat>
-          <c:val>
-            <c:numRef>
-              <c:f>Лист1!$B$2:$B$6</c:f>
-              <c:numCache>
-                <c:formatCode>General</c:formatCode>
-                <c:ptCount val="5"/>
-                <c:pt idx="0">
-                  <c:v>10000</c:v>
-                </c:pt>
-                <c:pt idx="1">
-                  <c:v>17000</c:v>
-                </c:pt>
-                <c:pt idx="2">
-                  <c:v>15000</c:v>
-                </c:pt>
-                <c:pt idx="3">
-                  <c:v>25000</c:v>
-                </c:pt>
-                <c:pt idx="4">
-                  <c:v>21000</c:v>
-                </c:pt>
-              </c:numCache>
-            </c:numRef>
-          </c:val>
-          <c:extLst>
-            <c:ext xmlns:c16="http://schemas.microsoft.com/office/drawing/2014/chart" uri="{C3380CC4-5D6E-409C-BE32-E72D297353CC}">
-              <c16:uniqueId val="{00000000-DB4E-864C-8309-B65135E81279}"/>
-            </c:ext>
-          </c:extLst>
-        </c:ser>
-        <c:dLbls>
-          <c:showLegendKey val="0"/>
-          <c:showVal val="0"/>
-          <c:showCatName val="0"/>
-          <c:showSerName val="0"/>
-          <c:showPercent val="0"/>
-          <c:showBubbleSize val="0"/>
-        </c:dLbls>
-        <c:gapWidth val="150"/>
-        <c:overlap val="100"/>
-        <c:axId val="1691023839"/>
-        <c:axId val="1690329023"/>
-      </c:barChart>
-      <c:catAx>
-        <c:axId val="1691023839"/>
-        <c:scaling>
-          <c:orientation val="minMax"/>
-        </c:scaling>
-        <c:delete val="0"/>
-        <c:axPos val="b"/>
-        <c:numFmt formatCode="General" sourceLinked="1"/>
-        <c:majorTickMark val="none"/>
-        <c:minorTickMark val="none"/>
-        <c:tickLblPos val="nextTo"/>
-        <c:spPr>
-          <a:noFill/>
-          <a:ln w="9525" cap="flat" cmpd="sng" algn="ctr">
-            <a:solidFill>
-              <a:schemeClr val="tx1">
-                <a:lumMod val="15000"/>
-                <a:lumOff val="85000"/>
-              </a:schemeClr>
-            </a:solidFill>
-            <a:round/>
-          </a:ln>
-          <a:effectLst/>
-        </c:spPr>
-        <c:txPr>
-          <a:bodyPr rot="-60000000" spcFirstLastPara="1" vertOverflow="ellipsis" vert="horz" wrap="square" anchor="ctr" anchorCtr="1"/>
-          <a:lstStyle/>
-          <a:p>
-            <a:pPr>
-              <a:defRPr sz="1197" b="0" i="0" u="none" strike="noStrike" kern="1200" baseline="0">
-                <a:solidFill>
-                  <a:schemeClr val="tx1">
-                    <a:lumMod val="65000"/>
-                    <a:lumOff val="35000"/>
-                  </a:schemeClr>
-                </a:solidFill>
-                <a:latin typeface="+mn-lt"/>
-                <a:ea typeface="+mn-ea"/>
-                <a:cs typeface="+mn-cs"/>
-              </a:defRPr>
-            </a:pPr>
-            <a:endParaRPr lang="en-US"/>
-          </a:p>
-        </c:txPr>
-        <c:crossAx val="1690329023"/>
-        <c:crosses val="autoZero"/>
-        <c:auto val="1"/>
-        <c:lblAlgn val="ctr"/>
-        <c:lblOffset val="100"/>
-        <c:noMultiLvlLbl val="0"/>
-      </c:catAx>
-      <c:valAx>
-        <c:axId val="1690329023"/>
-        <c:scaling>
-          <c:orientation val="minMax"/>
-        </c:scaling>
-        <c:delete val="0"/>
-        <c:axPos val="l"/>
-        <c:majorGridlines>
-          <c:spPr>
-            <a:ln w="9525" cap="flat" cmpd="sng" algn="ctr">
-              <a:solidFill>
-                <a:schemeClr val="tx1">
-                  <a:lumMod val="85000"/>
-                </a:schemeClr>
-              </a:solidFill>
-              <a:round/>
-            </a:ln>
-            <a:effectLst/>
-          </c:spPr>
-        </c:majorGridlines>
-        <c:numFmt formatCode="General" sourceLinked="1"/>
-        <c:majorTickMark val="none"/>
-        <c:minorTickMark val="none"/>
-        <c:tickLblPos val="nextTo"/>
-        <c:spPr>
-          <a:noFill/>
-          <a:ln>
-            <a:noFill/>
-          </a:ln>
-          <a:effectLst/>
-        </c:spPr>
-        <c:txPr>
-          <a:bodyPr rot="-60000000" spcFirstLastPara="1" vertOverflow="ellipsis" vert="horz" wrap="square" anchor="ctr" anchorCtr="1"/>
-          <a:lstStyle/>
-          <a:p>
-            <a:pPr>
-              <a:defRPr sz="1197" b="0" i="0" u="none" strike="noStrike" kern="1200" baseline="0">
-                <a:solidFill>
-                  <a:schemeClr val="tx1">
-                    <a:lumMod val="65000"/>
-                    <a:lumOff val="35000"/>
-                  </a:schemeClr>
-                </a:solidFill>
-                <a:latin typeface="+mn-lt"/>
-                <a:ea typeface="+mn-ea"/>
-                <a:cs typeface="+mn-cs"/>
-              </a:defRPr>
-            </a:pPr>
-            <a:endParaRPr lang="en-US"/>
-          </a:p>
-        </c:txPr>
-        <c:crossAx val="1691023839"/>
-        <c:crosses val="autoZero"/>
-        <c:crossBetween val="between"/>
-      </c:valAx>
-      <c:spPr>
-        <a:solidFill>
-          <a:schemeClr val="tx2"/>
-        </a:solidFill>
-        <a:ln>
-          <a:noFill/>
-        </a:ln>
-        <a:effectLst/>
-      </c:spPr>
-    </c:plotArea>
-    <c:legend>
-      <c:legendPos val="b"/>
-      <c:overlay val="0"/>
-      <c:spPr>
-        <a:noFill/>
-        <a:ln>
-          <a:noFill/>
-        </a:ln>
-        <a:effectLst/>
-      </c:spPr>
-      <c:txPr>
-        <a:bodyPr rot="0" spcFirstLastPara="1" vertOverflow="ellipsis" vert="horz" wrap="square" anchor="ctr" anchorCtr="1"/>
-        <a:lstStyle/>
-        <a:p>
-          <a:pPr>
-            <a:defRPr sz="1197" b="0" i="0" u="none" strike="noStrike" kern="1200" baseline="0">
-              <a:solidFill>
-                <a:schemeClr val="tx1">
-                  <a:lumMod val="65000"/>
-                  <a:lumOff val="35000"/>
-                </a:schemeClr>
-              </a:solidFill>
-              <a:latin typeface="+mn-lt"/>
-              <a:ea typeface="+mn-ea"/>
-              <a:cs typeface="+mn-cs"/>
-            </a:defRPr>
-          </a:pPr>
-          <a:endParaRPr lang="en-US"/>
-        </a:p>
-      </c:txPr>
-    </c:legend>
-    <c:plotVisOnly val="1"/>
-    <c:dispBlanksAs val="gap"/>
-    <c:extLst>
-      <c:ext xmlns:c16r3="http://schemas.microsoft.com/office/drawing/2017/03/chart" uri="{56B9EC1D-385E-4148-901F-78D8002777C0}">
-        <c16r3:dataDisplayOptions16>
-          <c16r3:dispNaAsBlank val="1"/>
-        </c16r3:dataDisplayOptions16>
-      </c:ext>
-    </c:extLst>
-    <c:showDLblsOverMax val="0"/>
-  </c:chart>
-  <c:spPr>
-    <a:noFill/>
-    <a:ln>
-      <a:noFill/>
-    </a:ln>
-    <a:effectLst/>
-  </c:spPr>
-  <c:txPr>
-    <a:bodyPr/>
-    <a:lstStyle/>
-    <a:p>
-      <a:pPr>
-        <a:defRPr/>
-      </a:pPr>
-      <a:endParaRPr lang="en-US"/>
-    </a:p>
-  </c:txPr>
-  <c:externalData r:id="rId3">
-    <c:autoUpdate val="0"/>
-  </c:externalData>
-</c:chartSpace>
-</file>
-
-<file path=ppt/charts/colors1.xml><?xml version="1.0" encoding="utf-8"?>
-<cs:colorStyle xmlns:cs="http://schemas.microsoft.com/office/drawing/2012/chartStyle" xmlns:a="http://schemas.openxmlformats.org/drawingml/2006/main" meth="acrossLinear" id="2">
-  <a:schemeClr val="accent1"/>
-  <a:schemeClr val="accent2"/>
-  <a:schemeClr val="accent3"/>
-  <a:schemeClr val="accent4"/>
-  <a:schemeClr val="accent5"/>
-  <a:schemeClr val="accent6"/>
-</cs:colorStyle>
-</file>
-
-<file path=ppt/charts/style1.xml><?xml version="1.0" encoding="utf-8"?>
-<cs:chartStyle xmlns:cs="http://schemas.microsoft.com/office/drawing/2012/chartStyle" xmlns:a="http://schemas.openxmlformats.org/drawingml/2006/main" id="297">
-  <cs:axisTitle>
-    <cs:lnRef idx="0"/>
-    <cs:fillRef idx="0"/>
-    <cs:effectRef idx="0"/>
-    <cs:fontRef idx="minor">
-      <a:schemeClr val="tx1">
-        <a:lumMod val="65000"/>
-        <a:lumOff val="35000"/>
-      </a:schemeClr>
-    </cs:fontRef>
-    <cs:defRPr sz="1330" kern="1200"/>
-  </cs:axisTitle>
-  <cs:categoryAxis>
-    <cs:lnRef idx="0"/>
-    <cs:fillRef idx="0"/>
-    <cs:effectRef idx="0"/>
-    <cs:fontRef idx="minor">
-      <a:schemeClr val="tx1">
-        <a:lumMod val="65000"/>
-        <a:lumOff val="35000"/>
-      </a:schemeClr>
-    </cs:fontRef>
-    <cs:spPr>
-      <a:ln w="9525" cap="flat" cmpd="sng" algn="ctr">
-        <a:solidFill>
-          <a:schemeClr val="tx1">
-            <a:lumMod val="15000"/>
-            <a:lumOff val="85000"/>
-          </a:schemeClr>
-        </a:solidFill>
-        <a:round/>
-      </a:ln>
-    </cs:spPr>
-    <cs:defRPr sz="1197" kern="1200"/>
-  </cs:categoryAxis>
-  <cs:chartArea mods="allowNoFillOverride allowNoLineOverride">
-    <cs:lnRef idx="0"/>
-    <cs:fillRef idx="0"/>
-    <cs:effectRef idx="0"/>
-    <cs:fontRef idx="minor">
-      <a:schemeClr val="tx1"/>
-    </cs:fontRef>
-    <cs:spPr>
-      <a:solidFill>
-        <a:schemeClr val="bg1"/>
-      </a:solidFill>
-      <a:ln w="9525" cap="flat" cmpd="sng" algn="ctr">
-        <a:solidFill>
-          <a:schemeClr val="tx1">
-            <a:lumMod val="15000"/>
-            <a:lumOff val="85000"/>
-          </a:schemeClr>
-        </a:solidFill>
-        <a:round/>
-      </a:ln>
-    </cs:spPr>
-    <cs:defRPr sz="1330" kern="1200"/>
-  </cs:chartArea>
-  <cs:dataLabel>
-    <cs:lnRef idx="0"/>
-    <cs:fillRef idx="0"/>
-    <cs:effectRef idx="0"/>
-    <cs:fontRef idx="minor">
-      <a:schemeClr val="tx1">
-        <a:lumMod val="75000"/>
-        <a:lumOff val="25000"/>
-      </a:schemeClr>
-    </cs:fontRef>
-    <cs:defRPr sz="1197" kern="1200"/>
-  </cs:dataLabel>
-  <cs:dataLabelCallout>
-    <cs:lnRef idx="0"/>
-    <cs:fillRef idx="0"/>
-    <cs:effectRef idx="0"/>
-    <cs:fontRef idx="minor">
-      <a:schemeClr val="dk1">
-        <a:lumMod val="65000"/>
-        <a:lumOff val="35000"/>
-      </a:schemeClr>
-    </cs:fontRef>
-    <cs:spPr>
-      <a:solidFill>
-        <a:schemeClr val="lt1"/>
-      </a:solidFill>
-      <a:ln>
-        <a:solidFill>
-          <a:schemeClr val="dk1">
-            <a:lumMod val="25000"/>
-            <a:lumOff val="75000"/>
-          </a:schemeClr>
-        </a:solidFill>
-      </a:ln>
-    </cs:spPr>
-    <cs:defRPr sz="1197" kern="1200"/>
-    <cs:bodyPr rot="0" spcFirstLastPara="1" vertOverflow="clip" horzOverflow="clip" vert="horz" wrap="square" lIns="36576" tIns="18288" rIns="36576" bIns="18288" anchor="ctr" anchorCtr="1">
-      <a:spAutoFit/>
-    </cs:bodyPr>
-  </cs:dataLabelCallout>
-  <cs:dataPoint>
-    <cs:lnRef idx="0"/>
-    <cs:fillRef idx="1">
-      <cs:styleClr val="auto"/>
-    </cs:fillRef>
-    <cs:effectRef idx="0"/>
-    <cs:fontRef idx="minor">
-      <a:schemeClr val="tx1"/>
-    </cs:fontRef>
-  </cs:dataPoint>
-  <cs:dataPoint3D>
-    <cs:lnRef idx="0"/>
-    <cs:fillRef idx="1">
-      <cs:styleClr val="auto"/>
-    </cs:fillRef>
-    <cs:effectRef idx="0"/>
-    <cs:fontRef idx="minor">
-      <a:schemeClr val="tx1"/>
-    </cs:fontRef>
-  </cs:dataPoint3D>
-  <cs:dataPointLine>
-    <cs:lnRef idx="0">
-      <cs:styleClr val="auto"/>
-    </cs:lnRef>
-    <cs:fillRef idx="1"/>
-    <cs:effectRef idx="0"/>
-    <cs:fontRef idx="minor">
-      <a:schemeClr val="tx1"/>
-    </cs:fontRef>
-    <cs:spPr>
-      <a:ln w="28575" cap="rnd">
-        <a:solidFill>
-          <a:schemeClr val="phClr"/>
-        </a:solidFill>
-        <a:round/>
-      </a:ln>
-    </cs:spPr>
-  </cs:dataPointLine>
-  <cs:dataPointMarker>
-    <cs:lnRef idx="0">
-      <cs:styleClr val="auto"/>
-    </cs:lnRef>
-    <cs:fillRef idx="1">
-      <cs:styleClr val="auto"/>
-    </cs:fillRef>
-    <cs:effectRef idx="0"/>
-    <cs:fontRef idx="minor">
-      <a:schemeClr val="tx1"/>
-    </cs:fontRef>
-    <cs:spPr>
-      <a:ln w="9525">
-        <a:solidFill>
-          <a:schemeClr val="phClr"/>
-        </a:solidFill>
-      </a:ln>
-    </cs:spPr>
-  </cs:dataPointMarker>
-  <cs:dataPointMarkerLayout symbol="circle" size="5"/>
-  <cs:dataPointWireframe>
-    <cs:lnRef idx="0">
-      <cs:styleClr val="auto"/>
-    </cs:lnRef>
-    <cs:fillRef idx="1"/>
-    <cs:effectRef idx="0"/>
-    <cs:fontRef idx="minor">
-      <a:schemeClr val="tx1"/>
-    </cs:fontRef>
-    <cs:spPr>
-      <a:ln w="9525" cap="rnd">
-        <a:solidFill>
-          <a:schemeClr val="phClr"/>
-        </a:solidFill>
-        <a:round/>
-      </a:ln>
-    </cs:spPr>
-  </cs:dataPointWireframe>
-  <cs:dataTable>
-    <cs:lnRef idx="0"/>
-    <cs:fillRef idx="0"/>
-    <cs:effectRef idx="0"/>
-    <cs:fontRef idx="minor">
-      <a:schemeClr val="tx1">
-        <a:lumMod val="65000"/>
-        <a:lumOff val="35000"/>
-      </a:schemeClr>
-    </cs:fontRef>
-    <cs:spPr>
-      <a:noFill/>
-      <a:ln w="9525" cap="flat" cmpd="sng" algn="ctr">
-        <a:solidFill>
-          <a:schemeClr val="tx1">
-            <a:lumMod val="15000"/>
-            <a:lumOff val="85000"/>
-          </a:schemeClr>
-        </a:solidFill>
-        <a:round/>
-      </a:ln>
-    </cs:spPr>
-    <cs:defRPr sz="1197" kern="1200"/>
-  </cs:dataTable>
-  <cs:downBar>
-    <cs:lnRef idx="0"/>
-    <cs:fillRef idx="0"/>
-    <cs:effectRef idx="0"/>
-    <cs:fontRef idx="minor">
-      <a:schemeClr val="tx1"/>
-    </cs:fontRef>
-    <cs:spPr>
-      <a:solidFill>
-        <a:schemeClr val="dk1">
-          <a:lumMod val="75000"/>
-          <a:lumOff val="25000"/>
-        </a:schemeClr>
-      </a:solidFill>
-      <a:ln w="9525" cap="flat" cmpd="sng" algn="ctr">
-        <a:solidFill>
-          <a:schemeClr val="tx1">
-            <a:lumMod val="65000"/>
-            <a:lumOff val="35000"/>
-          </a:schemeClr>
-        </a:solidFill>
-        <a:round/>
-      </a:ln>
-    </cs:spPr>
-  </cs:downBar>
-  <cs:dropLine>
-    <cs:lnRef idx="0"/>
-    <cs:fillRef idx="0"/>
-    <cs:effectRef idx="0"/>
-    <cs:fontRef idx="minor">
-      <a:schemeClr val="tx1"/>
-    </cs:fontRef>
-    <cs:spPr>
-      <a:ln w="9525" cap="flat" cmpd="sng" algn="ctr">
-        <a:solidFill>
-          <a:schemeClr val="tx1">
-            <a:lumMod val="35000"/>
-            <a:lumOff val="65000"/>
-          </a:schemeClr>
-        </a:solidFill>
-        <a:round/>
-      </a:ln>
-    </cs:spPr>
-  </cs:dropLine>
-  <cs:errorBar>
-    <cs:lnRef idx="0"/>
-    <cs:fillRef idx="0"/>
-    <cs:effectRef idx="0"/>
-    <cs:fontRef idx="minor">
-      <a:schemeClr val="tx1"/>
-    </cs:fontRef>
-    <cs:spPr>
-      <a:ln w="9525" cap="flat" cmpd="sng" algn="ctr">
-        <a:solidFill>
-          <a:schemeClr val="tx1">
-            <a:lumMod val="65000"/>
-            <a:lumOff val="35000"/>
-          </a:schemeClr>
-        </a:solidFill>
-        <a:round/>
-      </a:ln>
-    </cs:spPr>
-  </cs:errorBar>
-  <cs:floor>
-    <cs:lnRef idx="0"/>
-    <cs:fillRef idx="0"/>
-    <cs:effectRef idx="0"/>
-    <cs:fontRef idx="minor">
-      <a:schemeClr val="tx1"/>
-    </cs:fontRef>
-    <cs:spPr>
-      <a:noFill/>
-      <a:ln>
-        <a:noFill/>
-      </a:ln>
-    </cs:spPr>
-  </cs:floor>
-  <cs:gridlineMajor>
-    <cs:lnRef idx="0"/>
-    <cs:fillRef idx="0"/>
-    <cs:effectRef idx="0"/>
-    <cs:fontRef idx="minor">
-      <a:schemeClr val="tx1"/>
-    </cs:fontRef>
-    <cs:spPr>
-      <a:ln w="9525" cap="flat" cmpd="sng" algn="ctr">
-        <a:solidFill>
-          <a:schemeClr val="tx1">
-            <a:lumMod val="15000"/>
-            <a:lumOff val="85000"/>
-          </a:schemeClr>
-        </a:solidFill>
-        <a:round/>
-      </a:ln>
-    </cs:spPr>
-  </cs:gridlineMajor>
-  <cs:gridlineMinor>
-    <cs:lnRef idx="0"/>
-    <cs:fillRef idx="0"/>
-    <cs:effectRef idx="0"/>
-    <cs:fontRef idx="minor">
-      <a:schemeClr val="tx1"/>
-    </cs:fontRef>
-    <cs:spPr>
-      <a:ln w="9525" cap="flat" cmpd="sng" algn="ctr">
-        <a:solidFill>
-          <a:schemeClr val="tx1">
-            <a:lumMod val="5000"/>
-            <a:lumOff val="95000"/>
-          </a:schemeClr>
-        </a:solidFill>
-        <a:round/>
-      </a:ln>
-    </cs:spPr>
-  </cs:gridlineMinor>
-  <cs:hiLoLine>
-    <cs:lnRef idx="0"/>
-    <cs:fillRef idx="0"/>
-    <cs:effectRef idx="0"/>
-    <cs:fontRef idx="minor">
-      <a:schemeClr val="tx1"/>
-    </cs:fontRef>
-    <cs:spPr>
-      <a:ln w="9525" cap="flat" cmpd="sng" algn="ctr">
-        <a:solidFill>
-          <a:schemeClr val="tx1">
-            <a:lumMod val="50000"/>
-            <a:lumOff val="50000"/>
-          </a:schemeClr>
-        </a:solidFill>
-        <a:round/>
-      </a:ln>
-    </cs:spPr>
-  </cs:hiLoLine>
-  <cs:leaderLine>
-    <cs:lnRef idx="0"/>
-    <cs:fillRef idx="0"/>
-    <cs:effectRef idx="0"/>
-    <cs:fontRef idx="minor">
-      <a:schemeClr val="tx1"/>
-    </cs:fontRef>
-    <cs:spPr>
-      <a:ln w="9525" cap="flat" cmpd="sng" algn="ctr">
-        <a:solidFill>
-          <a:schemeClr val="tx1">
-            <a:lumMod val="35000"/>
-            <a:lumOff val="65000"/>
-          </a:schemeClr>
-        </a:solidFill>
-        <a:round/>
-      </a:ln>
-    </cs:spPr>
-  </cs:leaderLine>
-  <cs:legend>
-    <cs:lnRef idx="0"/>
-    <cs:fillRef idx="0"/>
-    <cs:effectRef idx="0"/>
-    <cs:fontRef idx="minor">
-      <a:schemeClr val="tx1">
-        <a:lumMod val="65000"/>
-        <a:lumOff val="35000"/>
-      </a:schemeClr>
-    </cs:fontRef>
-    <cs:defRPr sz="1197" kern="1200"/>
-  </cs:legend>
-  <cs:plotArea mods="allowNoFillOverride allowNoLineOverride">
-    <cs:lnRef idx="0"/>
-    <cs:fillRef idx="0"/>
-    <cs:effectRef idx="0"/>
-    <cs:fontRef idx="minor">
-      <a:schemeClr val="tx1"/>
-    </cs:fontRef>
-  </cs:plotArea>
-  <cs:plotArea3D mods="allowNoFillOverride allowNoLineOverride">
-    <cs:lnRef idx="0"/>
-    <cs:fillRef idx="0"/>
-    <cs:effectRef idx="0"/>
-    <cs:fontRef idx="minor">
-      <a:schemeClr val="tx1"/>
-    </cs:fontRef>
-  </cs:plotArea3D>
-  <cs:seriesAxis>
-    <cs:lnRef idx="0"/>
-    <cs:fillRef idx="0"/>
-    <cs:effectRef idx="0"/>
-    <cs:fontRef idx="minor">
-      <a:schemeClr val="tx1">
-        <a:lumMod val="65000"/>
-        <a:lumOff val="35000"/>
-      </a:schemeClr>
-    </cs:fontRef>
-    <cs:defRPr sz="1197" kern="1200"/>
-  </cs:seriesAxis>
-  <cs:seriesLine>
-    <cs:lnRef idx="0"/>
-    <cs:fillRef idx="0"/>
-    <cs:effectRef idx="0"/>
-    <cs:fontRef idx="minor">
-      <a:schemeClr val="tx1"/>
-    </cs:fontRef>
-    <cs:spPr>
-      <a:ln w="9525" cap="flat" cmpd="sng" algn="ctr">
-        <a:solidFill>
-          <a:schemeClr val="tx1">
-            <a:lumMod val="35000"/>
-            <a:lumOff val="65000"/>
-          </a:schemeClr>
-        </a:solidFill>
-        <a:round/>
-      </a:ln>
-    </cs:spPr>
-  </cs:seriesLine>
-  <cs:title>
-    <cs:lnRef idx="0"/>
-    <cs:fillRef idx="0"/>
-    <cs:effectRef idx="0"/>
-    <cs:fontRef idx="minor">
-      <a:schemeClr val="tx1">
-        <a:lumMod val="65000"/>
-        <a:lumOff val="35000"/>
-      </a:schemeClr>
-    </cs:fontRef>
-    <cs:defRPr sz="1862" b="0" kern="1200" spc="0" baseline="0"/>
-  </cs:title>
-  <cs:trendline>
-    <cs:lnRef idx="0">
-      <cs:styleClr val="auto"/>
-    </cs:lnRef>
-    <cs:fillRef idx="0"/>
-    <cs:effectRef idx="0"/>
-    <cs:fontRef idx="minor">
-      <a:schemeClr val="tx1"/>
-    </cs:fontRef>
-    <cs:spPr>
-      <a:ln w="19050" cap="rnd">
-        <a:solidFill>
-          <a:schemeClr val="phClr"/>
-        </a:solidFill>
-        <a:prstDash val="sysDot"/>
-      </a:ln>
-    </cs:spPr>
-  </cs:trendline>
-  <cs:trendlineLabel>
-    <cs:lnRef idx="0"/>
-    <cs:fillRef idx="0"/>
-    <cs:effectRef idx="0"/>
-    <cs:fontRef idx="minor">
-      <a:schemeClr val="tx1">
-        <a:lumMod val="65000"/>
-        <a:lumOff val="35000"/>
-      </a:schemeClr>
-    </cs:fontRef>
-    <cs:defRPr sz="1197" kern="1200"/>
-  </cs:trendlineLabel>
-  <cs:upBar>
-    <cs:lnRef idx="0"/>
-    <cs:fillRef idx="0"/>
-    <cs:effectRef idx="0"/>
-    <cs:fontRef idx="minor">
-      <a:schemeClr val="tx1"/>
-    </cs:fontRef>
-    <cs:spPr>
-      <a:solidFill>
-        <a:schemeClr val="lt1"/>
-      </a:solidFill>
-      <a:ln w="9525" cap="flat" cmpd="sng" algn="ctr">
-        <a:solidFill>
-          <a:schemeClr val="tx1">
-            <a:lumMod val="65000"/>
-            <a:lumOff val="35000"/>
-          </a:schemeClr>
-        </a:solidFill>
-        <a:round/>
-      </a:ln>
-    </cs:spPr>
-  </cs:upBar>
-  <cs:valueAxis>
-    <cs:lnRef idx="0"/>
-    <cs:fillRef idx="0"/>
-    <cs:effectRef idx="0"/>
-    <cs:fontRef idx="minor">
-      <a:schemeClr val="tx1">
-        <a:lumMod val="65000"/>
-        <a:lumOff val="35000"/>
-      </a:schemeClr>
-    </cs:fontRef>
-    <cs:defRPr sz="1197" kern="1200"/>
-  </cs:valueAxis>
-  <cs:wall>
-    <cs:lnRef idx="0"/>
-    <cs:fillRef idx="0"/>
-    <cs:effectRef idx="0"/>
-    <cs:fontRef idx="minor">
-      <a:schemeClr val="tx1"/>
-    </cs:fontRef>
-    <cs:spPr>
-      <a:noFill/>
-      <a:ln>
-        <a:noFill/>
-      </a:ln>
-    </cs:spPr>
-  </cs:wall>
-</cs:chartStyle>
-</file>
-
 <file path=ppt/handoutMasters/handoutMaster1.xml><?xml version="1.0" encoding="utf-8"?>
 <p:handoutMaster xmlns:a="http://schemas.openxmlformats.org/drawingml/2006/main" xmlns:r="http://schemas.openxmlformats.org/officeDocument/2006/relationships" xmlns:p="http://schemas.openxmlformats.org/presentationml/2006/main">
   <p:cSld>
@@ -1028,7 +225,7 @@
           <a:p>
             <a:fld id="{58B3D3C9-ED3E-4430-A8CA-03711A676035}" type="datetimeFigureOut">
               <a:rPr lang="en-US" smtClean="0"/>
-              <a:t>7/25/2023</a:t>
+              <a:t>7/27/2023</a:t>
             </a:fld>
             <a:endParaRPr lang="en-US" dirty="0"/>
           </a:p>
@@ -1205,7 +402,7 @@
           <a:p>
             <a:fld id="{A3E67E2B-6215-4DB6-B113-75ACD1123374}" type="datetimeFigureOut">
               <a:rPr lang="en-US" smtClean="0"/>
-              <a:t>7/25/2023</a:t>
+              <a:t>7/27/2023</a:t>
             </a:fld>
             <a:endParaRPr lang="en-US" dirty="0"/>
           </a:p>
@@ -1798,6 +995,342 @@
     </p:spTree>
     <p:extLst>
       <p:ext uri="{BB962C8B-B14F-4D97-AF65-F5344CB8AC3E}">
+        <p14:creationId xmlns:p14="http://schemas.microsoft.com/office/powerpoint/2010/main" val="1847033857"/>
+      </p:ext>
+    </p:extLst>
+  </p:cSld>
+  <p:clrMapOvr>
+    <a:masterClrMapping/>
+  </p:clrMapOvr>
+</p:notes>
+</file>
+
+<file path=ppt/notesSlides/notesSlide5.xml><?xml version="1.0" encoding="utf-8"?>
+<p:notes xmlns:a="http://schemas.openxmlformats.org/drawingml/2006/main" xmlns:r="http://schemas.openxmlformats.org/officeDocument/2006/relationships" xmlns:p="http://schemas.openxmlformats.org/presentationml/2006/main">
+  <p:cSld>
+    <p:spTree>
+      <p:nvGrpSpPr>
+        <p:cNvPr id="1" name=""/>
+        <p:cNvGrpSpPr/>
+        <p:nvPr/>
+      </p:nvGrpSpPr>
+      <p:grpSpPr>
+        <a:xfrm>
+          <a:off x="0" y="0"/>
+          <a:ext cx="0" cy="0"/>
+          <a:chOff x="0" y="0"/>
+          <a:chExt cx="0" cy="0"/>
+        </a:xfrm>
+      </p:grpSpPr>
+      <p:sp>
+        <p:nvSpPr>
+          <p:cNvPr id="2" name="Slide Image Placeholder 1"/>
+          <p:cNvSpPr>
+            <a:spLocks noGrp="1" noRot="1" noChangeAspect="1"/>
+          </p:cNvSpPr>
+          <p:nvPr>
+            <p:ph type="sldImg"/>
+          </p:nvPr>
+        </p:nvSpPr>
+        <p:spPr/>
+      </p:sp>
+      <p:sp>
+        <p:nvSpPr>
+          <p:cNvPr id="3" name="Notes Placeholder 2"/>
+          <p:cNvSpPr>
+            <a:spLocks noGrp="1"/>
+          </p:cNvSpPr>
+          <p:nvPr>
+            <p:ph type="body" idx="1"/>
+          </p:nvPr>
+        </p:nvSpPr>
+        <p:spPr/>
+        <p:txBody>
+          <a:bodyPr/>
+          <a:lstStyle/>
+          <a:p>
+            <a:endParaRPr lang="en-US" dirty="0"/>
+          </a:p>
+        </p:txBody>
+      </p:sp>
+      <p:sp>
+        <p:nvSpPr>
+          <p:cNvPr id="4" name="Slide Number Placeholder 3"/>
+          <p:cNvSpPr>
+            <a:spLocks noGrp="1"/>
+          </p:cNvSpPr>
+          <p:nvPr>
+            <p:ph type="sldNum" sz="quarter" idx="5"/>
+          </p:nvPr>
+        </p:nvSpPr>
+        <p:spPr/>
+        <p:txBody>
+          <a:bodyPr/>
+          <a:lstStyle/>
+          <a:p>
+            <a:fld id="{46BC8106-034A-47C1-ADA6-0A1F9E0E7474}" type="slidenum">
+              <a:rPr lang="en-US" smtClean="0"/>
+              <a:t>7</a:t>
+            </a:fld>
+            <a:endParaRPr lang="en-US" dirty="0"/>
+          </a:p>
+        </p:txBody>
+      </p:sp>
+    </p:spTree>
+    <p:extLst>
+      <p:ext uri="{BB962C8B-B14F-4D97-AF65-F5344CB8AC3E}">
+        <p14:creationId xmlns:p14="http://schemas.microsoft.com/office/powerpoint/2010/main" val="1212964897"/>
+      </p:ext>
+    </p:extLst>
+  </p:cSld>
+  <p:clrMapOvr>
+    <a:masterClrMapping/>
+  </p:clrMapOvr>
+</p:notes>
+</file>
+
+<file path=ppt/notesSlides/notesSlide6.xml><?xml version="1.0" encoding="utf-8"?>
+<p:notes xmlns:a="http://schemas.openxmlformats.org/drawingml/2006/main" xmlns:r="http://schemas.openxmlformats.org/officeDocument/2006/relationships" xmlns:p="http://schemas.openxmlformats.org/presentationml/2006/main">
+  <p:cSld>
+    <p:spTree>
+      <p:nvGrpSpPr>
+        <p:cNvPr id="1" name=""/>
+        <p:cNvGrpSpPr/>
+        <p:nvPr/>
+      </p:nvGrpSpPr>
+      <p:grpSpPr>
+        <a:xfrm>
+          <a:off x="0" y="0"/>
+          <a:ext cx="0" cy="0"/>
+          <a:chOff x="0" y="0"/>
+          <a:chExt cx="0" cy="0"/>
+        </a:xfrm>
+      </p:grpSpPr>
+      <p:sp>
+        <p:nvSpPr>
+          <p:cNvPr id="2" name="Slide Image Placeholder 1"/>
+          <p:cNvSpPr>
+            <a:spLocks noGrp="1" noRot="1" noChangeAspect="1"/>
+          </p:cNvSpPr>
+          <p:nvPr>
+            <p:ph type="sldImg"/>
+          </p:nvPr>
+        </p:nvSpPr>
+        <p:spPr/>
+      </p:sp>
+      <p:sp>
+        <p:nvSpPr>
+          <p:cNvPr id="3" name="Notes Placeholder 2"/>
+          <p:cNvSpPr>
+            <a:spLocks noGrp="1"/>
+          </p:cNvSpPr>
+          <p:nvPr>
+            <p:ph type="body" idx="1"/>
+          </p:nvPr>
+        </p:nvSpPr>
+        <p:spPr/>
+        <p:txBody>
+          <a:bodyPr/>
+          <a:lstStyle/>
+          <a:p>
+            <a:endParaRPr lang="en-US" dirty="0"/>
+          </a:p>
+        </p:txBody>
+      </p:sp>
+      <p:sp>
+        <p:nvSpPr>
+          <p:cNvPr id="4" name="Slide Number Placeholder 3"/>
+          <p:cNvSpPr>
+            <a:spLocks noGrp="1"/>
+          </p:cNvSpPr>
+          <p:nvPr>
+            <p:ph type="sldNum" sz="quarter" idx="5"/>
+          </p:nvPr>
+        </p:nvSpPr>
+        <p:spPr/>
+        <p:txBody>
+          <a:bodyPr/>
+          <a:lstStyle/>
+          <a:p>
+            <a:fld id="{46BC8106-034A-47C1-ADA6-0A1F9E0E7474}" type="slidenum">
+              <a:rPr lang="en-US" smtClean="0"/>
+              <a:t>8</a:t>
+            </a:fld>
+            <a:endParaRPr lang="en-US" dirty="0"/>
+          </a:p>
+        </p:txBody>
+      </p:sp>
+    </p:spTree>
+    <p:extLst>
+      <p:ext uri="{BB962C8B-B14F-4D97-AF65-F5344CB8AC3E}">
+        <p14:creationId xmlns:p14="http://schemas.microsoft.com/office/powerpoint/2010/main" val="2365248161"/>
+      </p:ext>
+    </p:extLst>
+  </p:cSld>
+  <p:clrMapOvr>
+    <a:masterClrMapping/>
+  </p:clrMapOvr>
+</p:notes>
+</file>
+
+<file path=ppt/notesSlides/notesSlide7.xml><?xml version="1.0" encoding="utf-8"?>
+<p:notes xmlns:a="http://schemas.openxmlformats.org/drawingml/2006/main" xmlns:r="http://schemas.openxmlformats.org/officeDocument/2006/relationships" xmlns:p="http://schemas.openxmlformats.org/presentationml/2006/main">
+  <p:cSld>
+    <p:spTree>
+      <p:nvGrpSpPr>
+        <p:cNvPr id="1" name=""/>
+        <p:cNvGrpSpPr/>
+        <p:nvPr/>
+      </p:nvGrpSpPr>
+      <p:grpSpPr>
+        <a:xfrm>
+          <a:off x="0" y="0"/>
+          <a:ext cx="0" cy="0"/>
+          <a:chOff x="0" y="0"/>
+          <a:chExt cx="0" cy="0"/>
+        </a:xfrm>
+      </p:grpSpPr>
+      <p:sp>
+        <p:nvSpPr>
+          <p:cNvPr id="2" name="Slide Image Placeholder 1"/>
+          <p:cNvSpPr>
+            <a:spLocks noGrp="1" noRot="1" noChangeAspect="1"/>
+          </p:cNvSpPr>
+          <p:nvPr>
+            <p:ph type="sldImg"/>
+          </p:nvPr>
+        </p:nvSpPr>
+        <p:spPr/>
+      </p:sp>
+      <p:sp>
+        <p:nvSpPr>
+          <p:cNvPr id="3" name="Notes Placeholder 2"/>
+          <p:cNvSpPr>
+            <a:spLocks noGrp="1"/>
+          </p:cNvSpPr>
+          <p:nvPr>
+            <p:ph type="body" idx="1"/>
+          </p:nvPr>
+        </p:nvSpPr>
+        <p:spPr/>
+        <p:txBody>
+          <a:bodyPr/>
+          <a:lstStyle/>
+          <a:p>
+            <a:endParaRPr lang="en-US" dirty="0"/>
+          </a:p>
+        </p:txBody>
+      </p:sp>
+      <p:sp>
+        <p:nvSpPr>
+          <p:cNvPr id="4" name="Slide Number Placeholder 3"/>
+          <p:cNvSpPr>
+            <a:spLocks noGrp="1"/>
+          </p:cNvSpPr>
+          <p:nvPr>
+            <p:ph type="sldNum" sz="quarter" idx="5"/>
+          </p:nvPr>
+        </p:nvSpPr>
+        <p:spPr/>
+        <p:txBody>
+          <a:bodyPr/>
+          <a:lstStyle/>
+          <a:p>
+            <a:fld id="{46BC8106-034A-47C1-ADA6-0A1F9E0E7474}" type="slidenum">
+              <a:rPr lang="en-US" smtClean="0"/>
+              <a:t>9</a:t>
+            </a:fld>
+            <a:endParaRPr lang="en-US" dirty="0"/>
+          </a:p>
+        </p:txBody>
+      </p:sp>
+    </p:spTree>
+    <p:extLst>
+      <p:ext uri="{BB962C8B-B14F-4D97-AF65-F5344CB8AC3E}">
+        <p14:creationId xmlns:p14="http://schemas.microsoft.com/office/powerpoint/2010/main" val="1811915671"/>
+      </p:ext>
+    </p:extLst>
+  </p:cSld>
+  <p:clrMapOvr>
+    <a:masterClrMapping/>
+  </p:clrMapOvr>
+</p:notes>
+</file>
+
+<file path=ppt/notesSlides/notesSlide8.xml><?xml version="1.0" encoding="utf-8"?>
+<p:notes xmlns:a="http://schemas.openxmlformats.org/drawingml/2006/main" xmlns:r="http://schemas.openxmlformats.org/officeDocument/2006/relationships" xmlns:p="http://schemas.openxmlformats.org/presentationml/2006/main">
+  <p:cSld>
+    <p:spTree>
+      <p:nvGrpSpPr>
+        <p:cNvPr id="1" name=""/>
+        <p:cNvGrpSpPr/>
+        <p:nvPr/>
+      </p:nvGrpSpPr>
+      <p:grpSpPr>
+        <a:xfrm>
+          <a:off x="0" y="0"/>
+          <a:ext cx="0" cy="0"/>
+          <a:chOff x="0" y="0"/>
+          <a:chExt cx="0" cy="0"/>
+        </a:xfrm>
+      </p:grpSpPr>
+      <p:sp>
+        <p:nvSpPr>
+          <p:cNvPr id="2" name="Slide Image Placeholder 1"/>
+          <p:cNvSpPr>
+            <a:spLocks noGrp="1" noRot="1" noChangeAspect="1"/>
+          </p:cNvSpPr>
+          <p:nvPr>
+            <p:ph type="sldImg"/>
+          </p:nvPr>
+        </p:nvSpPr>
+        <p:spPr/>
+      </p:sp>
+      <p:sp>
+        <p:nvSpPr>
+          <p:cNvPr id="3" name="Notes Placeholder 2"/>
+          <p:cNvSpPr>
+            <a:spLocks noGrp="1"/>
+          </p:cNvSpPr>
+          <p:nvPr>
+            <p:ph type="body" idx="1"/>
+          </p:nvPr>
+        </p:nvSpPr>
+        <p:spPr/>
+        <p:txBody>
+          <a:bodyPr/>
+          <a:lstStyle/>
+          <a:p>
+            <a:endParaRPr lang="en-US" dirty="0"/>
+          </a:p>
+        </p:txBody>
+      </p:sp>
+      <p:sp>
+        <p:nvSpPr>
+          <p:cNvPr id="4" name="Slide Number Placeholder 3"/>
+          <p:cNvSpPr>
+            <a:spLocks noGrp="1"/>
+          </p:cNvSpPr>
+          <p:nvPr>
+            <p:ph type="sldNum" sz="quarter" idx="5"/>
+          </p:nvPr>
+        </p:nvSpPr>
+        <p:spPr/>
+        <p:txBody>
+          <a:bodyPr/>
+          <a:lstStyle/>
+          <a:p>
+            <a:fld id="{46BC8106-034A-47C1-ADA6-0A1F9E0E7474}" type="slidenum">
+              <a:rPr lang="en-US" smtClean="0"/>
+              <a:t>11</a:t>
+            </a:fld>
+            <a:endParaRPr lang="en-US" dirty="0"/>
+          </a:p>
+        </p:txBody>
+      </p:sp>
+    </p:spTree>
+    <p:extLst>
+      <p:ext uri="{BB962C8B-B14F-4D97-AF65-F5344CB8AC3E}">
         <p14:creationId xmlns:p14="http://schemas.microsoft.com/office/powerpoint/2010/main" val="497408912"/>
       </p:ext>
     </p:extLst>
@@ -1978,7 +1511,7 @@
             <a:fld id="{87DE6118-2437-4B30-8E3C-4D2BE6020583}" type="datetimeFigureOut">
               <a:rPr lang="en-US" smtClean="0"/>
               <a:pPr/>
-              <a:t>7/25/2023</a:t>
+              <a:t>7/27/2023</a:t>
             </a:fld>
             <a:endParaRPr lang="en-US" dirty="0"/>
           </a:p>
@@ -2309,7 +1842,7 @@
           <a:p>
             <a:fld id="{87DE6118-2437-4B30-8E3C-4D2BE6020583}" type="datetimeFigureOut">
               <a:rPr lang="en-US" smtClean="0"/>
-              <a:t>7/25/2023</a:t>
+              <a:t>7/27/2023</a:t>
             </a:fld>
             <a:endParaRPr lang="en-US" dirty="0"/>
           </a:p>
@@ -2489,7 +2022,7 @@
           <a:p>
             <a:fld id="{87DE6118-2437-4B30-8E3C-4D2BE6020583}" type="datetimeFigureOut">
               <a:rPr lang="en-US" smtClean="0"/>
-              <a:t>7/25/2023</a:t>
+              <a:t>7/27/2023</a:t>
             </a:fld>
             <a:endParaRPr lang="en-US" dirty="0"/>
           </a:p>
@@ -2659,7 +2192,7 @@
           <a:p>
             <a:fld id="{87DE6118-2437-4B30-8E3C-4D2BE6020583}" type="datetimeFigureOut">
               <a:rPr lang="en-US" smtClean="0"/>
-              <a:t>7/25/2023</a:t>
+              <a:t>7/27/2023</a:t>
             </a:fld>
             <a:endParaRPr lang="en-US" dirty="0"/>
           </a:p>
@@ -2937,7 +2470,7 @@
             <a:fld id="{87DE6118-2437-4B30-8E3C-4D2BE6020583}" type="datetimeFigureOut">
               <a:rPr lang="en-US" smtClean="0"/>
               <a:pPr/>
-              <a:t>7/25/2023</a:t>
+              <a:t>7/27/2023</a:t>
             </a:fld>
             <a:endParaRPr lang="en-US" dirty="0"/>
           </a:p>
@@ -3332,7 +2865,7 @@
           <a:p>
             <a:fld id="{87DE6118-2437-4B30-8E3C-4D2BE6020583}" type="datetimeFigureOut">
               <a:rPr lang="en-US" smtClean="0"/>
-              <a:t>7/25/2023</a:t>
+              <a:t>7/27/2023</a:t>
             </a:fld>
             <a:endParaRPr lang="en-US" dirty="0"/>
           </a:p>
@@ -3809,7 +3342,7 @@
           <a:p>
             <a:fld id="{87DE6118-2437-4B30-8E3C-4D2BE6020583}" type="datetimeFigureOut">
               <a:rPr lang="en-US" smtClean="0"/>
-              <a:t>7/25/2023</a:t>
+              <a:t>7/27/2023</a:t>
             </a:fld>
             <a:endParaRPr lang="en-US" dirty="0"/>
           </a:p>
@@ -3927,7 +3460,7 @@
           <a:p>
             <a:fld id="{87DE6118-2437-4B30-8E3C-4D2BE6020583}" type="datetimeFigureOut">
               <a:rPr lang="en-US" smtClean="0"/>
-              <a:t>7/25/2023</a:t>
+              <a:t>7/27/2023</a:t>
             </a:fld>
             <a:endParaRPr lang="en-US" dirty="0"/>
           </a:p>
@@ -4022,7 +3555,7 @@
           <a:p>
             <a:fld id="{87DE6118-2437-4B30-8E3C-4D2BE6020583}" type="datetimeFigureOut">
               <a:rPr lang="en-US" smtClean="0"/>
-              <a:t>7/25/2023</a:t>
+              <a:t>7/27/2023</a:t>
             </a:fld>
             <a:endParaRPr lang="en-US" dirty="0"/>
           </a:p>
@@ -4369,7 +3902,7 @@
             <a:fld id="{87DE6118-2437-4B30-8E3C-4D2BE6020583}" type="datetimeFigureOut">
               <a:rPr lang="en-US" smtClean="0"/>
               <a:pPr/>
-              <a:t>7/25/2023</a:t>
+              <a:t>7/27/2023</a:t>
             </a:fld>
             <a:endParaRPr lang="en-US" dirty="0"/>
           </a:p>
@@ -4759,7 +4292,7 @@
             <a:fld id="{87DE6118-2437-4B30-8E3C-4D2BE6020583}" type="datetimeFigureOut">
               <a:rPr lang="en-US" smtClean="0"/>
               <a:pPr/>
-              <a:t>7/25/2023</a:t>
+              <a:t>7/27/2023</a:t>
             </a:fld>
             <a:endParaRPr lang="en-US" dirty="0"/>
           </a:p>
@@ -5039,7 +4572,7 @@
             <a:fld id="{87DE6118-2437-4B30-8E3C-4D2BE6020583}" type="datetimeFigureOut">
               <a:rPr lang="en-US" smtClean="0"/>
               <a:pPr/>
-              <a:t>7/25/2023</a:t>
+              <a:t>7/27/2023</a:t>
             </a:fld>
             <a:endParaRPr lang="en-US" dirty="0"/>
           </a:p>
@@ -5911,7 +5444,7 @@
           </a:p>
           <a:p>
             <a:r>
-              <a:rPr lang="en-US" sz="2000" u="sng" dirty="0">
+              <a:rPr lang="en-US" sz="2000" i="1" u="sng" dirty="0">
                 <a:solidFill>
                   <a:schemeClr val="bg2"/>
                 </a:solidFill>
@@ -5971,17 +5504,9 @@
 </p:sld>
 </file>
 
-<file path=ppt/slides/slide2.xml><?xml version="1.0" encoding="utf-8"?>
+<file path=ppt/slides/slide10.xml><?xml version="1.0" encoding="utf-8"?>
 <p:sld xmlns:a="http://schemas.openxmlformats.org/drawingml/2006/main" xmlns:r="http://schemas.openxmlformats.org/officeDocument/2006/relationships" xmlns:p="http://schemas.openxmlformats.org/presentationml/2006/main">
   <p:cSld>
-    <p:bg>
-      <p:bgPr>
-        <a:solidFill>
-          <a:schemeClr val="bg2"/>
-        </a:solidFill>
-        <a:effectLst/>
-      </p:bgPr>
-    </p:bg>
     <p:spTree>
       <p:nvGrpSpPr>
         <p:cNvPr id="1" name=""/>
@@ -5998,135 +5523,10 @@
       </p:grpSpPr>
       <p:sp>
         <p:nvSpPr>
-          <p:cNvPr id="90" name="Rectangle 89">
+          <p:cNvPr id="6" name="Rectangle: Rounded Corners 5">
             <a:extLst>
               <a:ext uri="{FF2B5EF4-FFF2-40B4-BE49-F238E27FC236}">
-                <a16:creationId xmlns:a16="http://schemas.microsoft.com/office/drawing/2014/main" id="{0E807223-DF88-4D6D-970E-08919E5E02EB}"/>
-              </a:ext>
-              <a:ext uri="{C183D7F6-B498-43B3-948B-1728B52AA6E4}">
-                <adec:decorative xmlns:adec="http://schemas.microsoft.com/office/drawing/2017/decorative" val="1"/>
-              </a:ext>
-            </a:extLst>
-          </p:cNvPr>
-          <p:cNvSpPr>
-            <a:spLocks noGrp="1" noRot="1" noChangeAspect="1" noMove="1" noResize="1" noEditPoints="1" noAdjustHandles="1" noChangeArrowheads="1" noChangeShapeType="1" noTextEdit="1"/>
-          </p:cNvSpPr>
-          <p:nvPr>
-            <p:extLst>
-              <p:ext uri="{386F3935-93C4-4BCD-93E2-E3B085C9AB24}">
-                <p16:designElem xmlns:p16="http://schemas.microsoft.com/office/powerpoint/2015/main" val="1"/>
-              </p:ext>
-            </p:extLst>
-          </p:nvPr>
-        </p:nvSpPr>
-        <p:spPr>
-          <a:xfrm>
-            <a:off x="478095" y="376"/>
-            <a:ext cx="228600" cy="6858000"/>
-          </a:xfrm>
-          <a:prstGeom prst="rect">
-            <a:avLst/>
-          </a:prstGeom>
-          <a:solidFill>
-            <a:schemeClr val="tx2"/>
-          </a:solidFill>
-          <a:ln>
-            <a:noFill/>
-          </a:ln>
-        </p:spPr>
-        <p:style>
-          <a:lnRef idx="2">
-            <a:schemeClr val="accent1">
-              <a:shade val="50000"/>
-            </a:schemeClr>
-          </a:lnRef>
-          <a:fillRef idx="1">
-            <a:schemeClr val="accent1"/>
-          </a:fillRef>
-          <a:effectRef idx="0">
-            <a:schemeClr val="accent1"/>
-          </a:effectRef>
-          <a:fontRef idx="minor">
-            <a:schemeClr val="lt1"/>
-          </a:fontRef>
-        </p:style>
-        <p:txBody>
-          <a:bodyPr/>
-          <a:lstStyle/>
-          <a:p>
-            <a:endParaRPr lang="en-US"/>
-          </a:p>
-        </p:txBody>
-      </p:sp>
-      <p:sp>
-        <p:nvSpPr>
-          <p:cNvPr id="92" name="Rectangle 91">
-            <a:extLst>
-              <a:ext uri="{FF2B5EF4-FFF2-40B4-BE49-F238E27FC236}">
-                <a16:creationId xmlns:a16="http://schemas.microsoft.com/office/drawing/2014/main" id="{83B91B61-BFCA-4647-957E-A8269BE46F39}"/>
-              </a:ext>
-              <a:ext uri="{C183D7F6-B498-43B3-948B-1728B52AA6E4}">
-                <adec:decorative xmlns:adec="http://schemas.microsoft.com/office/drawing/2017/decorative" val="1"/>
-              </a:ext>
-            </a:extLst>
-          </p:cNvPr>
-          <p:cNvSpPr>
-            <a:spLocks noGrp="1" noRot="1" noChangeAspect="1" noMove="1" noResize="1" noEditPoints="1" noAdjustHandles="1" noChangeArrowheads="1" noChangeShapeType="1" noTextEdit="1"/>
-          </p:cNvSpPr>
-          <p:nvPr>
-            <p:extLst>
-              <p:ext uri="{386F3935-93C4-4BCD-93E2-E3B085C9AB24}">
-                <p16:designElem xmlns:p16="http://schemas.microsoft.com/office/powerpoint/2015/main" val="1"/>
-              </p:ext>
-            </p:extLst>
-          </p:nvPr>
-        </p:nvSpPr>
-        <p:spPr>
-          <a:xfrm>
-            <a:off x="0" y="0"/>
-            <a:ext cx="12192000" cy="6858000"/>
-          </a:xfrm>
-          <a:prstGeom prst="rect">
-            <a:avLst/>
-          </a:prstGeom>
-          <a:solidFill>
-            <a:schemeClr val="bg2"/>
-          </a:solidFill>
-          <a:ln>
-            <a:noFill/>
-          </a:ln>
-        </p:spPr>
-        <p:style>
-          <a:lnRef idx="2">
-            <a:schemeClr val="accent1">
-              <a:shade val="50000"/>
-            </a:schemeClr>
-          </a:lnRef>
-          <a:fillRef idx="1">
-            <a:schemeClr val="accent1"/>
-          </a:fillRef>
-          <a:effectRef idx="0">
-            <a:schemeClr val="accent1"/>
-          </a:effectRef>
-          <a:fontRef idx="minor">
-            <a:schemeClr val="lt1"/>
-          </a:fontRef>
-        </p:style>
-        <p:txBody>
-          <a:bodyPr rtlCol="0" anchor="ctr"/>
-          <a:lstStyle/>
-          <a:p>
-            <a:pPr algn="ctr"/>
-            <a:endParaRPr lang="en-US" dirty="0"/>
-          </a:p>
-        </p:txBody>
-      </p:sp>
-      <p:sp>
-        <p:nvSpPr>
-          <p:cNvPr id="12" name="Rectangle: Rounded Corners 11">
-            <a:extLst>
-              <a:ext uri="{FF2B5EF4-FFF2-40B4-BE49-F238E27FC236}">
-                <a16:creationId xmlns:a16="http://schemas.microsoft.com/office/drawing/2014/main" id="{41EB9B03-8810-5F48-E51B-B07C8110822B}"/>
+                <a16:creationId xmlns:a16="http://schemas.microsoft.com/office/drawing/2014/main" id="{9F8412AC-695B-2DFA-5B62-49BAFBE04A97}"/>
               </a:ext>
             </a:extLst>
           </p:cNvPr>
@@ -6135,8 +5535,8 @@
         </p:nvSpPr>
         <p:spPr>
           <a:xfrm>
-            <a:off x="6172933" y="1959833"/>
-            <a:ext cx="4421848" cy="1017543"/>
+            <a:off x="1137139" y="562597"/>
+            <a:ext cx="10574215" cy="2579077"/>
           </a:xfrm>
           <a:prstGeom prst="roundRect">
             <a:avLst/>
@@ -6175,151 +5575,68 @@
       </p:sp>
       <p:sp>
         <p:nvSpPr>
-          <p:cNvPr id="2" name="Title 1">
+          <p:cNvPr id="3" name="TextBox 2">
             <a:extLst>
               <a:ext uri="{FF2B5EF4-FFF2-40B4-BE49-F238E27FC236}">
-                <a16:creationId xmlns:a16="http://schemas.microsoft.com/office/drawing/2014/main" id="{23F6D5E8-15CF-4755-910B-1B5A1E777357}"/>
+                <a16:creationId xmlns:a16="http://schemas.microsoft.com/office/drawing/2014/main" id="{3A9302DF-BAF8-BC1B-26B8-1C4F01A5975B}"/>
               </a:ext>
             </a:extLst>
           </p:cNvPr>
-          <p:cNvSpPr>
-            <a:spLocks noGrp="1"/>
-          </p:cNvSpPr>
-          <p:nvPr>
-            <p:ph type="title"/>
-          </p:nvPr>
+          <p:cNvSpPr txBox="1"/>
+          <p:nvPr/>
         </p:nvSpPr>
         <p:spPr>
           <a:xfrm>
-            <a:off x="5100824" y="685800"/>
-            <a:ext cx="6176776" cy="1485900"/>
-          </a:xfrm>
-        </p:spPr>
-        <p:txBody>
-          <a:bodyPr vert="horz" lIns="91440" tIns="45720" rIns="91440" bIns="45720" rtlCol="0" anchor="t">
-            <a:normAutofit/>
-          </a:bodyPr>
-          <a:lstStyle/>
-          <a:p>
-            <a:pPr algn="ctr"/>
-            <a:r>
-              <a:rPr lang="en-US" dirty="0"/>
-              <a:t>Introduction</a:t>
-            </a:r>
-          </a:p>
-        </p:txBody>
-      </p:sp>
-      <p:sp>
-        <p:nvSpPr>
-          <p:cNvPr id="94" name="Rectangle 93">
-            <a:extLst>
-              <a:ext uri="{FF2B5EF4-FFF2-40B4-BE49-F238E27FC236}">
-                <a16:creationId xmlns:a16="http://schemas.microsoft.com/office/drawing/2014/main" id="{92D1D7C6-1C89-420C-8D35-483654167118}"/>
-              </a:ext>
-              <a:ext uri="{C183D7F6-B498-43B3-948B-1728B52AA6E4}">
-                <adec:decorative xmlns:adec="http://schemas.microsoft.com/office/drawing/2017/decorative" val="1"/>
-              </a:ext>
-            </a:extLst>
-          </p:cNvPr>
-          <p:cNvSpPr>
-            <a:spLocks noGrp="1" noRot="1" noChangeAspect="1" noMove="1" noResize="1" noEditPoints="1" noAdjustHandles="1" noChangeArrowheads="1" noChangeShapeType="1" noTextEdit="1"/>
-          </p:cNvSpPr>
-          <p:nvPr>
-            <p:extLst>
-              <p:ext uri="{386F3935-93C4-4BCD-93E2-E3B085C9AB24}">
-                <p16:designElem xmlns:p16="http://schemas.microsoft.com/office/powerpoint/2015/main" val="1"/>
-              </p:ext>
-            </p:extLst>
-          </p:nvPr>
-        </p:nvSpPr>
-        <p:spPr>
-          <a:xfrm>
-            <a:off x="4373545" y="376"/>
-            <a:ext cx="228600" cy="6858000"/>
-          </a:xfrm>
-          <a:prstGeom prst="rect">
-            <a:avLst/>
-          </a:prstGeom>
-          <a:solidFill>
-            <a:schemeClr val="tx2"/>
-          </a:solidFill>
-          <a:ln>
-            <a:noFill/>
-          </a:ln>
-        </p:spPr>
-        <p:style>
-          <a:lnRef idx="2">
-            <a:schemeClr val="accent1">
-              <a:shade val="50000"/>
-            </a:schemeClr>
-          </a:lnRef>
-          <a:fillRef idx="1">
-            <a:schemeClr val="accent1"/>
-          </a:fillRef>
-          <a:effectRef idx="0">
-            <a:schemeClr val="accent1"/>
-          </a:effectRef>
-          <a:fontRef idx="minor">
-            <a:schemeClr val="lt1"/>
-          </a:fontRef>
-        </p:style>
-        <p:txBody>
-          <a:bodyPr/>
-          <a:lstStyle/>
-          <a:p>
-            <a:endParaRPr lang="en-US"/>
-          </a:p>
-        </p:txBody>
-      </p:sp>
-      <p:pic>
-        <p:nvPicPr>
-          <p:cNvPr id="5" name="Content Placeholder 4" descr="Anthony Bourdain taught me how to write.">
-            <a:extLst>
-              <a:ext uri="{FF2B5EF4-FFF2-40B4-BE49-F238E27FC236}">
-                <a16:creationId xmlns:a16="http://schemas.microsoft.com/office/drawing/2014/main" id="{B735FA3D-C573-192C-5C59-F56BD19B89D1}"/>
-              </a:ext>
-            </a:extLst>
-          </p:cNvPr>
-          <p:cNvPicPr>
-            <a:picLocks noGrp="1" noChangeAspect="1"/>
-          </p:cNvPicPr>
-          <p:nvPr>
-            <p:ph sz="half" idx="1"/>
-          </p:nvPr>
-        </p:nvPicPr>
-        <p:blipFill>
-          <a:blip r:embed="rId3" cstate="print">
-            <a:extLst>
-              <a:ext uri="{28A0092B-C50C-407E-A947-70E740481C1C}">
-                <a14:useLocalDpi xmlns:a14="http://schemas.microsoft.com/office/drawing/2010/main" val="0"/>
-              </a:ext>
-            </a:extLst>
-          </a:blip>
-          <a:srcRect/>
-          <a:stretch>
-            <a:fillRect/>
-          </a:stretch>
-        </p:blipFill>
-        <p:spPr bwMode="auto">
-          <a:xfrm>
-            <a:off x="262195" y="3091876"/>
-            <a:ext cx="3765748" cy="3765748"/>
+            <a:off x="1222129" y="738332"/>
+            <a:ext cx="10395439" cy="2123658"/>
           </a:xfrm>
           <a:prstGeom prst="rect">
             <a:avLst/>
           </a:prstGeom>
           <a:noFill/>
-          <a:ln>
-            <a:noFill/>
-          </a:ln>
-        </p:spPr>
-      </p:pic>
-      <p:sp>
-        <p:nvSpPr>
-          <p:cNvPr id="14" name="Rectangle: Rounded Corners 13">
+        </p:spPr>
+        <p:txBody>
+          <a:bodyPr wrap="square" rtlCol="0">
+            <a:spAutoFit/>
+          </a:bodyPr>
+          <a:lstStyle/>
+          <a:p>
+            <a:pPr algn="just"/>
+            <a:r>
+              <a:rPr lang="en-US" sz="2400" b="1" dirty="0"/>
+              <a:t>Conclusions:</a:t>
+            </a:r>
+          </a:p>
+          <a:p>
+            <a:pPr algn="ctr"/>
+            <a:endParaRPr lang="en-US" dirty="0"/>
+          </a:p>
+          <a:p>
+            <a:pPr algn="ctr"/>
+            <a:r>
+              <a:rPr lang="en-US" dirty="0"/>
+              <a:t>“Travel is fatal to prejudice, bigotry, and narrow-mindedness.” – Mark Twain.</a:t>
+            </a:r>
+          </a:p>
+          <a:p>
+            <a:pPr algn="just"/>
+            <a:endParaRPr lang="en-US" dirty="0"/>
+          </a:p>
+          <a:p>
+            <a:pPr algn="just"/>
+            <a:r>
+              <a:rPr lang="en-US" dirty="0"/>
+              <a:t>Anthony Bourdain spent over a decade of his life traveling the globe, eating, drinking and experiencing other regions, countries, and cultures, so that his viewers could be exposed to information they might not otherwise ever be privy to.</a:t>
+            </a:r>
+          </a:p>
+        </p:txBody>
+      </p:sp>
+      <p:sp>
+        <p:nvSpPr>
+          <p:cNvPr id="7" name="Rectangle: Rounded Corners 6">
             <a:extLst>
               <a:ext uri="{FF2B5EF4-FFF2-40B4-BE49-F238E27FC236}">
-                <a16:creationId xmlns:a16="http://schemas.microsoft.com/office/drawing/2014/main" id="{733AF448-44B1-024A-6B28-1F63959ED8C4}"/>
+                <a16:creationId xmlns:a16="http://schemas.microsoft.com/office/drawing/2014/main" id="{B8E2C49B-86DC-EAAF-67CD-2ADCFFBA996B}"/>
               </a:ext>
             </a:extLst>
           </p:cNvPr>
@@ -6328,8 +5645,8 @@
         </p:nvSpPr>
         <p:spPr>
           <a:xfrm>
-            <a:off x="6172933" y="3247990"/>
-            <a:ext cx="4421848" cy="1139277"/>
+            <a:off x="1137138" y="3531660"/>
+            <a:ext cx="5556739" cy="2579077"/>
           </a:xfrm>
           <a:prstGeom prst="roundRect">
             <a:avLst/>
@@ -6368,406 +5685,54 @@
       </p:sp>
       <p:sp>
         <p:nvSpPr>
-          <p:cNvPr id="7" name="Content Placeholder 6">
+          <p:cNvPr id="4" name="TextBox 3">
             <a:extLst>
               <a:ext uri="{FF2B5EF4-FFF2-40B4-BE49-F238E27FC236}">
-                <a16:creationId xmlns:a16="http://schemas.microsoft.com/office/drawing/2014/main" id="{886EC3BB-23D6-DC21-EB07-A00BAAADB096}"/>
+                <a16:creationId xmlns:a16="http://schemas.microsoft.com/office/drawing/2014/main" id="{56729E6A-9A72-8D0A-03AE-3C6D572E542A}"/>
               </a:ext>
             </a:extLst>
           </p:cNvPr>
-          <p:cNvSpPr>
-            <a:spLocks noGrp="1"/>
-          </p:cNvSpPr>
-          <p:nvPr>
-            <p:ph sz="half" idx="2"/>
-          </p:nvPr>
+          <p:cNvSpPr txBox="1"/>
+          <p:nvPr/>
         </p:nvSpPr>
         <p:spPr>
           <a:xfrm>
-            <a:off x="6095998" y="1901282"/>
-            <a:ext cx="4575717" cy="3055435"/>
-          </a:xfrm>
-        </p:spPr>
-        <p:txBody>
-          <a:bodyPr/>
-          <a:lstStyle/>
-          <a:p>
-            <a:pPr marL="0" indent="0" algn="ctr">
-              <a:buNone/>
-            </a:pPr>
-            <a:r>
-              <a:rPr lang="en-US" dirty="0"/>
-              <a:t>Inspiration</a:t>
-            </a:r>
-          </a:p>
-          <a:p>
-            <a:pPr marL="0" indent="0" algn="just">
-              <a:buNone/>
-            </a:pPr>
-            <a:r>
-              <a:rPr lang="en-US" sz="1400" dirty="0"/>
-              <a:t>We all love food, and we all love Anthony Bourdain, so it was not a difficult decision to delve into his travels for app.</a:t>
-            </a:r>
-          </a:p>
-          <a:p>
-            <a:pPr marL="0" indent="0">
-              <a:buNone/>
-            </a:pPr>
-            <a:endParaRPr lang="en-US" sz="1400" dirty="0"/>
-          </a:p>
-          <a:p>
-            <a:pPr marL="0" indent="0" algn="ctr">
-              <a:buNone/>
-            </a:pPr>
-            <a:r>
-              <a:rPr lang="en-US" dirty="0"/>
-              <a:t>Dataset</a:t>
-            </a:r>
-          </a:p>
-          <a:p>
-            <a:pPr marL="0" indent="0">
-              <a:buNone/>
-            </a:pPr>
-            <a:r>
-              <a:rPr lang="en-US" sz="1400" dirty="0">
-                <a:effectLst/>
-                <a:latin typeface="Calibri" panose="020F0502020204030204" pitchFamily="34" charset="0"/>
-                <a:ea typeface="Calibri" panose="020F0502020204030204" pitchFamily="34" charset="0"/>
-                <a:cs typeface="Times New Roman" panose="02020603050405020304" pitchFamily="18" charset="0"/>
-              </a:rPr>
-              <a:t>https://www.kaggle.com/datasets/michaelbryantds/anthony-bourdain-episode-locations?resource=download</a:t>
-            </a:r>
-          </a:p>
-        </p:txBody>
-      </p:sp>
-    </p:spTree>
-    <p:extLst>
-      <p:ext uri="{BB962C8B-B14F-4D97-AF65-F5344CB8AC3E}">
-        <p14:creationId xmlns:p14="http://schemas.microsoft.com/office/powerpoint/2010/main" val="107679821"/>
-      </p:ext>
-    </p:extLst>
-  </p:cSld>
-  <p:clrMapOvr>
-    <a:masterClrMapping/>
-  </p:clrMapOvr>
-</p:sld>
-</file>
-
-<file path=ppt/slides/slide3.xml><?xml version="1.0" encoding="utf-8"?>
-<p:sld xmlns:a="http://schemas.openxmlformats.org/drawingml/2006/main" xmlns:r="http://schemas.openxmlformats.org/officeDocument/2006/relationships" xmlns:p="http://schemas.openxmlformats.org/presentationml/2006/main">
-  <p:cSld>
-    <p:spTree>
-      <p:nvGrpSpPr>
-        <p:cNvPr id="1" name=""/>
-        <p:cNvGrpSpPr/>
-        <p:nvPr/>
-      </p:nvGrpSpPr>
-      <p:grpSpPr>
-        <a:xfrm>
-          <a:off x="0" y="0"/>
-          <a:ext cx="0" cy="0"/>
-          <a:chOff x="0" y="0"/>
-          <a:chExt cx="0" cy="0"/>
-        </a:xfrm>
-      </p:grpSpPr>
-      <p:sp>
-        <p:nvSpPr>
-          <p:cNvPr id="2" name="Title 1">
-            <a:extLst>
-              <a:ext uri="{FF2B5EF4-FFF2-40B4-BE49-F238E27FC236}">
-                <a16:creationId xmlns:a16="http://schemas.microsoft.com/office/drawing/2014/main" id="{18BAFA64-6E68-40D6-BA9A-8EEB05505112}"/>
-              </a:ext>
-            </a:extLst>
-          </p:cNvPr>
-          <p:cNvSpPr>
-            <a:spLocks noGrp="1"/>
-          </p:cNvSpPr>
-          <p:nvPr>
-            <p:ph type="title"/>
-          </p:nvPr>
-        </p:nvSpPr>
-        <p:spPr/>
-        <p:txBody>
-          <a:bodyPr/>
-          <a:lstStyle/>
-          <a:p>
-            <a:pPr algn="ctr"/>
-            <a:r>
-              <a:rPr lang="en-US" dirty="0"/>
-              <a:t>Design Inspiration</a:t>
-            </a:r>
-          </a:p>
-        </p:txBody>
-      </p:sp>
-      <p:sp>
-        <p:nvSpPr>
-          <p:cNvPr id="3" name="Content Placeholder 2">
-            <a:extLst>
-              <a:ext uri="{FF2B5EF4-FFF2-40B4-BE49-F238E27FC236}">
-                <a16:creationId xmlns:a16="http://schemas.microsoft.com/office/drawing/2014/main" id="{FE683B77-91EA-E953-CBBB-5EA87085343A}"/>
-              </a:ext>
-            </a:extLst>
-          </p:cNvPr>
-          <p:cNvSpPr>
-            <a:spLocks noGrp="1"/>
-          </p:cNvSpPr>
-          <p:nvPr>
-            <p:ph sz="half" idx="1"/>
-          </p:nvPr>
-        </p:nvSpPr>
-        <p:spPr/>
-        <p:txBody>
-          <a:bodyPr/>
-          <a:lstStyle/>
-          <a:p>
-            <a:r>
-              <a:rPr lang="en-US" dirty="0"/>
-              <a:t>Color Scheme</a:t>
-            </a:r>
-          </a:p>
-          <a:p>
-            <a:pPr marL="0" indent="0">
-              <a:buNone/>
-            </a:pPr>
-            <a:r>
-              <a:rPr lang="en-US" sz="1400" dirty="0"/>
-              <a:t>We went with a mostly earthy palette, with pops of red and blue for emphasis.</a:t>
-            </a:r>
-          </a:p>
-          <a:p>
-            <a:pPr marL="0" indent="0">
-              <a:buNone/>
-            </a:pPr>
-            <a:r>
-              <a:rPr lang="en-US" sz="1400" dirty="0"/>
-              <a:t>Some examples of our colors:</a:t>
-            </a:r>
-          </a:p>
-          <a:p>
-            <a:pPr marL="0" indent="0">
-              <a:buNone/>
-            </a:pPr>
-            <a:endParaRPr lang="en-US" sz="1400" dirty="0"/>
-          </a:p>
-        </p:txBody>
-      </p:sp>
-      <p:sp>
-        <p:nvSpPr>
-          <p:cNvPr id="4" name="Content Placeholder 3">
-            <a:extLst>
-              <a:ext uri="{FF2B5EF4-FFF2-40B4-BE49-F238E27FC236}">
-                <a16:creationId xmlns:a16="http://schemas.microsoft.com/office/drawing/2014/main" id="{F3BFFF74-3269-D884-599F-B43AD5B636A5}"/>
-              </a:ext>
-            </a:extLst>
-          </p:cNvPr>
-          <p:cNvSpPr>
-            <a:spLocks noGrp="1"/>
-          </p:cNvSpPr>
-          <p:nvPr>
-            <p:ph sz="half" idx="2"/>
-          </p:nvPr>
-        </p:nvSpPr>
-        <p:spPr/>
-        <p:txBody>
-          <a:bodyPr/>
-          <a:lstStyle/>
-          <a:p>
-            <a:r>
-              <a:rPr lang="en-US" dirty="0"/>
-              <a:t>Image Inspiration</a:t>
-            </a:r>
-          </a:p>
-          <a:p>
-            <a:pPr marL="0" indent="0">
-              <a:buNone/>
-            </a:pPr>
-            <a:endParaRPr lang="en-US" dirty="0"/>
-          </a:p>
-        </p:txBody>
-      </p:sp>
-      <p:pic>
-        <p:nvPicPr>
-          <p:cNvPr id="8" name="Picture 7">
-            <a:extLst>
-              <a:ext uri="{FF2B5EF4-FFF2-40B4-BE49-F238E27FC236}">
-                <a16:creationId xmlns:a16="http://schemas.microsoft.com/office/drawing/2014/main" id="{88749A8E-1F70-3292-A584-F213A9083DC8}"/>
-              </a:ext>
-            </a:extLst>
-          </p:cNvPr>
-          <p:cNvPicPr>
-            <a:picLocks noChangeAspect="1"/>
-          </p:cNvPicPr>
-          <p:nvPr/>
-        </p:nvPicPr>
-        <p:blipFill rotWithShape="1">
-          <a:blip r:embed="rId2"/>
-          <a:srcRect r="75481"/>
-          <a:stretch/>
-        </p:blipFill>
-        <p:spPr>
-          <a:xfrm>
-            <a:off x="1462668" y="3537073"/>
-            <a:ext cx="2061118" cy="1960477"/>
+            <a:off x="1222130" y="3716326"/>
+            <a:ext cx="5366239" cy="2308324"/>
           </a:xfrm>
           <a:prstGeom prst="rect">
             <a:avLst/>
           </a:prstGeom>
-        </p:spPr>
-      </p:pic>
-      <p:pic>
-        <p:nvPicPr>
-          <p:cNvPr id="9" name="Picture 8">
+          <a:noFill/>
+        </p:spPr>
+        <p:txBody>
+          <a:bodyPr wrap="square" rtlCol="0">
+            <a:spAutoFit/>
+          </a:bodyPr>
+          <a:lstStyle/>
+          <a:p>
+            <a:pPr algn="just"/>
+            <a:r>
+              <a:rPr lang="en-US" b="1" dirty="0"/>
+              <a:t>Limitations &amp; Bias:</a:t>
+            </a:r>
+            <a:r>
+              <a:rPr lang="en-US" dirty="0"/>
+              <a:t>  </a:t>
+            </a:r>
+            <a:r>
+              <a:rPr lang="en-US" sz="1400" dirty="0"/>
+              <a:t>We would have really liked to have been able to use food data. Unfortunately, our dataset did not include any specific dish data. The only place our team was able to find such information would have required a great deal of web scraping, which would have taken more time than we had to complete this project. Also, in terms of the travel distances, our calculations represent a cumulative path between unique locations; whereas, in reality, he could have traveled back to his home city of New York between some, or all, of his trips, amassing a great number more overall miles traveled.</a:t>
+            </a:r>
+          </a:p>
+        </p:txBody>
+      </p:sp>
+      <p:sp>
+        <p:nvSpPr>
+          <p:cNvPr id="8" name="Rectangle: Rounded Corners 7">
             <a:extLst>
               <a:ext uri="{FF2B5EF4-FFF2-40B4-BE49-F238E27FC236}">
-                <a16:creationId xmlns:a16="http://schemas.microsoft.com/office/drawing/2014/main" id="{9F71BD4D-6016-B248-1787-64C4128508AA}"/>
-              </a:ext>
-            </a:extLst>
-          </p:cNvPr>
-          <p:cNvPicPr>
-            <a:picLocks noChangeAspect="1"/>
-          </p:cNvPicPr>
-          <p:nvPr/>
-        </p:nvPicPr>
-        <p:blipFill>
-          <a:blip r:embed="rId3"/>
-          <a:stretch>
-            <a:fillRect/>
-          </a:stretch>
-        </p:blipFill>
-        <p:spPr>
-          <a:xfrm>
-            <a:off x="6372616" y="2717551"/>
-            <a:ext cx="1515325" cy="3934017"/>
-          </a:xfrm>
-          <a:prstGeom prst="rect">
-            <a:avLst/>
-          </a:prstGeom>
-        </p:spPr>
-      </p:pic>
-      <p:pic>
-        <p:nvPicPr>
-          <p:cNvPr id="10" name="Picture 9">
-            <a:extLst>
-              <a:ext uri="{FF2B5EF4-FFF2-40B4-BE49-F238E27FC236}">
-                <a16:creationId xmlns:a16="http://schemas.microsoft.com/office/drawing/2014/main" id="{23681529-B04E-0CA1-D08D-102555D68898}"/>
-              </a:ext>
-            </a:extLst>
-          </p:cNvPr>
-          <p:cNvPicPr>
-            <a:picLocks noChangeAspect="1"/>
-          </p:cNvPicPr>
-          <p:nvPr/>
-        </p:nvPicPr>
-        <p:blipFill rotWithShape="1">
-          <a:blip r:embed="rId4"/>
-          <a:srcRect l="7777" t="12845" r="8157" b="11707"/>
-          <a:stretch/>
-        </p:blipFill>
-        <p:spPr>
-          <a:xfrm>
-            <a:off x="8040728" y="4273222"/>
-            <a:ext cx="2297151" cy="2061660"/>
-          </a:xfrm>
-          <a:prstGeom prst="rect">
-            <a:avLst/>
-          </a:prstGeom>
-        </p:spPr>
-      </p:pic>
-      <p:pic>
-        <p:nvPicPr>
-          <p:cNvPr id="11" name="Picture 10">
-            <a:extLst>
-              <a:ext uri="{FF2B5EF4-FFF2-40B4-BE49-F238E27FC236}">
-                <a16:creationId xmlns:a16="http://schemas.microsoft.com/office/drawing/2014/main" id="{0EA5D194-6078-CA31-D8FE-0B1121029797}"/>
-              </a:ext>
-            </a:extLst>
-          </p:cNvPr>
-          <p:cNvPicPr>
-            <a:picLocks noChangeAspect="1"/>
-          </p:cNvPicPr>
-          <p:nvPr/>
-        </p:nvPicPr>
-        <p:blipFill>
-          <a:blip r:embed="rId5"/>
-          <a:stretch>
-            <a:fillRect/>
-          </a:stretch>
-        </p:blipFill>
-        <p:spPr>
-          <a:xfrm>
-            <a:off x="8121348" y="2867848"/>
-            <a:ext cx="1807495" cy="1203275"/>
-          </a:xfrm>
-          <a:prstGeom prst="rect">
-            <a:avLst/>
-          </a:prstGeom>
-        </p:spPr>
-      </p:pic>
-    </p:spTree>
-    <p:extLst>
-      <p:ext uri="{BB962C8B-B14F-4D97-AF65-F5344CB8AC3E}">
-        <p14:creationId xmlns:p14="http://schemas.microsoft.com/office/powerpoint/2010/main" val="3592630968"/>
-      </p:ext>
-    </p:extLst>
-  </p:cSld>
-  <p:clrMapOvr>
-    <a:masterClrMapping/>
-  </p:clrMapOvr>
-</p:sld>
-</file>
-
-<file path=ppt/slides/slide4.xml><?xml version="1.0" encoding="utf-8"?>
-<p:sld xmlns:a="http://schemas.openxmlformats.org/drawingml/2006/main" xmlns:r="http://schemas.openxmlformats.org/officeDocument/2006/relationships" xmlns:p="http://schemas.openxmlformats.org/presentationml/2006/main">
-  <p:cSld>
-    <p:spTree>
-      <p:nvGrpSpPr>
-        <p:cNvPr id="1" name=""/>
-        <p:cNvGrpSpPr/>
-        <p:nvPr/>
-      </p:nvGrpSpPr>
-      <p:grpSpPr>
-        <a:xfrm>
-          <a:off x="0" y="0"/>
-          <a:ext cx="0" cy="0"/>
-          <a:chOff x="0" y="0"/>
-          <a:chExt cx="0" cy="0"/>
-        </a:xfrm>
-      </p:grpSpPr>
-      <p:sp>
-        <p:nvSpPr>
-          <p:cNvPr id="2" name="Title 1">
-            <a:extLst>
-              <a:ext uri="{FF2B5EF4-FFF2-40B4-BE49-F238E27FC236}">
-                <a16:creationId xmlns:a16="http://schemas.microsoft.com/office/drawing/2014/main" id="{847B5B2F-1017-8DDA-0339-3C8A698BC9D3}"/>
-              </a:ext>
-            </a:extLst>
-          </p:cNvPr>
-          <p:cNvSpPr>
-            <a:spLocks noGrp="1"/>
-          </p:cNvSpPr>
-          <p:nvPr>
-            <p:ph type="title"/>
-          </p:nvPr>
-        </p:nvSpPr>
-        <p:spPr/>
-        <p:txBody>
-          <a:bodyPr/>
-          <a:lstStyle/>
-          <a:p>
-            <a:pPr algn="ctr"/>
-            <a:r>
-              <a:rPr lang="en-US" dirty="0"/>
-              <a:t>Data Engineering</a:t>
-            </a:r>
-          </a:p>
-        </p:txBody>
-      </p:sp>
-      <p:sp>
-        <p:nvSpPr>
-          <p:cNvPr id="5" name="Rectangle: Rounded Corners 4">
-            <a:extLst>
-              <a:ext uri="{FF2B5EF4-FFF2-40B4-BE49-F238E27FC236}">
-                <a16:creationId xmlns:a16="http://schemas.microsoft.com/office/drawing/2014/main" id="{14DD8363-8D8B-822F-E312-C3604B30FCA0}"/>
+                <a16:creationId xmlns:a16="http://schemas.microsoft.com/office/drawing/2014/main" id="{4826ED97-67BB-9444-538B-F78054F598C3}"/>
               </a:ext>
             </a:extLst>
           </p:cNvPr>
@@ -6776,8 +5741,8 @@
         </p:nvSpPr>
         <p:spPr>
           <a:xfrm>
-            <a:off x="1371600" y="2285999"/>
-            <a:ext cx="4447786" cy="2509025"/>
+            <a:off x="6863862" y="3531659"/>
+            <a:ext cx="4847492" cy="2579077"/>
           </a:xfrm>
           <a:prstGeom prst="roundRect">
             <a:avLst/>
@@ -6816,135 +5781,44 @@
       </p:sp>
       <p:sp>
         <p:nvSpPr>
-          <p:cNvPr id="3" name="Content Placeholder 2">
+          <p:cNvPr id="5" name="TextBox 4">
             <a:extLst>
               <a:ext uri="{FF2B5EF4-FFF2-40B4-BE49-F238E27FC236}">
-                <a16:creationId xmlns:a16="http://schemas.microsoft.com/office/drawing/2014/main" id="{F2A0FBAA-20CD-EA26-FAA6-2B2EC3361AE2}"/>
+                <a16:creationId xmlns:a16="http://schemas.microsoft.com/office/drawing/2014/main" id="{EC788349-EDF8-B327-4E07-CA4454DFCCE6}"/>
               </a:ext>
             </a:extLst>
           </p:cNvPr>
-          <p:cNvSpPr>
-            <a:spLocks noGrp="1"/>
-          </p:cNvSpPr>
-          <p:nvPr>
-            <p:ph sz="half" idx="1"/>
-          </p:nvPr>
-        </p:nvSpPr>
-        <p:spPr/>
-        <p:txBody>
-          <a:bodyPr/>
-          <a:lstStyle/>
-          <a:p>
-            <a:r>
-              <a:rPr lang="en-US" dirty="0"/>
-              <a:t>Data Cleaning</a:t>
-            </a:r>
-          </a:p>
-          <a:p>
-            <a:pPr marL="0" indent="0" algn="just">
-              <a:buNone/>
-            </a:pPr>
-            <a:r>
-              <a:rPr lang="en-US" sz="1400" dirty="0"/>
-              <a:t>Our open-source dataset download provided two CSV files, though our group realized early on that only one of those was useful for our purposes, the other being a truncated and reformatted version of the same data. Once we read in our primary CSV, we found the data itself to be relatively clean. We dropped a total of four columns as unnecessary, only needed to convert a single column’s data format, and renamed only a single column header.</a:t>
-            </a:r>
-          </a:p>
-        </p:txBody>
-      </p:sp>
-      <p:sp>
-        <p:nvSpPr>
-          <p:cNvPr id="6" name="Rectangle: Rounded Corners 5">
-            <a:extLst>
-              <a:ext uri="{FF2B5EF4-FFF2-40B4-BE49-F238E27FC236}">
-                <a16:creationId xmlns:a16="http://schemas.microsoft.com/office/drawing/2014/main" id="{FFEAECDF-BE01-F56C-CC51-F70A78226501}"/>
-              </a:ext>
-            </a:extLst>
-          </p:cNvPr>
-          <p:cNvSpPr/>
+          <p:cNvSpPr txBox="1"/>
           <p:nvPr/>
         </p:nvSpPr>
         <p:spPr>
           <a:xfrm>
-            <a:off x="6525403" y="2285999"/>
-            <a:ext cx="4447397" cy="2754352"/>
-          </a:xfrm>
-          <a:prstGeom prst="roundRect">
+            <a:off x="6948854" y="3716326"/>
+            <a:ext cx="4668715" cy="1231106"/>
+          </a:xfrm>
+          <a:prstGeom prst="rect">
             <a:avLst/>
           </a:prstGeom>
-          <a:solidFill>
-            <a:schemeClr val="bg1"/>
-          </a:solidFill>
-          <a:ln>
-            <a:noFill/>
-          </a:ln>
-        </p:spPr>
-        <p:style>
-          <a:lnRef idx="2">
-            <a:schemeClr val="accent1">
-              <a:shade val="15000"/>
-            </a:schemeClr>
-          </a:lnRef>
-          <a:fillRef idx="1">
-            <a:schemeClr val="accent1"/>
-          </a:fillRef>
-          <a:effectRef idx="0">
-            <a:schemeClr val="accent1"/>
-          </a:effectRef>
-          <a:fontRef idx="minor">
-            <a:schemeClr val="lt1"/>
-          </a:fontRef>
-        </p:style>
-        <p:txBody>
-          <a:bodyPr rtlCol="0" anchor="ctr"/>
+          <a:noFill/>
+        </p:spPr>
+        <p:txBody>
+          <a:bodyPr wrap="square" rtlCol="0">
+            <a:spAutoFit/>
+          </a:bodyPr>
           <a:lstStyle/>
           <a:p>
-            <a:pPr algn="ctr"/>
-            <a:endParaRPr lang="en-US"/>
-          </a:p>
-        </p:txBody>
-      </p:sp>
-      <p:sp>
-        <p:nvSpPr>
-          <p:cNvPr id="4" name="Content Placeholder 3">
-            <a:extLst>
-              <a:ext uri="{FF2B5EF4-FFF2-40B4-BE49-F238E27FC236}">
-                <a16:creationId xmlns:a16="http://schemas.microsoft.com/office/drawing/2014/main" id="{DADB6881-8785-5D30-A798-2E8788AB1060}"/>
-              </a:ext>
-            </a:extLst>
-          </p:cNvPr>
-          <p:cNvSpPr>
-            <a:spLocks noGrp="1"/>
-          </p:cNvSpPr>
-          <p:nvPr>
-            <p:ph sz="half" idx="2"/>
-          </p:nvPr>
-        </p:nvSpPr>
-        <p:spPr/>
-        <p:txBody>
-          <a:bodyPr/>
-          <a:lstStyle/>
-          <a:p>
+            <a:pPr algn="just"/>
+            <a:r>
+              <a:rPr lang="en-US" b="1" dirty="0"/>
+              <a:t>Future Work:</a:t>
+            </a:r>
             <a:r>
               <a:rPr lang="en-US" dirty="0"/>
-              <a:t>Distance Calculation</a:t>
-            </a:r>
-          </a:p>
-          <a:p>
-            <a:pPr marL="0" indent="0">
-              <a:buNone/>
-            </a:pPr>
+              <a:t>  </a:t>
+            </a:r>
             <a:r>
               <a:rPr lang="en-US" sz="1400" dirty="0"/>
-              <a:t>Great-Circle Distance vs. Euclidean Distance</a:t>
-            </a:r>
-          </a:p>
-          <a:p>
-            <a:pPr marL="0" indent="0" algn="just">
-              <a:buNone/>
-            </a:pPr>
-            <a:r>
-              <a:rPr lang="en-US" sz="1400" dirty="0"/>
-              <a:t>In our mapping efforts, it came to our attention that our initial distance calculations were based on straight-line distances, otherwise known as the Euclidean space between two points. Correcting this required mathematical conversion to great-circle distance, which is still the distance between points, but measured along the surface of a sphere. Using this conversion was a slower method, but produced more accurate results.</a:t>
+              <a:t>It would be really interesting to acquire food data for all his various travels, and to be able to include that data in our mapping. Perhaps we could also try to hunt down additional data about his actual travel paths to produce more accurate mileage calculations.</a:t>
             </a:r>
           </a:p>
         </p:txBody>
@@ -6952,7 +5826,7 @@
     </p:spTree>
     <p:extLst>
       <p:ext uri="{BB962C8B-B14F-4D97-AF65-F5344CB8AC3E}">
-        <p14:creationId xmlns:p14="http://schemas.microsoft.com/office/powerpoint/2010/main" val="1890484468"/>
+        <p14:creationId xmlns:p14="http://schemas.microsoft.com/office/powerpoint/2010/main" val="2321962580"/>
       </p:ext>
     </p:extLst>
   </p:cSld>
@@ -6962,240 +5836,7 @@
 </p:sld>
 </file>
 
-<file path=ppt/slides/slide5.xml><?xml version="1.0" encoding="utf-8"?>
-<p:sld xmlns:a="http://schemas.openxmlformats.org/drawingml/2006/main" xmlns:r="http://schemas.openxmlformats.org/officeDocument/2006/relationships" xmlns:p="http://schemas.openxmlformats.org/presentationml/2006/main">
-  <p:cSld>
-    <p:bg>
-      <p:bgPr>
-        <a:solidFill>
-          <a:schemeClr val="bg2"/>
-        </a:solidFill>
-        <a:effectLst/>
-      </p:bgPr>
-    </p:bg>
-    <p:spTree>
-      <p:nvGrpSpPr>
-        <p:cNvPr id="1" name=""/>
-        <p:cNvGrpSpPr/>
-        <p:nvPr/>
-      </p:nvGrpSpPr>
-      <p:grpSpPr>
-        <a:xfrm>
-          <a:off x="0" y="0"/>
-          <a:ext cx="0" cy="0"/>
-          <a:chOff x="0" y="0"/>
-          <a:chExt cx="0" cy="0"/>
-        </a:xfrm>
-      </p:grpSpPr>
-      <p:sp useBgFill="1">
-        <p:nvSpPr>
-          <p:cNvPr id="18" name="Rectangle 17">
-            <a:extLst>
-              <a:ext uri="{FF2B5EF4-FFF2-40B4-BE49-F238E27FC236}">
-                <a16:creationId xmlns:a16="http://schemas.microsoft.com/office/drawing/2014/main" id="{59DB74EB-2A7D-443D-B969-8BF48F993159}"/>
-              </a:ext>
-              <a:ext uri="{C183D7F6-B498-43B3-948B-1728B52AA6E4}">
-                <adec:decorative xmlns:adec="http://schemas.microsoft.com/office/drawing/2017/decorative" val="1"/>
-              </a:ext>
-            </a:extLst>
-          </p:cNvPr>
-          <p:cNvSpPr>
-            <a:spLocks noGrp="1" noRot="1" noChangeAspect="1" noMove="1" noResize="1" noEditPoints="1" noAdjustHandles="1" noChangeArrowheads="1" noChangeShapeType="1" noTextEdit="1"/>
-          </p:cNvSpPr>
-          <p:nvPr>
-            <p:extLst>
-              <p:ext uri="{386F3935-93C4-4BCD-93E2-E3B085C9AB24}">
-                <p16:designElem xmlns:p16="http://schemas.microsoft.com/office/powerpoint/2015/main" val="1"/>
-              </p:ext>
-            </p:extLst>
-          </p:nvPr>
-        </p:nvSpPr>
-        <p:spPr>
-          <a:xfrm>
-            <a:off x="0" y="0"/>
-            <a:ext cx="12192000" cy="6858000"/>
-          </a:xfrm>
-          <a:prstGeom prst="rect">
-            <a:avLst/>
-          </a:prstGeom>
-          <a:ln>
-            <a:noFill/>
-          </a:ln>
-        </p:spPr>
-        <p:style>
-          <a:lnRef idx="2">
-            <a:schemeClr val="accent1">
-              <a:shade val="50000"/>
-            </a:schemeClr>
-          </a:lnRef>
-          <a:fillRef idx="1">
-            <a:schemeClr val="accent1"/>
-          </a:fillRef>
-          <a:effectRef idx="0">
-            <a:schemeClr val="accent1"/>
-          </a:effectRef>
-          <a:fontRef idx="minor">
-            <a:schemeClr val="lt1"/>
-          </a:fontRef>
-        </p:style>
-        <p:txBody>
-          <a:bodyPr rtlCol="0" anchor="ctr"/>
-          <a:lstStyle/>
-          <a:p>
-            <a:pPr algn="ctr"/>
-            <a:endParaRPr lang="en-US" dirty="0"/>
-          </a:p>
-        </p:txBody>
-      </p:sp>
-      <p:sp>
-        <p:nvSpPr>
-          <p:cNvPr id="2" name="Title 1">
-            <a:extLst>
-              <a:ext uri="{FF2B5EF4-FFF2-40B4-BE49-F238E27FC236}">
-                <a16:creationId xmlns:a16="http://schemas.microsoft.com/office/drawing/2014/main" id="{23F6D5E8-15CF-4755-910B-1B5A1E777357}"/>
-              </a:ext>
-            </a:extLst>
-          </p:cNvPr>
-          <p:cNvSpPr>
-            <a:spLocks noGrp="1"/>
-          </p:cNvSpPr>
-          <p:nvPr>
-            <p:ph type="title"/>
-          </p:nvPr>
-        </p:nvSpPr>
-        <p:spPr>
-          <a:xfrm>
-            <a:off x="8252340" y="639704"/>
-            <a:ext cx="3299579" cy="5577840"/>
-          </a:xfrm>
-        </p:spPr>
-        <p:txBody>
-          <a:bodyPr anchor="ctr">
-            <a:normAutofit/>
-          </a:bodyPr>
-          <a:lstStyle/>
-          <a:p>
-            <a:r>
-              <a:rPr lang="en-US" dirty="0"/>
-              <a:t>Common Travel Seasons </a:t>
-            </a:r>
-            <a:br>
-              <a:rPr lang="en-US" dirty="0"/>
-            </a:br>
-            <a:endParaRPr lang="en-US" dirty="0"/>
-          </a:p>
-        </p:txBody>
-      </p:sp>
-      <p:sp>
-        <p:nvSpPr>
-          <p:cNvPr id="20" name="Rectangle 19">
-            <a:extLst>
-              <a:ext uri="{FF2B5EF4-FFF2-40B4-BE49-F238E27FC236}">
-                <a16:creationId xmlns:a16="http://schemas.microsoft.com/office/drawing/2014/main" id="{19036E77-5F7B-494E-A117-FEA947B357EE}"/>
-              </a:ext>
-              <a:ext uri="{C183D7F6-B498-43B3-948B-1728B52AA6E4}">
-                <adec:decorative xmlns:adec="http://schemas.microsoft.com/office/drawing/2017/decorative" val="1"/>
-              </a:ext>
-            </a:extLst>
-          </p:cNvPr>
-          <p:cNvSpPr>
-            <a:spLocks noGrp="1" noRot="1" noChangeAspect="1" noMove="1" noResize="1" noEditPoints="1" noAdjustHandles="1" noChangeArrowheads="1" noChangeShapeType="1" noTextEdit="1"/>
-          </p:cNvSpPr>
-          <p:nvPr>
-            <p:extLst>
-              <p:ext uri="{386F3935-93C4-4BCD-93E2-E3B085C9AB24}">
-                <p16:designElem xmlns:p16="http://schemas.microsoft.com/office/powerpoint/2015/main" val="1"/>
-              </p:ext>
-            </p:extLst>
-          </p:nvPr>
-        </p:nvSpPr>
-        <p:spPr>
-          <a:xfrm>
-            <a:off x="7383661" y="0"/>
-            <a:ext cx="228600" cy="6858000"/>
-          </a:xfrm>
-          <a:prstGeom prst="rect">
-            <a:avLst/>
-          </a:prstGeom>
-          <a:solidFill>
-            <a:schemeClr val="tx1">
-              <a:lumMod val="50000"/>
-              <a:alpha val="40000"/>
-            </a:schemeClr>
-          </a:solidFill>
-          <a:ln>
-            <a:noFill/>
-          </a:ln>
-        </p:spPr>
-        <p:style>
-          <a:lnRef idx="2">
-            <a:schemeClr val="accent1">
-              <a:shade val="50000"/>
-            </a:schemeClr>
-          </a:lnRef>
-          <a:fillRef idx="1">
-            <a:schemeClr val="accent1"/>
-          </a:fillRef>
-          <a:effectRef idx="0">
-            <a:schemeClr val="accent1"/>
-          </a:effectRef>
-          <a:fontRef idx="minor">
-            <a:schemeClr val="lt1"/>
-          </a:fontRef>
-        </p:style>
-        <p:txBody>
-          <a:bodyPr/>
-          <a:lstStyle/>
-          <a:p>
-            <a:endParaRPr lang="en-US"/>
-          </a:p>
-        </p:txBody>
-      </p:sp>
-      <p:graphicFrame>
-        <p:nvGraphicFramePr>
-          <p:cNvPr id="13" name="Диаграмма 3" descr="Chart&#10;">
-            <a:extLst>
-              <a:ext uri="{FF2B5EF4-FFF2-40B4-BE49-F238E27FC236}">
-                <a16:creationId xmlns:a16="http://schemas.microsoft.com/office/drawing/2014/main" id="{6BDC48A0-8B3E-CE42-BC22-664690C98213}"/>
-              </a:ext>
-            </a:extLst>
-          </p:cNvPr>
-          <p:cNvGraphicFramePr>
-            <a:graphicFrameLocks noGrp="1" noChangeAspect="1"/>
-          </p:cNvGraphicFramePr>
-          <p:nvPr>
-            <p:ph idx="1"/>
-            <p:extLst>
-              <p:ext uri="{D42A27DB-BD31-4B8C-83A1-F6EECF244321}">
-                <p14:modId xmlns:p14="http://schemas.microsoft.com/office/powerpoint/2010/main" val="2338851978"/>
-              </p:ext>
-            </p:extLst>
-          </p:nvPr>
-        </p:nvGraphicFramePr>
-        <p:xfrm>
-          <a:off x="784225" y="639763"/>
-          <a:ext cx="5959475" cy="5577781"/>
-        </p:xfrm>
-        <a:graphic>
-          <a:graphicData uri="http://schemas.openxmlformats.org/drawingml/2006/chart">
-            <c:chart xmlns:c="http://schemas.openxmlformats.org/drawingml/2006/chart" xmlns:r="http://schemas.openxmlformats.org/officeDocument/2006/relationships" r:id="rId3"/>
-          </a:graphicData>
-        </a:graphic>
-      </p:graphicFrame>
-    </p:spTree>
-    <p:extLst>
-      <p:ext uri="{BB962C8B-B14F-4D97-AF65-F5344CB8AC3E}">
-        <p14:creationId xmlns:p14="http://schemas.microsoft.com/office/powerpoint/2010/main" val="3745136551"/>
-      </p:ext>
-    </p:extLst>
-  </p:cSld>
-  <p:clrMapOvr>
-    <a:overrideClrMapping bg1="dk1" tx1="lt1" bg2="dk2" tx2="lt2" accent1="accent1" accent2="accent2" accent3="accent3" accent4="accent4" accent5="accent5" accent6="accent6" hlink="hlink" folHlink="folHlink"/>
-  </p:clrMapOvr>
-</p:sld>
-</file>
-
-<file path=ppt/slides/slide6.xml><?xml version="1.0" encoding="utf-8"?>
+<file path=ppt/slides/slide11.xml><?xml version="1.0" encoding="utf-8"?>
 <p:sld xmlns:a="http://schemas.openxmlformats.org/drawingml/2006/main" xmlns:r="http://schemas.openxmlformats.org/officeDocument/2006/relationships" xmlns:p="http://schemas.openxmlformats.org/presentationml/2006/main">
   <p:cSld>
     <p:bg>
@@ -7532,45 +6173,6 @@
           </a:p>
         </p:txBody>
       </p:sp>
-      <p:sp>
-        <p:nvSpPr>
-          <p:cNvPr id="3" name="Subtitle 2">
-            <a:extLst>
-              <a:ext uri="{FF2B5EF4-FFF2-40B4-BE49-F238E27FC236}">
-                <a16:creationId xmlns:a16="http://schemas.microsoft.com/office/drawing/2014/main" id="{D698B4E1-5F4F-8E4F-97D2-0176CBCC4A51}"/>
-              </a:ext>
-            </a:extLst>
-          </p:cNvPr>
-          <p:cNvSpPr>
-            <a:spLocks noGrp="1"/>
-          </p:cNvSpPr>
-          <p:nvPr>
-            <p:ph type="subTitle" idx="1"/>
-          </p:nvPr>
-        </p:nvSpPr>
-        <p:spPr>
-          <a:xfrm>
-            <a:off x="2679906" y="3956279"/>
-            <a:ext cx="6831673" cy="1086237"/>
-          </a:xfrm>
-        </p:spPr>
-        <p:txBody>
-          <a:bodyPr>
-            <a:normAutofit/>
-          </a:bodyPr>
-          <a:lstStyle/>
-          <a:p>
-            <a:r>
-              <a:rPr lang="en-US" dirty="0">
-                <a:solidFill>
-                  <a:schemeClr val="bg2"/>
-                </a:solidFill>
-              </a:rPr>
-              <a:t>someone@example.com</a:t>
-            </a:r>
-          </a:p>
-        </p:txBody>
-      </p:sp>
     </p:spTree>
     <p:extLst>
       <p:ext uri="{BB962C8B-B14F-4D97-AF65-F5344CB8AC3E}">
@@ -7580,6 +6182,2543 @@
   </p:cSld>
   <p:clrMapOvr>
     <a:masterClrMapping/>
+  </p:clrMapOvr>
+</p:sld>
+</file>
+
+<file path=ppt/slides/slide2.xml><?xml version="1.0" encoding="utf-8"?>
+<p:sld xmlns:a="http://schemas.openxmlformats.org/drawingml/2006/main" xmlns:r="http://schemas.openxmlformats.org/officeDocument/2006/relationships" xmlns:p="http://schemas.openxmlformats.org/presentationml/2006/main">
+  <p:cSld>
+    <p:bg>
+      <p:bgPr>
+        <a:solidFill>
+          <a:schemeClr val="bg2"/>
+        </a:solidFill>
+        <a:effectLst/>
+      </p:bgPr>
+    </p:bg>
+    <p:spTree>
+      <p:nvGrpSpPr>
+        <p:cNvPr id="1" name=""/>
+        <p:cNvGrpSpPr/>
+        <p:nvPr/>
+      </p:nvGrpSpPr>
+      <p:grpSpPr>
+        <a:xfrm>
+          <a:off x="0" y="0"/>
+          <a:ext cx="0" cy="0"/>
+          <a:chOff x="0" y="0"/>
+          <a:chExt cx="0" cy="0"/>
+        </a:xfrm>
+      </p:grpSpPr>
+      <p:sp>
+        <p:nvSpPr>
+          <p:cNvPr id="90" name="Rectangle 89">
+            <a:extLst>
+              <a:ext uri="{FF2B5EF4-FFF2-40B4-BE49-F238E27FC236}">
+                <a16:creationId xmlns:a16="http://schemas.microsoft.com/office/drawing/2014/main" id="{0E807223-DF88-4D6D-970E-08919E5E02EB}"/>
+              </a:ext>
+              <a:ext uri="{C183D7F6-B498-43B3-948B-1728B52AA6E4}">
+                <adec:decorative xmlns:adec="http://schemas.microsoft.com/office/drawing/2017/decorative" val="1"/>
+              </a:ext>
+            </a:extLst>
+          </p:cNvPr>
+          <p:cNvSpPr>
+            <a:spLocks noGrp="1" noRot="1" noChangeAspect="1" noMove="1" noResize="1" noEditPoints="1" noAdjustHandles="1" noChangeArrowheads="1" noChangeShapeType="1" noTextEdit="1"/>
+          </p:cNvSpPr>
+          <p:nvPr>
+            <p:extLst>
+              <p:ext uri="{386F3935-93C4-4BCD-93E2-E3B085C9AB24}">
+                <p16:designElem xmlns:p16="http://schemas.microsoft.com/office/powerpoint/2015/main" val="1"/>
+              </p:ext>
+            </p:extLst>
+          </p:nvPr>
+        </p:nvSpPr>
+        <p:spPr>
+          <a:xfrm>
+            <a:off x="478095" y="376"/>
+            <a:ext cx="228600" cy="6858000"/>
+          </a:xfrm>
+          <a:prstGeom prst="rect">
+            <a:avLst/>
+          </a:prstGeom>
+          <a:solidFill>
+            <a:schemeClr val="tx2"/>
+          </a:solidFill>
+          <a:ln>
+            <a:noFill/>
+          </a:ln>
+        </p:spPr>
+        <p:style>
+          <a:lnRef idx="2">
+            <a:schemeClr val="accent1">
+              <a:shade val="50000"/>
+            </a:schemeClr>
+          </a:lnRef>
+          <a:fillRef idx="1">
+            <a:schemeClr val="accent1"/>
+          </a:fillRef>
+          <a:effectRef idx="0">
+            <a:schemeClr val="accent1"/>
+          </a:effectRef>
+          <a:fontRef idx="minor">
+            <a:schemeClr val="lt1"/>
+          </a:fontRef>
+        </p:style>
+        <p:txBody>
+          <a:bodyPr/>
+          <a:lstStyle/>
+          <a:p>
+            <a:endParaRPr lang="en-US"/>
+          </a:p>
+        </p:txBody>
+      </p:sp>
+      <p:sp>
+        <p:nvSpPr>
+          <p:cNvPr id="92" name="Rectangle 91">
+            <a:extLst>
+              <a:ext uri="{FF2B5EF4-FFF2-40B4-BE49-F238E27FC236}">
+                <a16:creationId xmlns:a16="http://schemas.microsoft.com/office/drawing/2014/main" id="{83B91B61-BFCA-4647-957E-A8269BE46F39}"/>
+              </a:ext>
+              <a:ext uri="{C183D7F6-B498-43B3-948B-1728B52AA6E4}">
+                <adec:decorative xmlns:adec="http://schemas.microsoft.com/office/drawing/2017/decorative" val="1"/>
+              </a:ext>
+            </a:extLst>
+          </p:cNvPr>
+          <p:cNvSpPr>
+            <a:spLocks noGrp="1" noRot="1" noChangeAspect="1" noMove="1" noResize="1" noEditPoints="1" noAdjustHandles="1" noChangeArrowheads="1" noChangeShapeType="1" noTextEdit="1"/>
+          </p:cNvSpPr>
+          <p:nvPr>
+            <p:extLst>
+              <p:ext uri="{386F3935-93C4-4BCD-93E2-E3B085C9AB24}">
+                <p16:designElem xmlns:p16="http://schemas.microsoft.com/office/powerpoint/2015/main" val="1"/>
+              </p:ext>
+            </p:extLst>
+          </p:nvPr>
+        </p:nvSpPr>
+        <p:spPr>
+          <a:xfrm>
+            <a:off x="0" y="0"/>
+            <a:ext cx="12192000" cy="6858000"/>
+          </a:xfrm>
+          <a:prstGeom prst="rect">
+            <a:avLst/>
+          </a:prstGeom>
+          <a:solidFill>
+            <a:schemeClr val="bg2"/>
+          </a:solidFill>
+          <a:ln>
+            <a:noFill/>
+          </a:ln>
+        </p:spPr>
+        <p:style>
+          <a:lnRef idx="2">
+            <a:schemeClr val="accent1">
+              <a:shade val="50000"/>
+            </a:schemeClr>
+          </a:lnRef>
+          <a:fillRef idx="1">
+            <a:schemeClr val="accent1"/>
+          </a:fillRef>
+          <a:effectRef idx="0">
+            <a:schemeClr val="accent1"/>
+          </a:effectRef>
+          <a:fontRef idx="minor">
+            <a:schemeClr val="lt1"/>
+          </a:fontRef>
+        </p:style>
+        <p:txBody>
+          <a:bodyPr rtlCol="0" anchor="ctr"/>
+          <a:lstStyle/>
+          <a:p>
+            <a:pPr algn="ctr"/>
+            <a:endParaRPr lang="en-US" dirty="0"/>
+          </a:p>
+        </p:txBody>
+      </p:sp>
+      <p:sp>
+        <p:nvSpPr>
+          <p:cNvPr id="12" name="Rectangle: Rounded Corners 11">
+            <a:extLst>
+              <a:ext uri="{FF2B5EF4-FFF2-40B4-BE49-F238E27FC236}">
+                <a16:creationId xmlns:a16="http://schemas.microsoft.com/office/drawing/2014/main" id="{41EB9B03-8810-5F48-E51B-B07C8110822B}"/>
+              </a:ext>
+            </a:extLst>
+          </p:cNvPr>
+          <p:cNvSpPr/>
+          <p:nvPr/>
+        </p:nvSpPr>
+        <p:spPr>
+          <a:xfrm>
+            <a:off x="5873262" y="1838101"/>
+            <a:ext cx="4958861" cy="1139276"/>
+          </a:xfrm>
+          <a:prstGeom prst="roundRect">
+            <a:avLst/>
+          </a:prstGeom>
+          <a:solidFill>
+            <a:schemeClr val="bg1"/>
+          </a:solidFill>
+          <a:ln>
+            <a:noFill/>
+          </a:ln>
+        </p:spPr>
+        <p:style>
+          <a:lnRef idx="2">
+            <a:schemeClr val="accent1">
+              <a:shade val="15000"/>
+            </a:schemeClr>
+          </a:lnRef>
+          <a:fillRef idx="1">
+            <a:schemeClr val="accent1"/>
+          </a:fillRef>
+          <a:effectRef idx="0">
+            <a:schemeClr val="accent1"/>
+          </a:effectRef>
+          <a:fontRef idx="minor">
+            <a:schemeClr val="lt1"/>
+          </a:fontRef>
+        </p:style>
+        <p:txBody>
+          <a:bodyPr rtlCol="0" anchor="ctr"/>
+          <a:lstStyle/>
+          <a:p>
+            <a:pPr algn="ctr"/>
+            <a:endParaRPr lang="en-US"/>
+          </a:p>
+        </p:txBody>
+      </p:sp>
+      <p:sp>
+        <p:nvSpPr>
+          <p:cNvPr id="2" name="Title 1">
+            <a:extLst>
+              <a:ext uri="{FF2B5EF4-FFF2-40B4-BE49-F238E27FC236}">
+                <a16:creationId xmlns:a16="http://schemas.microsoft.com/office/drawing/2014/main" id="{23F6D5E8-15CF-4755-910B-1B5A1E777357}"/>
+              </a:ext>
+            </a:extLst>
+          </p:cNvPr>
+          <p:cNvSpPr>
+            <a:spLocks noGrp="1"/>
+          </p:cNvSpPr>
+          <p:nvPr>
+            <p:ph type="title"/>
+          </p:nvPr>
+        </p:nvSpPr>
+        <p:spPr>
+          <a:xfrm>
+            <a:off x="5100824" y="685800"/>
+            <a:ext cx="6176776" cy="1485900"/>
+          </a:xfrm>
+        </p:spPr>
+        <p:txBody>
+          <a:bodyPr vert="horz" lIns="91440" tIns="45720" rIns="91440" bIns="45720" rtlCol="0" anchor="t">
+            <a:normAutofit/>
+          </a:bodyPr>
+          <a:lstStyle/>
+          <a:p>
+            <a:pPr algn="ctr"/>
+            <a:r>
+              <a:rPr lang="en-US" dirty="0"/>
+              <a:t>Introduction</a:t>
+            </a:r>
+          </a:p>
+        </p:txBody>
+      </p:sp>
+      <p:sp>
+        <p:nvSpPr>
+          <p:cNvPr id="94" name="Rectangle 93">
+            <a:extLst>
+              <a:ext uri="{FF2B5EF4-FFF2-40B4-BE49-F238E27FC236}">
+                <a16:creationId xmlns:a16="http://schemas.microsoft.com/office/drawing/2014/main" id="{92D1D7C6-1C89-420C-8D35-483654167118}"/>
+              </a:ext>
+              <a:ext uri="{C183D7F6-B498-43B3-948B-1728B52AA6E4}">
+                <adec:decorative xmlns:adec="http://schemas.microsoft.com/office/drawing/2017/decorative" val="1"/>
+              </a:ext>
+            </a:extLst>
+          </p:cNvPr>
+          <p:cNvSpPr>
+            <a:spLocks noGrp="1" noRot="1" noChangeAspect="1" noMove="1" noResize="1" noEditPoints="1" noAdjustHandles="1" noChangeArrowheads="1" noChangeShapeType="1" noTextEdit="1"/>
+          </p:cNvSpPr>
+          <p:nvPr>
+            <p:extLst>
+              <p:ext uri="{386F3935-93C4-4BCD-93E2-E3B085C9AB24}">
+                <p16:designElem xmlns:p16="http://schemas.microsoft.com/office/powerpoint/2015/main" val="1"/>
+              </p:ext>
+            </p:extLst>
+          </p:nvPr>
+        </p:nvSpPr>
+        <p:spPr>
+          <a:xfrm>
+            <a:off x="4373545" y="376"/>
+            <a:ext cx="228600" cy="6858000"/>
+          </a:xfrm>
+          <a:prstGeom prst="rect">
+            <a:avLst/>
+          </a:prstGeom>
+          <a:solidFill>
+            <a:schemeClr val="tx2"/>
+          </a:solidFill>
+          <a:ln>
+            <a:noFill/>
+          </a:ln>
+        </p:spPr>
+        <p:style>
+          <a:lnRef idx="2">
+            <a:schemeClr val="accent1">
+              <a:shade val="50000"/>
+            </a:schemeClr>
+          </a:lnRef>
+          <a:fillRef idx="1">
+            <a:schemeClr val="accent1"/>
+          </a:fillRef>
+          <a:effectRef idx="0">
+            <a:schemeClr val="accent1"/>
+          </a:effectRef>
+          <a:fontRef idx="minor">
+            <a:schemeClr val="lt1"/>
+          </a:fontRef>
+        </p:style>
+        <p:txBody>
+          <a:bodyPr/>
+          <a:lstStyle/>
+          <a:p>
+            <a:endParaRPr lang="en-US"/>
+          </a:p>
+        </p:txBody>
+      </p:sp>
+      <p:pic>
+        <p:nvPicPr>
+          <p:cNvPr id="5" name="Content Placeholder 4" descr="Anthony Bourdain taught me how to write.">
+            <a:extLst>
+              <a:ext uri="{FF2B5EF4-FFF2-40B4-BE49-F238E27FC236}">
+                <a16:creationId xmlns:a16="http://schemas.microsoft.com/office/drawing/2014/main" id="{B735FA3D-C573-192C-5C59-F56BD19B89D1}"/>
+              </a:ext>
+            </a:extLst>
+          </p:cNvPr>
+          <p:cNvPicPr>
+            <a:picLocks noGrp="1" noChangeAspect="1"/>
+          </p:cNvPicPr>
+          <p:nvPr>
+            <p:ph sz="half" idx="1"/>
+          </p:nvPr>
+        </p:nvPicPr>
+        <p:blipFill>
+          <a:blip r:embed="rId3" cstate="print">
+            <a:extLst>
+              <a:ext uri="{28A0092B-C50C-407E-A947-70E740481C1C}">
+                <a14:useLocalDpi xmlns:a14="http://schemas.microsoft.com/office/drawing/2010/main" val="0"/>
+              </a:ext>
+            </a:extLst>
+          </a:blip>
+          <a:srcRect/>
+          <a:stretch>
+            <a:fillRect/>
+          </a:stretch>
+        </p:blipFill>
+        <p:spPr bwMode="auto">
+          <a:xfrm>
+            <a:off x="262195" y="3091876"/>
+            <a:ext cx="3765748" cy="3765748"/>
+          </a:xfrm>
+          <a:prstGeom prst="rect">
+            <a:avLst/>
+          </a:prstGeom>
+          <a:noFill/>
+          <a:ln>
+            <a:noFill/>
+          </a:ln>
+        </p:spPr>
+      </p:pic>
+      <p:sp>
+        <p:nvSpPr>
+          <p:cNvPr id="14" name="Rectangle: Rounded Corners 13">
+            <a:extLst>
+              <a:ext uri="{FF2B5EF4-FFF2-40B4-BE49-F238E27FC236}">
+                <a16:creationId xmlns:a16="http://schemas.microsoft.com/office/drawing/2014/main" id="{733AF448-44B1-024A-6B28-1F63959ED8C4}"/>
+              </a:ext>
+            </a:extLst>
+          </p:cNvPr>
+          <p:cNvSpPr/>
+          <p:nvPr/>
+        </p:nvSpPr>
+        <p:spPr>
+          <a:xfrm>
+            <a:off x="5873262" y="3091876"/>
+            <a:ext cx="4958861" cy="1295391"/>
+          </a:xfrm>
+          <a:prstGeom prst="roundRect">
+            <a:avLst/>
+          </a:prstGeom>
+          <a:solidFill>
+            <a:schemeClr val="bg1"/>
+          </a:solidFill>
+          <a:ln>
+            <a:noFill/>
+          </a:ln>
+        </p:spPr>
+        <p:style>
+          <a:lnRef idx="2">
+            <a:schemeClr val="accent1">
+              <a:shade val="15000"/>
+            </a:schemeClr>
+          </a:lnRef>
+          <a:fillRef idx="1">
+            <a:schemeClr val="accent1"/>
+          </a:fillRef>
+          <a:effectRef idx="0">
+            <a:schemeClr val="accent1"/>
+          </a:effectRef>
+          <a:fontRef idx="minor">
+            <a:schemeClr val="lt1"/>
+          </a:fontRef>
+        </p:style>
+        <p:txBody>
+          <a:bodyPr rtlCol="0" anchor="ctr"/>
+          <a:lstStyle/>
+          <a:p>
+            <a:pPr algn="ctr"/>
+            <a:endParaRPr lang="en-US"/>
+          </a:p>
+        </p:txBody>
+      </p:sp>
+      <p:sp>
+        <p:nvSpPr>
+          <p:cNvPr id="7" name="Content Placeholder 6">
+            <a:extLst>
+              <a:ext uri="{FF2B5EF4-FFF2-40B4-BE49-F238E27FC236}">
+                <a16:creationId xmlns:a16="http://schemas.microsoft.com/office/drawing/2014/main" id="{886EC3BB-23D6-DC21-EB07-A00BAAADB096}"/>
+              </a:ext>
+            </a:extLst>
+          </p:cNvPr>
+          <p:cNvSpPr>
+            <a:spLocks noGrp="1"/>
+          </p:cNvSpPr>
+          <p:nvPr>
+            <p:ph sz="half" idx="2"/>
+          </p:nvPr>
+        </p:nvSpPr>
+        <p:spPr>
+          <a:xfrm>
+            <a:off x="6095998" y="1901282"/>
+            <a:ext cx="4575717" cy="3055435"/>
+          </a:xfrm>
+        </p:spPr>
+        <p:txBody>
+          <a:bodyPr/>
+          <a:lstStyle/>
+          <a:p>
+            <a:pPr marL="0" indent="0" algn="ctr">
+              <a:buNone/>
+            </a:pPr>
+            <a:r>
+              <a:rPr lang="en-US" dirty="0"/>
+              <a:t>Inspiration</a:t>
+            </a:r>
+          </a:p>
+          <a:p>
+            <a:pPr marL="0" indent="0" algn="just">
+              <a:buNone/>
+            </a:pPr>
+            <a:r>
+              <a:rPr lang="en-US" sz="1400" dirty="0"/>
+              <a:t>We all love food, and we all love Anthony Bourdain, so it was not a difficult decision to delve into his travels for app.</a:t>
+            </a:r>
+          </a:p>
+          <a:p>
+            <a:pPr marL="0" indent="0">
+              <a:buNone/>
+            </a:pPr>
+            <a:endParaRPr lang="en-US" sz="1400" dirty="0"/>
+          </a:p>
+          <a:p>
+            <a:pPr marL="0" indent="0" algn="ctr">
+              <a:buNone/>
+            </a:pPr>
+            <a:r>
+              <a:rPr lang="en-US" dirty="0"/>
+              <a:t>Dataset</a:t>
+            </a:r>
+          </a:p>
+          <a:p>
+            <a:pPr marL="0" indent="0">
+              <a:buNone/>
+            </a:pPr>
+            <a:r>
+              <a:rPr lang="en-US" sz="1400" dirty="0">
+                <a:effectLst/>
+                <a:latin typeface="Calibri" panose="020F0502020204030204" pitchFamily="34" charset="0"/>
+                <a:ea typeface="Calibri" panose="020F0502020204030204" pitchFamily="34" charset="0"/>
+                <a:cs typeface="Times New Roman" panose="02020603050405020304" pitchFamily="18" charset="0"/>
+              </a:rPr>
+              <a:t>https://www.kaggle.com/datasets/michaelbryantds/anthony-bourdain-episode-locations?resource=download</a:t>
+            </a:r>
+          </a:p>
+        </p:txBody>
+      </p:sp>
+    </p:spTree>
+    <p:extLst>
+      <p:ext uri="{BB962C8B-B14F-4D97-AF65-F5344CB8AC3E}">
+        <p14:creationId xmlns:p14="http://schemas.microsoft.com/office/powerpoint/2010/main" val="107679821"/>
+      </p:ext>
+    </p:extLst>
+  </p:cSld>
+  <p:clrMapOvr>
+    <a:masterClrMapping/>
+  </p:clrMapOvr>
+</p:sld>
+</file>
+
+<file path=ppt/slides/slide3.xml><?xml version="1.0" encoding="utf-8"?>
+<p:sld xmlns:a="http://schemas.openxmlformats.org/drawingml/2006/main" xmlns:r="http://schemas.openxmlformats.org/officeDocument/2006/relationships" xmlns:p="http://schemas.openxmlformats.org/presentationml/2006/main">
+  <p:cSld>
+    <p:spTree>
+      <p:nvGrpSpPr>
+        <p:cNvPr id="1" name=""/>
+        <p:cNvGrpSpPr/>
+        <p:nvPr/>
+      </p:nvGrpSpPr>
+      <p:grpSpPr>
+        <a:xfrm>
+          <a:off x="0" y="0"/>
+          <a:ext cx="0" cy="0"/>
+          <a:chOff x="0" y="0"/>
+          <a:chExt cx="0" cy="0"/>
+        </a:xfrm>
+      </p:grpSpPr>
+      <p:sp>
+        <p:nvSpPr>
+          <p:cNvPr id="2" name="Title 1">
+            <a:extLst>
+              <a:ext uri="{FF2B5EF4-FFF2-40B4-BE49-F238E27FC236}">
+                <a16:creationId xmlns:a16="http://schemas.microsoft.com/office/drawing/2014/main" id="{18BAFA64-6E68-40D6-BA9A-8EEB05505112}"/>
+              </a:ext>
+            </a:extLst>
+          </p:cNvPr>
+          <p:cNvSpPr>
+            <a:spLocks noGrp="1"/>
+          </p:cNvSpPr>
+          <p:nvPr>
+            <p:ph type="title"/>
+          </p:nvPr>
+        </p:nvSpPr>
+        <p:spPr/>
+        <p:txBody>
+          <a:bodyPr/>
+          <a:lstStyle/>
+          <a:p>
+            <a:pPr algn="ctr"/>
+            <a:r>
+              <a:rPr lang="en-US" dirty="0"/>
+              <a:t>Design Inspiration</a:t>
+            </a:r>
+          </a:p>
+        </p:txBody>
+      </p:sp>
+      <p:sp>
+        <p:nvSpPr>
+          <p:cNvPr id="3" name="Content Placeholder 2">
+            <a:extLst>
+              <a:ext uri="{FF2B5EF4-FFF2-40B4-BE49-F238E27FC236}">
+                <a16:creationId xmlns:a16="http://schemas.microsoft.com/office/drawing/2014/main" id="{FE683B77-91EA-E953-CBBB-5EA87085343A}"/>
+              </a:ext>
+            </a:extLst>
+          </p:cNvPr>
+          <p:cNvSpPr>
+            <a:spLocks noGrp="1"/>
+          </p:cNvSpPr>
+          <p:nvPr>
+            <p:ph sz="half" idx="1"/>
+          </p:nvPr>
+        </p:nvSpPr>
+        <p:spPr/>
+        <p:txBody>
+          <a:bodyPr/>
+          <a:lstStyle/>
+          <a:p>
+            <a:r>
+              <a:rPr lang="en-US" dirty="0"/>
+              <a:t>Color Scheme</a:t>
+            </a:r>
+          </a:p>
+          <a:p>
+            <a:pPr marL="0" indent="0">
+              <a:buNone/>
+            </a:pPr>
+            <a:r>
+              <a:rPr lang="en-US" sz="1400" dirty="0"/>
+              <a:t>We went with a mostly earthy palette, with pops of red and blue for emphasis.</a:t>
+            </a:r>
+          </a:p>
+          <a:p>
+            <a:pPr marL="0" indent="0">
+              <a:buNone/>
+            </a:pPr>
+            <a:r>
+              <a:rPr lang="en-US" sz="1400" dirty="0"/>
+              <a:t>Some examples of our colors:</a:t>
+            </a:r>
+          </a:p>
+          <a:p>
+            <a:pPr marL="0" indent="0">
+              <a:buNone/>
+            </a:pPr>
+            <a:endParaRPr lang="en-US" sz="1400" dirty="0"/>
+          </a:p>
+        </p:txBody>
+      </p:sp>
+      <p:sp>
+        <p:nvSpPr>
+          <p:cNvPr id="4" name="Content Placeholder 3">
+            <a:extLst>
+              <a:ext uri="{FF2B5EF4-FFF2-40B4-BE49-F238E27FC236}">
+                <a16:creationId xmlns:a16="http://schemas.microsoft.com/office/drawing/2014/main" id="{F3BFFF74-3269-D884-599F-B43AD5B636A5}"/>
+              </a:ext>
+            </a:extLst>
+          </p:cNvPr>
+          <p:cNvSpPr>
+            <a:spLocks noGrp="1"/>
+          </p:cNvSpPr>
+          <p:nvPr>
+            <p:ph sz="half" idx="2"/>
+          </p:nvPr>
+        </p:nvSpPr>
+        <p:spPr/>
+        <p:txBody>
+          <a:bodyPr/>
+          <a:lstStyle/>
+          <a:p>
+            <a:r>
+              <a:rPr lang="en-US" dirty="0"/>
+              <a:t>Image Inspiration</a:t>
+            </a:r>
+          </a:p>
+          <a:p>
+            <a:pPr marL="0" indent="0">
+              <a:buNone/>
+            </a:pPr>
+            <a:endParaRPr lang="en-US" dirty="0"/>
+          </a:p>
+        </p:txBody>
+      </p:sp>
+      <p:pic>
+        <p:nvPicPr>
+          <p:cNvPr id="8" name="Picture 7">
+            <a:extLst>
+              <a:ext uri="{FF2B5EF4-FFF2-40B4-BE49-F238E27FC236}">
+                <a16:creationId xmlns:a16="http://schemas.microsoft.com/office/drawing/2014/main" id="{88749A8E-1F70-3292-A584-F213A9083DC8}"/>
+              </a:ext>
+            </a:extLst>
+          </p:cNvPr>
+          <p:cNvPicPr>
+            <a:picLocks noChangeAspect="1"/>
+          </p:cNvPicPr>
+          <p:nvPr/>
+        </p:nvPicPr>
+        <p:blipFill rotWithShape="1">
+          <a:blip r:embed="rId2"/>
+          <a:srcRect r="75481"/>
+          <a:stretch/>
+        </p:blipFill>
+        <p:spPr>
+          <a:xfrm>
+            <a:off x="1462668" y="3537073"/>
+            <a:ext cx="2061118" cy="1960477"/>
+          </a:xfrm>
+          <a:prstGeom prst="rect">
+            <a:avLst/>
+          </a:prstGeom>
+        </p:spPr>
+      </p:pic>
+      <p:pic>
+        <p:nvPicPr>
+          <p:cNvPr id="9" name="Picture 8">
+            <a:extLst>
+              <a:ext uri="{FF2B5EF4-FFF2-40B4-BE49-F238E27FC236}">
+                <a16:creationId xmlns:a16="http://schemas.microsoft.com/office/drawing/2014/main" id="{9F71BD4D-6016-B248-1787-64C4128508AA}"/>
+              </a:ext>
+            </a:extLst>
+          </p:cNvPr>
+          <p:cNvPicPr>
+            <a:picLocks noChangeAspect="1"/>
+          </p:cNvPicPr>
+          <p:nvPr/>
+        </p:nvPicPr>
+        <p:blipFill>
+          <a:blip r:embed="rId3"/>
+          <a:stretch>
+            <a:fillRect/>
+          </a:stretch>
+        </p:blipFill>
+        <p:spPr>
+          <a:xfrm>
+            <a:off x="6372616" y="2717551"/>
+            <a:ext cx="1515325" cy="3934017"/>
+          </a:xfrm>
+          <a:prstGeom prst="rect">
+            <a:avLst/>
+          </a:prstGeom>
+        </p:spPr>
+      </p:pic>
+      <p:pic>
+        <p:nvPicPr>
+          <p:cNvPr id="10" name="Picture 9">
+            <a:extLst>
+              <a:ext uri="{FF2B5EF4-FFF2-40B4-BE49-F238E27FC236}">
+                <a16:creationId xmlns:a16="http://schemas.microsoft.com/office/drawing/2014/main" id="{23681529-B04E-0CA1-D08D-102555D68898}"/>
+              </a:ext>
+            </a:extLst>
+          </p:cNvPr>
+          <p:cNvPicPr>
+            <a:picLocks noChangeAspect="1"/>
+          </p:cNvPicPr>
+          <p:nvPr/>
+        </p:nvPicPr>
+        <p:blipFill rotWithShape="1">
+          <a:blip r:embed="rId4"/>
+          <a:srcRect l="7777" t="12845" r="8157" b="11707"/>
+          <a:stretch/>
+        </p:blipFill>
+        <p:spPr>
+          <a:xfrm>
+            <a:off x="8040728" y="4273222"/>
+            <a:ext cx="2297151" cy="2061660"/>
+          </a:xfrm>
+          <a:prstGeom prst="rect">
+            <a:avLst/>
+          </a:prstGeom>
+        </p:spPr>
+      </p:pic>
+      <p:pic>
+        <p:nvPicPr>
+          <p:cNvPr id="11" name="Picture 10">
+            <a:extLst>
+              <a:ext uri="{FF2B5EF4-FFF2-40B4-BE49-F238E27FC236}">
+                <a16:creationId xmlns:a16="http://schemas.microsoft.com/office/drawing/2014/main" id="{0EA5D194-6078-CA31-D8FE-0B1121029797}"/>
+              </a:ext>
+            </a:extLst>
+          </p:cNvPr>
+          <p:cNvPicPr>
+            <a:picLocks noChangeAspect="1"/>
+          </p:cNvPicPr>
+          <p:nvPr/>
+        </p:nvPicPr>
+        <p:blipFill>
+          <a:blip r:embed="rId5"/>
+          <a:stretch>
+            <a:fillRect/>
+          </a:stretch>
+        </p:blipFill>
+        <p:spPr>
+          <a:xfrm>
+            <a:off x="8121348" y="2867848"/>
+            <a:ext cx="1807495" cy="1203275"/>
+          </a:xfrm>
+          <a:prstGeom prst="rect">
+            <a:avLst/>
+          </a:prstGeom>
+        </p:spPr>
+      </p:pic>
+    </p:spTree>
+    <p:extLst>
+      <p:ext uri="{BB962C8B-B14F-4D97-AF65-F5344CB8AC3E}">
+        <p14:creationId xmlns:p14="http://schemas.microsoft.com/office/powerpoint/2010/main" val="3592630968"/>
+      </p:ext>
+    </p:extLst>
+  </p:cSld>
+  <p:clrMapOvr>
+    <a:masterClrMapping/>
+  </p:clrMapOvr>
+</p:sld>
+</file>
+
+<file path=ppt/slides/slide4.xml><?xml version="1.0" encoding="utf-8"?>
+<p:sld xmlns:a="http://schemas.openxmlformats.org/drawingml/2006/main" xmlns:r="http://schemas.openxmlformats.org/officeDocument/2006/relationships" xmlns:p="http://schemas.openxmlformats.org/presentationml/2006/main">
+  <p:cSld>
+    <p:spTree>
+      <p:nvGrpSpPr>
+        <p:cNvPr id="1" name=""/>
+        <p:cNvGrpSpPr/>
+        <p:nvPr/>
+      </p:nvGrpSpPr>
+      <p:grpSpPr>
+        <a:xfrm>
+          <a:off x="0" y="0"/>
+          <a:ext cx="0" cy="0"/>
+          <a:chOff x="0" y="0"/>
+          <a:chExt cx="0" cy="0"/>
+        </a:xfrm>
+      </p:grpSpPr>
+      <p:sp>
+        <p:nvSpPr>
+          <p:cNvPr id="2" name="Title 1">
+            <a:extLst>
+              <a:ext uri="{FF2B5EF4-FFF2-40B4-BE49-F238E27FC236}">
+                <a16:creationId xmlns:a16="http://schemas.microsoft.com/office/drawing/2014/main" id="{847B5B2F-1017-8DDA-0339-3C8A698BC9D3}"/>
+              </a:ext>
+            </a:extLst>
+          </p:cNvPr>
+          <p:cNvSpPr>
+            <a:spLocks noGrp="1"/>
+          </p:cNvSpPr>
+          <p:nvPr>
+            <p:ph type="title"/>
+          </p:nvPr>
+        </p:nvSpPr>
+        <p:spPr/>
+        <p:txBody>
+          <a:bodyPr/>
+          <a:lstStyle/>
+          <a:p>
+            <a:pPr algn="ctr"/>
+            <a:r>
+              <a:rPr lang="en-US" dirty="0"/>
+              <a:t>Data Engineering</a:t>
+            </a:r>
+          </a:p>
+        </p:txBody>
+      </p:sp>
+      <p:sp>
+        <p:nvSpPr>
+          <p:cNvPr id="5" name="Rectangle: Rounded Corners 4">
+            <a:extLst>
+              <a:ext uri="{FF2B5EF4-FFF2-40B4-BE49-F238E27FC236}">
+                <a16:creationId xmlns:a16="http://schemas.microsoft.com/office/drawing/2014/main" id="{14DD8363-8D8B-822F-E312-C3604B30FCA0}"/>
+              </a:ext>
+            </a:extLst>
+          </p:cNvPr>
+          <p:cNvSpPr/>
+          <p:nvPr/>
+        </p:nvSpPr>
+        <p:spPr>
+          <a:xfrm>
+            <a:off x="1371600" y="2285999"/>
+            <a:ext cx="4447786" cy="2509025"/>
+          </a:xfrm>
+          <a:prstGeom prst="roundRect">
+            <a:avLst/>
+          </a:prstGeom>
+          <a:solidFill>
+            <a:schemeClr val="bg1"/>
+          </a:solidFill>
+          <a:ln>
+            <a:noFill/>
+          </a:ln>
+        </p:spPr>
+        <p:style>
+          <a:lnRef idx="2">
+            <a:schemeClr val="accent1">
+              <a:shade val="15000"/>
+            </a:schemeClr>
+          </a:lnRef>
+          <a:fillRef idx="1">
+            <a:schemeClr val="accent1"/>
+          </a:fillRef>
+          <a:effectRef idx="0">
+            <a:schemeClr val="accent1"/>
+          </a:effectRef>
+          <a:fontRef idx="minor">
+            <a:schemeClr val="lt1"/>
+          </a:fontRef>
+        </p:style>
+        <p:txBody>
+          <a:bodyPr rtlCol="0" anchor="ctr"/>
+          <a:lstStyle/>
+          <a:p>
+            <a:pPr algn="ctr"/>
+            <a:endParaRPr lang="en-US"/>
+          </a:p>
+        </p:txBody>
+      </p:sp>
+      <p:sp>
+        <p:nvSpPr>
+          <p:cNvPr id="3" name="Content Placeholder 2">
+            <a:extLst>
+              <a:ext uri="{FF2B5EF4-FFF2-40B4-BE49-F238E27FC236}">
+                <a16:creationId xmlns:a16="http://schemas.microsoft.com/office/drawing/2014/main" id="{F2A0FBAA-20CD-EA26-FAA6-2B2EC3361AE2}"/>
+              </a:ext>
+            </a:extLst>
+          </p:cNvPr>
+          <p:cNvSpPr>
+            <a:spLocks noGrp="1"/>
+          </p:cNvSpPr>
+          <p:nvPr>
+            <p:ph sz="half" idx="1"/>
+          </p:nvPr>
+        </p:nvSpPr>
+        <p:spPr/>
+        <p:txBody>
+          <a:bodyPr/>
+          <a:lstStyle/>
+          <a:p>
+            <a:r>
+              <a:rPr lang="en-US" dirty="0"/>
+              <a:t>Data Cleaning</a:t>
+            </a:r>
+          </a:p>
+          <a:p>
+            <a:pPr marL="0" indent="0" algn="just">
+              <a:buNone/>
+            </a:pPr>
+            <a:r>
+              <a:rPr lang="en-US" sz="1400" dirty="0"/>
+              <a:t>Our open-source dataset download provided two CSV files, though our group realized early on that only one of those was useful for our purposes, the other being a truncated and reformatted version of the same data. Once we read in our primary CSV, we found the data itself to be relatively clean. We dropped a total of four columns as unnecessary, only needed to convert a single column’s data format, and renamed only a single column header.</a:t>
+            </a:r>
+          </a:p>
+        </p:txBody>
+      </p:sp>
+      <p:sp>
+        <p:nvSpPr>
+          <p:cNvPr id="6" name="Rectangle: Rounded Corners 5">
+            <a:extLst>
+              <a:ext uri="{FF2B5EF4-FFF2-40B4-BE49-F238E27FC236}">
+                <a16:creationId xmlns:a16="http://schemas.microsoft.com/office/drawing/2014/main" id="{FFEAECDF-BE01-F56C-CC51-F70A78226501}"/>
+              </a:ext>
+            </a:extLst>
+          </p:cNvPr>
+          <p:cNvSpPr/>
+          <p:nvPr/>
+        </p:nvSpPr>
+        <p:spPr>
+          <a:xfrm>
+            <a:off x="6525403" y="2285999"/>
+            <a:ext cx="4447397" cy="2754352"/>
+          </a:xfrm>
+          <a:prstGeom prst="roundRect">
+            <a:avLst/>
+          </a:prstGeom>
+          <a:solidFill>
+            <a:schemeClr val="bg1"/>
+          </a:solidFill>
+          <a:ln>
+            <a:noFill/>
+          </a:ln>
+        </p:spPr>
+        <p:style>
+          <a:lnRef idx="2">
+            <a:schemeClr val="accent1">
+              <a:shade val="15000"/>
+            </a:schemeClr>
+          </a:lnRef>
+          <a:fillRef idx="1">
+            <a:schemeClr val="accent1"/>
+          </a:fillRef>
+          <a:effectRef idx="0">
+            <a:schemeClr val="accent1"/>
+          </a:effectRef>
+          <a:fontRef idx="minor">
+            <a:schemeClr val="lt1"/>
+          </a:fontRef>
+        </p:style>
+        <p:txBody>
+          <a:bodyPr rtlCol="0" anchor="ctr"/>
+          <a:lstStyle/>
+          <a:p>
+            <a:pPr algn="ctr"/>
+            <a:endParaRPr lang="en-US"/>
+          </a:p>
+        </p:txBody>
+      </p:sp>
+      <p:sp>
+        <p:nvSpPr>
+          <p:cNvPr id="4" name="Content Placeholder 3">
+            <a:extLst>
+              <a:ext uri="{FF2B5EF4-FFF2-40B4-BE49-F238E27FC236}">
+                <a16:creationId xmlns:a16="http://schemas.microsoft.com/office/drawing/2014/main" id="{DADB6881-8785-5D30-A798-2E8788AB1060}"/>
+              </a:ext>
+            </a:extLst>
+          </p:cNvPr>
+          <p:cNvSpPr>
+            <a:spLocks noGrp="1"/>
+          </p:cNvSpPr>
+          <p:nvPr>
+            <p:ph sz="half" idx="2"/>
+          </p:nvPr>
+        </p:nvSpPr>
+        <p:spPr/>
+        <p:txBody>
+          <a:bodyPr/>
+          <a:lstStyle/>
+          <a:p>
+            <a:r>
+              <a:rPr lang="en-US" dirty="0"/>
+              <a:t>Distance Calculation</a:t>
+            </a:r>
+          </a:p>
+          <a:p>
+            <a:pPr marL="0" indent="0">
+              <a:buNone/>
+            </a:pPr>
+            <a:r>
+              <a:rPr lang="en-US" sz="1400" dirty="0"/>
+              <a:t>Great-Circle Distance vs. Euclidean Distance</a:t>
+            </a:r>
+          </a:p>
+          <a:p>
+            <a:pPr marL="0" indent="0" algn="just">
+              <a:buNone/>
+            </a:pPr>
+            <a:r>
+              <a:rPr lang="en-US" sz="1400" dirty="0"/>
+              <a:t>In our mapping efforts, it came to our attention that our initial distance calculations were based on straight-line distances, otherwise known as the Euclidean space between two points. Correcting this required mathematical conversion to great-circle distance, which is still the distance between points, but measured along the surface of a sphere. Using this conversion was a slower method but produced more accurate results.</a:t>
+            </a:r>
+          </a:p>
+        </p:txBody>
+      </p:sp>
+    </p:spTree>
+    <p:extLst>
+      <p:ext uri="{BB962C8B-B14F-4D97-AF65-F5344CB8AC3E}">
+        <p14:creationId xmlns:p14="http://schemas.microsoft.com/office/powerpoint/2010/main" val="1890484468"/>
+      </p:ext>
+    </p:extLst>
+  </p:cSld>
+  <p:clrMapOvr>
+    <a:masterClrMapping/>
+  </p:clrMapOvr>
+</p:sld>
+</file>
+
+<file path=ppt/slides/slide5.xml><?xml version="1.0" encoding="utf-8"?>
+<p:sld xmlns:a="http://schemas.openxmlformats.org/drawingml/2006/main" xmlns:r="http://schemas.openxmlformats.org/officeDocument/2006/relationships" xmlns:p="http://schemas.openxmlformats.org/presentationml/2006/main">
+  <p:cSld>
+    <p:bg>
+      <p:bgPr>
+        <a:solidFill>
+          <a:schemeClr val="bg2"/>
+        </a:solidFill>
+        <a:effectLst/>
+      </p:bgPr>
+    </p:bg>
+    <p:spTree>
+      <p:nvGrpSpPr>
+        <p:cNvPr id="1" name=""/>
+        <p:cNvGrpSpPr/>
+        <p:nvPr/>
+      </p:nvGrpSpPr>
+      <p:grpSpPr>
+        <a:xfrm>
+          <a:off x="0" y="0"/>
+          <a:ext cx="0" cy="0"/>
+          <a:chOff x="0" y="0"/>
+          <a:chExt cx="0" cy="0"/>
+        </a:xfrm>
+      </p:grpSpPr>
+      <p:sp useBgFill="1">
+        <p:nvSpPr>
+          <p:cNvPr id="18" name="Rectangle 17">
+            <a:extLst>
+              <a:ext uri="{FF2B5EF4-FFF2-40B4-BE49-F238E27FC236}">
+                <a16:creationId xmlns:a16="http://schemas.microsoft.com/office/drawing/2014/main" id="{59DB74EB-2A7D-443D-B969-8BF48F993159}"/>
+              </a:ext>
+              <a:ext uri="{C183D7F6-B498-43B3-948B-1728B52AA6E4}">
+                <adec:decorative xmlns:adec="http://schemas.microsoft.com/office/drawing/2017/decorative" val="1"/>
+              </a:ext>
+            </a:extLst>
+          </p:cNvPr>
+          <p:cNvSpPr>
+            <a:spLocks noGrp="1" noRot="1" noChangeAspect="1" noMove="1" noResize="1" noEditPoints="1" noAdjustHandles="1" noChangeArrowheads="1" noChangeShapeType="1" noTextEdit="1"/>
+          </p:cNvSpPr>
+          <p:nvPr>
+            <p:extLst>
+              <p:ext uri="{386F3935-93C4-4BCD-93E2-E3B085C9AB24}">
+                <p16:designElem xmlns:p16="http://schemas.microsoft.com/office/powerpoint/2015/main" val="1"/>
+              </p:ext>
+            </p:extLst>
+          </p:nvPr>
+        </p:nvSpPr>
+        <p:spPr>
+          <a:xfrm>
+            <a:off x="0" y="0"/>
+            <a:ext cx="12192000" cy="6858000"/>
+          </a:xfrm>
+          <a:prstGeom prst="rect">
+            <a:avLst/>
+          </a:prstGeom>
+          <a:ln>
+            <a:noFill/>
+          </a:ln>
+        </p:spPr>
+        <p:style>
+          <a:lnRef idx="2">
+            <a:schemeClr val="accent1">
+              <a:shade val="50000"/>
+            </a:schemeClr>
+          </a:lnRef>
+          <a:fillRef idx="1">
+            <a:schemeClr val="accent1"/>
+          </a:fillRef>
+          <a:effectRef idx="0">
+            <a:schemeClr val="accent1"/>
+          </a:effectRef>
+          <a:fontRef idx="minor">
+            <a:schemeClr val="lt1"/>
+          </a:fontRef>
+        </p:style>
+        <p:txBody>
+          <a:bodyPr rtlCol="0" anchor="ctr"/>
+          <a:lstStyle/>
+          <a:p>
+            <a:pPr algn="ctr"/>
+            <a:endParaRPr lang="en-US" dirty="0"/>
+          </a:p>
+        </p:txBody>
+      </p:sp>
+      <p:sp>
+        <p:nvSpPr>
+          <p:cNvPr id="2" name="Title 1">
+            <a:extLst>
+              <a:ext uri="{FF2B5EF4-FFF2-40B4-BE49-F238E27FC236}">
+                <a16:creationId xmlns:a16="http://schemas.microsoft.com/office/drawing/2014/main" id="{23F6D5E8-15CF-4755-910B-1B5A1E777357}"/>
+              </a:ext>
+            </a:extLst>
+          </p:cNvPr>
+          <p:cNvSpPr>
+            <a:spLocks noGrp="1"/>
+          </p:cNvSpPr>
+          <p:nvPr>
+            <p:ph type="title"/>
+          </p:nvPr>
+        </p:nvSpPr>
+        <p:spPr>
+          <a:xfrm>
+            <a:off x="8252340" y="639704"/>
+            <a:ext cx="3299579" cy="5577840"/>
+          </a:xfrm>
+        </p:spPr>
+        <p:txBody>
+          <a:bodyPr anchor="ctr">
+            <a:normAutofit/>
+          </a:bodyPr>
+          <a:lstStyle/>
+          <a:p>
+            <a:r>
+              <a:rPr lang="en-US" dirty="0"/>
+              <a:t>Research</a:t>
+            </a:r>
+            <a:br>
+              <a:rPr lang="en-US" dirty="0"/>
+            </a:br>
+            <a:r>
+              <a:rPr lang="en-US" dirty="0"/>
+              <a:t>Questions</a:t>
+            </a:r>
+            <a:br>
+              <a:rPr lang="en-US" dirty="0"/>
+            </a:br>
+            <a:r>
+              <a:rPr lang="en-US" sz="2800" dirty="0"/>
+              <a:t>and</a:t>
+            </a:r>
+            <a:br>
+              <a:rPr lang="en-US" sz="2800" dirty="0"/>
+            </a:br>
+            <a:r>
+              <a:rPr lang="en-US" dirty="0"/>
+              <a:t>App</a:t>
+            </a:r>
+            <a:br>
+              <a:rPr lang="en-US" dirty="0"/>
+            </a:br>
+            <a:r>
+              <a:rPr lang="en-US" dirty="0"/>
+              <a:t>Demo</a:t>
+            </a:r>
+          </a:p>
+        </p:txBody>
+      </p:sp>
+      <p:sp>
+        <p:nvSpPr>
+          <p:cNvPr id="20" name="Rectangle 19">
+            <a:extLst>
+              <a:ext uri="{FF2B5EF4-FFF2-40B4-BE49-F238E27FC236}">
+                <a16:creationId xmlns:a16="http://schemas.microsoft.com/office/drawing/2014/main" id="{19036E77-5F7B-494E-A117-FEA947B357EE}"/>
+              </a:ext>
+              <a:ext uri="{C183D7F6-B498-43B3-948B-1728B52AA6E4}">
+                <adec:decorative xmlns:adec="http://schemas.microsoft.com/office/drawing/2017/decorative" val="1"/>
+              </a:ext>
+            </a:extLst>
+          </p:cNvPr>
+          <p:cNvSpPr>
+            <a:spLocks noGrp="1" noRot="1" noChangeAspect="1" noMove="1" noResize="1" noEditPoints="1" noAdjustHandles="1" noChangeArrowheads="1" noChangeShapeType="1" noTextEdit="1"/>
+          </p:cNvSpPr>
+          <p:nvPr>
+            <p:extLst>
+              <p:ext uri="{386F3935-93C4-4BCD-93E2-E3B085C9AB24}">
+                <p16:designElem xmlns:p16="http://schemas.microsoft.com/office/powerpoint/2015/main" val="1"/>
+              </p:ext>
+            </p:extLst>
+          </p:nvPr>
+        </p:nvSpPr>
+        <p:spPr>
+          <a:xfrm>
+            <a:off x="7383661" y="0"/>
+            <a:ext cx="228600" cy="6858000"/>
+          </a:xfrm>
+          <a:prstGeom prst="rect">
+            <a:avLst/>
+          </a:prstGeom>
+          <a:solidFill>
+            <a:schemeClr val="tx1">
+              <a:lumMod val="50000"/>
+              <a:alpha val="40000"/>
+            </a:schemeClr>
+          </a:solidFill>
+          <a:ln>
+            <a:noFill/>
+          </a:ln>
+        </p:spPr>
+        <p:style>
+          <a:lnRef idx="2">
+            <a:schemeClr val="accent1">
+              <a:shade val="50000"/>
+            </a:schemeClr>
+          </a:lnRef>
+          <a:fillRef idx="1">
+            <a:schemeClr val="accent1"/>
+          </a:fillRef>
+          <a:effectRef idx="0">
+            <a:schemeClr val="accent1"/>
+          </a:effectRef>
+          <a:fontRef idx="minor">
+            <a:schemeClr val="lt1"/>
+          </a:fontRef>
+        </p:style>
+        <p:txBody>
+          <a:bodyPr/>
+          <a:lstStyle/>
+          <a:p>
+            <a:endParaRPr lang="en-US"/>
+          </a:p>
+        </p:txBody>
+      </p:sp>
+      <p:pic>
+        <p:nvPicPr>
+          <p:cNvPr id="6" name="Graphic 5" descr="Teacher outline">
+            <a:extLst>
+              <a:ext uri="{FF2B5EF4-FFF2-40B4-BE49-F238E27FC236}">
+                <a16:creationId xmlns:a16="http://schemas.microsoft.com/office/drawing/2014/main" id="{DBA221EA-AFE3-C1B0-EB07-ACB2171E3EDB}"/>
+              </a:ext>
+            </a:extLst>
+          </p:cNvPr>
+          <p:cNvPicPr>
+            <a:picLocks noChangeAspect="1"/>
+          </p:cNvPicPr>
+          <p:nvPr/>
+        </p:nvPicPr>
+        <p:blipFill>
+          <a:blip r:embed="rId3">
+            <a:extLst>
+              <a:ext uri="{96DAC541-7B7A-43D3-8B79-37D633B846F1}">
+                <asvg:svgBlip xmlns:asvg="http://schemas.microsoft.com/office/drawing/2016/SVG/main" r:embed="rId4"/>
+              </a:ext>
+            </a:extLst>
+          </a:blip>
+          <a:stretch>
+            <a:fillRect/>
+          </a:stretch>
+        </p:blipFill>
+        <p:spPr>
+          <a:xfrm>
+            <a:off x="849116" y="3513731"/>
+            <a:ext cx="1895143" cy="1895143"/>
+          </a:xfrm>
+          <a:prstGeom prst="rect">
+            <a:avLst/>
+          </a:prstGeom>
+        </p:spPr>
+      </p:pic>
+      <p:pic>
+        <p:nvPicPr>
+          <p:cNvPr id="8" name="Graphic 7" descr="Badge Question Mark outline">
+            <a:extLst>
+              <a:ext uri="{FF2B5EF4-FFF2-40B4-BE49-F238E27FC236}">
+                <a16:creationId xmlns:a16="http://schemas.microsoft.com/office/drawing/2014/main" id="{39C8B9C7-9130-61AB-55B7-A99DB6B81F17}"/>
+              </a:ext>
+            </a:extLst>
+          </p:cNvPr>
+          <p:cNvPicPr>
+            <a:picLocks noChangeAspect="1"/>
+          </p:cNvPicPr>
+          <p:nvPr/>
+        </p:nvPicPr>
+        <p:blipFill>
+          <a:blip r:embed="rId5">
+            <a:extLst>
+              <a:ext uri="{96DAC541-7B7A-43D3-8B79-37D633B846F1}">
+                <asvg:svgBlip xmlns:asvg="http://schemas.microsoft.com/office/drawing/2016/SVG/main" r:embed="rId6"/>
+              </a:ext>
+            </a:extLst>
+          </a:blip>
+          <a:stretch>
+            <a:fillRect/>
+          </a:stretch>
+        </p:blipFill>
+        <p:spPr>
+          <a:xfrm>
+            <a:off x="2744259" y="1037491"/>
+            <a:ext cx="1895143" cy="1895143"/>
+          </a:xfrm>
+          <a:prstGeom prst="rect">
+            <a:avLst/>
+          </a:prstGeom>
+        </p:spPr>
+      </p:pic>
+      <p:pic>
+        <p:nvPicPr>
+          <p:cNvPr id="10" name="Graphic 9" descr="Playbook outline">
+            <a:extLst>
+              <a:ext uri="{FF2B5EF4-FFF2-40B4-BE49-F238E27FC236}">
+                <a16:creationId xmlns:a16="http://schemas.microsoft.com/office/drawing/2014/main" id="{E4E2CD7E-55E9-3727-3825-E4F4DB1238B8}"/>
+              </a:ext>
+            </a:extLst>
+          </p:cNvPr>
+          <p:cNvPicPr>
+            <a:picLocks noChangeAspect="1"/>
+          </p:cNvPicPr>
+          <p:nvPr/>
+        </p:nvPicPr>
+        <p:blipFill>
+          <a:blip r:embed="rId7">
+            <a:extLst>
+              <a:ext uri="{96DAC541-7B7A-43D3-8B79-37D633B846F1}">
+                <asvg:svgBlip xmlns:asvg="http://schemas.microsoft.com/office/drawing/2016/SVG/main" r:embed="rId8"/>
+              </a:ext>
+            </a:extLst>
+          </a:blip>
+          <a:stretch>
+            <a:fillRect/>
+          </a:stretch>
+        </p:blipFill>
+        <p:spPr>
+          <a:xfrm>
+            <a:off x="4639402" y="3513731"/>
+            <a:ext cx="1895143" cy="1895143"/>
+          </a:xfrm>
+          <a:prstGeom prst="rect">
+            <a:avLst/>
+          </a:prstGeom>
+        </p:spPr>
+      </p:pic>
+    </p:spTree>
+    <p:extLst>
+      <p:ext uri="{BB962C8B-B14F-4D97-AF65-F5344CB8AC3E}">
+        <p14:creationId xmlns:p14="http://schemas.microsoft.com/office/powerpoint/2010/main" val="3745136551"/>
+      </p:ext>
+    </p:extLst>
+  </p:cSld>
+  <p:clrMapOvr>
+    <a:overrideClrMapping bg1="dk1" tx1="lt1" bg2="dk2" tx2="lt2" accent1="accent1" accent2="accent2" accent3="accent3" accent4="accent4" accent5="accent5" accent6="accent6" hlink="hlink" folHlink="folHlink"/>
+  </p:clrMapOvr>
+</p:sld>
+</file>
+
+<file path=ppt/slides/slide6.xml><?xml version="1.0" encoding="utf-8"?>
+<p:sld xmlns:a="http://schemas.openxmlformats.org/drawingml/2006/main" xmlns:r="http://schemas.openxmlformats.org/officeDocument/2006/relationships" xmlns:p="http://schemas.openxmlformats.org/presentationml/2006/main">
+  <p:cSld>
+    <p:bg>
+      <p:bgPr>
+        <a:solidFill>
+          <a:schemeClr val="bg2"/>
+        </a:solidFill>
+        <a:effectLst/>
+      </p:bgPr>
+    </p:bg>
+    <p:spTree>
+      <p:nvGrpSpPr>
+        <p:cNvPr id="1" name=""/>
+        <p:cNvGrpSpPr/>
+        <p:nvPr/>
+      </p:nvGrpSpPr>
+      <p:grpSpPr>
+        <a:xfrm>
+          <a:off x="0" y="0"/>
+          <a:ext cx="0" cy="0"/>
+          <a:chOff x="0" y="0"/>
+          <a:chExt cx="0" cy="0"/>
+        </a:xfrm>
+      </p:grpSpPr>
+      <p:sp useBgFill="1">
+        <p:nvSpPr>
+          <p:cNvPr id="18" name="Rectangle 17">
+            <a:extLst>
+              <a:ext uri="{FF2B5EF4-FFF2-40B4-BE49-F238E27FC236}">
+                <a16:creationId xmlns:a16="http://schemas.microsoft.com/office/drawing/2014/main" id="{59DB74EB-2A7D-443D-B969-8BF48F993159}"/>
+              </a:ext>
+              <a:ext uri="{C183D7F6-B498-43B3-948B-1728B52AA6E4}">
+                <adec:decorative xmlns:adec="http://schemas.microsoft.com/office/drawing/2017/decorative" val="1"/>
+              </a:ext>
+            </a:extLst>
+          </p:cNvPr>
+          <p:cNvSpPr>
+            <a:spLocks noGrp="1" noRot="1" noChangeAspect="1" noMove="1" noResize="1" noEditPoints="1" noAdjustHandles="1" noChangeArrowheads="1" noChangeShapeType="1" noTextEdit="1"/>
+          </p:cNvSpPr>
+          <p:nvPr>
+            <p:extLst>
+              <p:ext uri="{386F3935-93C4-4BCD-93E2-E3B085C9AB24}">
+                <p16:designElem xmlns:p16="http://schemas.microsoft.com/office/powerpoint/2015/main" val="1"/>
+              </p:ext>
+            </p:extLst>
+          </p:nvPr>
+        </p:nvSpPr>
+        <p:spPr>
+          <a:xfrm>
+            <a:off x="0" y="0"/>
+            <a:ext cx="12192000" cy="6858000"/>
+          </a:xfrm>
+          <a:prstGeom prst="rect">
+            <a:avLst/>
+          </a:prstGeom>
+          <a:ln>
+            <a:noFill/>
+          </a:ln>
+        </p:spPr>
+        <p:style>
+          <a:lnRef idx="2">
+            <a:schemeClr val="accent1">
+              <a:shade val="50000"/>
+            </a:schemeClr>
+          </a:lnRef>
+          <a:fillRef idx="1">
+            <a:schemeClr val="accent1"/>
+          </a:fillRef>
+          <a:effectRef idx="0">
+            <a:schemeClr val="accent1"/>
+          </a:effectRef>
+          <a:fontRef idx="minor">
+            <a:schemeClr val="lt1"/>
+          </a:fontRef>
+        </p:style>
+        <p:txBody>
+          <a:bodyPr rtlCol="0" anchor="ctr"/>
+          <a:lstStyle/>
+          <a:p>
+            <a:pPr algn="ctr"/>
+            <a:endParaRPr lang="en-US" dirty="0"/>
+          </a:p>
+        </p:txBody>
+      </p:sp>
+      <p:sp>
+        <p:nvSpPr>
+          <p:cNvPr id="2" name="Title 1">
+            <a:extLst>
+              <a:ext uri="{FF2B5EF4-FFF2-40B4-BE49-F238E27FC236}">
+                <a16:creationId xmlns:a16="http://schemas.microsoft.com/office/drawing/2014/main" id="{23F6D5E8-15CF-4755-910B-1B5A1E777357}"/>
+              </a:ext>
+            </a:extLst>
+          </p:cNvPr>
+          <p:cNvSpPr>
+            <a:spLocks noGrp="1"/>
+          </p:cNvSpPr>
+          <p:nvPr>
+            <p:ph type="title"/>
+          </p:nvPr>
+        </p:nvSpPr>
+        <p:spPr>
+          <a:xfrm>
+            <a:off x="8252340" y="639704"/>
+            <a:ext cx="3299579" cy="5577840"/>
+          </a:xfrm>
+        </p:spPr>
+        <p:txBody>
+          <a:bodyPr anchor="ctr">
+            <a:normAutofit/>
+          </a:bodyPr>
+          <a:lstStyle/>
+          <a:p>
+            <a:pPr algn="ctr"/>
+            <a:r>
+              <a:rPr lang="en-US" sz="2400" b="1" dirty="0"/>
+              <a:t>What was Anthony Bourdain’s top show?</a:t>
+            </a:r>
+            <a:br>
+              <a:rPr lang="en-US" sz="2400" b="1" dirty="0"/>
+            </a:br>
+            <a:br>
+              <a:rPr lang="en-US" sz="1400" dirty="0"/>
+            </a:br>
+            <a:r>
+              <a:rPr lang="en-US" sz="1400" dirty="0">
+                <a:solidFill>
+                  <a:srgbClr val="EDCFAB"/>
+                </a:solidFill>
+                <a:effectLst>
+                  <a:outerShdw blurRad="25400" dist="38100" dir="13500000" algn="br" rotWithShape="0">
+                    <a:schemeClr val="tx1">
+                      <a:alpha val="40000"/>
+                    </a:schemeClr>
+                  </a:outerShdw>
+                </a:effectLst>
+              </a:rPr>
+              <a:t>‘No Reservations’ aired a total of 275 episodes over the course of 2,660 days, which is just over 7 years.</a:t>
+            </a:r>
+            <a:br>
+              <a:rPr lang="en-US" sz="1400" dirty="0">
+                <a:solidFill>
+                  <a:srgbClr val="EDCFAB"/>
+                </a:solidFill>
+                <a:effectLst>
+                  <a:outerShdw blurRad="25400" dist="38100" dir="13500000" algn="br" rotWithShape="0">
+                    <a:schemeClr val="tx1">
+                      <a:alpha val="40000"/>
+                    </a:schemeClr>
+                  </a:outerShdw>
+                </a:effectLst>
+              </a:rPr>
+            </a:br>
+            <a:br>
+              <a:rPr lang="en-US" sz="1400" dirty="0"/>
+            </a:br>
+            <a:r>
+              <a:rPr lang="en-US" sz="1400" dirty="0"/>
+              <a:t>‘Parts Unknown’ aired 158 episodes over 1,897 days, or just over 5 years. </a:t>
+            </a:r>
+            <a:br>
+              <a:rPr lang="en-US" sz="1400" dirty="0"/>
+            </a:br>
+            <a:br>
+              <a:rPr lang="en-US" sz="1400" dirty="0"/>
+            </a:br>
+            <a:r>
+              <a:rPr lang="en-US" sz="1400" dirty="0"/>
+              <a:t>‘A Cook’s Tour’ aired 42 episodes over 454, or just over 1 year. </a:t>
+            </a:r>
+            <a:br>
+              <a:rPr lang="en-US" sz="1400" dirty="0"/>
+            </a:br>
+            <a:br>
+              <a:rPr lang="en-US" sz="1400" dirty="0"/>
+            </a:br>
+            <a:r>
+              <a:rPr lang="en-US" sz="1400" dirty="0"/>
+              <a:t>‘The Layover’ aired only 20 episodes over 441 days, also just over 1 year.</a:t>
+            </a:r>
+          </a:p>
+        </p:txBody>
+      </p:sp>
+      <p:sp>
+        <p:nvSpPr>
+          <p:cNvPr id="20" name="Rectangle 19">
+            <a:extLst>
+              <a:ext uri="{FF2B5EF4-FFF2-40B4-BE49-F238E27FC236}">
+                <a16:creationId xmlns:a16="http://schemas.microsoft.com/office/drawing/2014/main" id="{19036E77-5F7B-494E-A117-FEA947B357EE}"/>
+              </a:ext>
+              <a:ext uri="{C183D7F6-B498-43B3-948B-1728B52AA6E4}">
+                <adec:decorative xmlns:adec="http://schemas.microsoft.com/office/drawing/2017/decorative" val="1"/>
+              </a:ext>
+            </a:extLst>
+          </p:cNvPr>
+          <p:cNvSpPr>
+            <a:spLocks noGrp="1" noRot="1" noChangeAspect="1" noMove="1" noResize="1" noEditPoints="1" noAdjustHandles="1" noChangeArrowheads="1" noChangeShapeType="1" noTextEdit="1"/>
+          </p:cNvSpPr>
+          <p:nvPr>
+            <p:extLst>
+              <p:ext uri="{386F3935-93C4-4BCD-93E2-E3B085C9AB24}">
+                <p16:designElem xmlns:p16="http://schemas.microsoft.com/office/powerpoint/2015/main" val="1"/>
+              </p:ext>
+            </p:extLst>
+          </p:nvPr>
+        </p:nvSpPr>
+        <p:spPr>
+          <a:xfrm>
+            <a:off x="7383661" y="0"/>
+            <a:ext cx="228600" cy="6858000"/>
+          </a:xfrm>
+          <a:prstGeom prst="rect">
+            <a:avLst/>
+          </a:prstGeom>
+          <a:solidFill>
+            <a:schemeClr val="tx1">
+              <a:lumMod val="50000"/>
+              <a:alpha val="40000"/>
+            </a:schemeClr>
+          </a:solidFill>
+          <a:ln>
+            <a:noFill/>
+          </a:ln>
+        </p:spPr>
+        <p:style>
+          <a:lnRef idx="2">
+            <a:schemeClr val="accent1">
+              <a:shade val="50000"/>
+            </a:schemeClr>
+          </a:lnRef>
+          <a:fillRef idx="1">
+            <a:schemeClr val="accent1"/>
+          </a:fillRef>
+          <a:effectRef idx="0">
+            <a:schemeClr val="accent1"/>
+          </a:effectRef>
+          <a:fontRef idx="minor">
+            <a:schemeClr val="lt1"/>
+          </a:fontRef>
+        </p:style>
+        <p:txBody>
+          <a:bodyPr/>
+          <a:lstStyle/>
+          <a:p>
+            <a:endParaRPr lang="en-US"/>
+          </a:p>
+        </p:txBody>
+      </p:sp>
+      <p:pic>
+        <p:nvPicPr>
+          <p:cNvPr id="1026" name="Picture 2">
+            <a:extLst>
+              <a:ext uri="{FF2B5EF4-FFF2-40B4-BE49-F238E27FC236}">
+                <a16:creationId xmlns:a16="http://schemas.microsoft.com/office/drawing/2014/main" id="{2103C665-E347-1685-49D2-431BA266CAF3}"/>
+              </a:ext>
+            </a:extLst>
+          </p:cNvPr>
+          <p:cNvPicPr>
+            <a:picLocks noChangeAspect="1" noChangeArrowheads="1"/>
+          </p:cNvPicPr>
+          <p:nvPr/>
+        </p:nvPicPr>
+        <p:blipFill>
+          <a:blip r:embed="rId3">
+            <a:extLst>
+              <a:ext uri="{28A0092B-C50C-407E-A947-70E740481C1C}">
+                <a14:useLocalDpi xmlns:a14="http://schemas.microsoft.com/office/drawing/2010/main" val="0"/>
+              </a:ext>
+            </a:extLst>
+          </a:blip>
+          <a:srcRect/>
+          <a:stretch>
+            <a:fillRect/>
+          </a:stretch>
+        </p:blipFill>
+        <p:spPr bwMode="auto">
+          <a:xfrm>
+            <a:off x="640081" y="1435903"/>
+            <a:ext cx="6097187" cy="3985441"/>
+          </a:xfrm>
+          <a:prstGeom prst="rect">
+            <a:avLst/>
+          </a:prstGeom>
+          <a:noFill/>
+          <a:extLst>
+            <a:ext uri="{909E8E84-426E-40DD-AFC4-6F175D3DCCD1}">
+              <a14:hiddenFill xmlns:a14="http://schemas.microsoft.com/office/drawing/2010/main">
+                <a:solidFill>
+                  <a:srgbClr val="FFFFFF"/>
+                </a:solidFill>
+              </a14:hiddenFill>
+            </a:ext>
+          </a:extLst>
+        </p:spPr>
+      </p:pic>
+    </p:spTree>
+    <p:extLst>
+      <p:ext uri="{BB962C8B-B14F-4D97-AF65-F5344CB8AC3E}">
+        <p14:creationId xmlns:p14="http://schemas.microsoft.com/office/powerpoint/2010/main" val="1473513341"/>
+      </p:ext>
+    </p:extLst>
+  </p:cSld>
+  <p:clrMapOvr>
+    <a:overrideClrMapping bg1="dk1" tx1="lt1" bg2="dk2" tx2="lt2" accent1="accent1" accent2="accent2" accent3="accent3" accent4="accent4" accent5="accent5" accent6="accent6" hlink="hlink" folHlink="folHlink"/>
+  </p:clrMapOvr>
+</p:sld>
+</file>
+
+<file path=ppt/slides/slide7.xml><?xml version="1.0" encoding="utf-8"?>
+<p:sld xmlns:a="http://schemas.openxmlformats.org/drawingml/2006/main" xmlns:r="http://schemas.openxmlformats.org/officeDocument/2006/relationships" xmlns:p="http://schemas.openxmlformats.org/presentationml/2006/main">
+  <p:cSld>
+    <p:bg>
+      <p:bgPr>
+        <a:solidFill>
+          <a:schemeClr val="bg2"/>
+        </a:solidFill>
+        <a:effectLst/>
+      </p:bgPr>
+    </p:bg>
+    <p:spTree>
+      <p:nvGrpSpPr>
+        <p:cNvPr id="1" name=""/>
+        <p:cNvGrpSpPr/>
+        <p:nvPr/>
+      </p:nvGrpSpPr>
+      <p:grpSpPr>
+        <a:xfrm>
+          <a:off x="0" y="0"/>
+          <a:ext cx="0" cy="0"/>
+          <a:chOff x="0" y="0"/>
+          <a:chExt cx="0" cy="0"/>
+        </a:xfrm>
+      </p:grpSpPr>
+      <p:sp useBgFill="1">
+        <p:nvSpPr>
+          <p:cNvPr id="18" name="Rectangle 17">
+            <a:extLst>
+              <a:ext uri="{FF2B5EF4-FFF2-40B4-BE49-F238E27FC236}">
+                <a16:creationId xmlns:a16="http://schemas.microsoft.com/office/drawing/2014/main" id="{59DB74EB-2A7D-443D-B969-8BF48F993159}"/>
+              </a:ext>
+              <a:ext uri="{C183D7F6-B498-43B3-948B-1728B52AA6E4}">
+                <adec:decorative xmlns:adec="http://schemas.microsoft.com/office/drawing/2017/decorative" val="1"/>
+              </a:ext>
+            </a:extLst>
+          </p:cNvPr>
+          <p:cNvSpPr>
+            <a:spLocks noGrp="1" noRot="1" noChangeAspect="1" noMove="1" noResize="1" noEditPoints="1" noAdjustHandles="1" noChangeArrowheads="1" noChangeShapeType="1" noTextEdit="1"/>
+          </p:cNvSpPr>
+          <p:nvPr>
+            <p:extLst>
+              <p:ext uri="{386F3935-93C4-4BCD-93E2-E3B085C9AB24}">
+                <p16:designElem xmlns:p16="http://schemas.microsoft.com/office/powerpoint/2015/main" val="1"/>
+              </p:ext>
+            </p:extLst>
+          </p:nvPr>
+        </p:nvSpPr>
+        <p:spPr>
+          <a:xfrm>
+            <a:off x="0" y="0"/>
+            <a:ext cx="12192000" cy="6858000"/>
+          </a:xfrm>
+          <a:prstGeom prst="rect">
+            <a:avLst/>
+          </a:prstGeom>
+          <a:ln>
+            <a:noFill/>
+          </a:ln>
+        </p:spPr>
+        <p:style>
+          <a:lnRef idx="2">
+            <a:schemeClr val="accent1">
+              <a:shade val="50000"/>
+            </a:schemeClr>
+          </a:lnRef>
+          <a:fillRef idx="1">
+            <a:schemeClr val="accent1"/>
+          </a:fillRef>
+          <a:effectRef idx="0">
+            <a:schemeClr val="accent1"/>
+          </a:effectRef>
+          <a:fontRef idx="minor">
+            <a:schemeClr val="lt1"/>
+          </a:fontRef>
+        </p:style>
+        <p:txBody>
+          <a:bodyPr rtlCol="0" anchor="ctr"/>
+          <a:lstStyle/>
+          <a:p>
+            <a:pPr algn="ctr"/>
+            <a:endParaRPr lang="en-US" dirty="0"/>
+          </a:p>
+        </p:txBody>
+      </p:sp>
+      <p:sp>
+        <p:nvSpPr>
+          <p:cNvPr id="2" name="Title 1">
+            <a:extLst>
+              <a:ext uri="{FF2B5EF4-FFF2-40B4-BE49-F238E27FC236}">
+                <a16:creationId xmlns:a16="http://schemas.microsoft.com/office/drawing/2014/main" id="{23F6D5E8-15CF-4755-910B-1B5A1E777357}"/>
+              </a:ext>
+            </a:extLst>
+          </p:cNvPr>
+          <p:cNvSpPr>
+            <a:spLocks noGrp="1"/>
+          </p:cNvSpPr>
+          <p:nvPr>
+            <p:ph type="title"/>
+          </p:nvPr>
+        </p:nvSpPr>
+        <p:spPr>
+          <a:xfrm>
+            <a:off x="8252340" y="639704"/>
+            <a:ext cx="3299579" cy="5577840"/>
+          </a:xfrm>
+        </p:spPr>
+        <p:txBody>
+          <a:bodyPr anchor="ctr">
+            <a:normAutofit/>
+          </a:bodyPr>
+          <a:lstStyle/>
+          <a:p>
+            <a:pPr algn="ctr"/>
+            <a:r>
+              <a:rPr lang="en-US" sz="2400" b="1" dirty="0"/>
+              <a:t>Do we see any trends in the areas or countries of his travels?</a:t>
+            </a:r>
+            <a:br>
+              <a:rPr lang="en-US" sz="2400" b="1" dirty="0"/>
+            </a:br>
+            <a:br>
+              <a:rPr lang="en-US" sz="1400" dirty="0"/>
+            </a:br>
+            <a:r>
+              <a:rPr lang="en-US" sz="1400" dirty="0">
+                <a:solidFill>
+                  <a:srgbClr val="EDCFAB"/>
+                </a:solidFill>
+                <a:effectLst>
+                  <a:outerShdw blurRad="25400" dist="38100" dir="13500000" algn="br" rotWithShape="0">
+                    <a:schemeClr val="tx1">
+                      <a:alpha val="40000"/>
+                    </a:schemeClr>
+                  </a:outerShdw>
+                </a:effectLst>
+              </a:rPr>
+              <a:t>‘No Reservations’ aired a total of 275 episodes over the course of 2,660 days, which is just over 7 years.</a:t>
+            </a:r>
+            <a:br>
+              <a:rPr lang="en-US" sz="1400" dirty="0">
+                <a:solidFill>
+                  <a:srgbClr val="EDCFAB"/>
+                </a:solidFill>
+                <a:effectLst>
+                  <a:outerShdw blurRad="25400" dist="38100" dir="13500000" algn="br" rotWithShape="0">
+                    <a:schemeClr val="tx1">
+                      <a:alpha val="40000"/>
+                    </a:schemeClr>
+                  </a:outerShdw>
+                </a:effectLst>
+              </a:rPr>
+            </a:br>
+            <a:br>
+              <a:rPr lang="en-US" sz="1400" dirty="0"/>
+            </a:br>
+            <a:r>
+              <a:rPr lang="en-US" sz="1400" dirty="0"/>
+              <a:t>‘Parts Unknown’ aired 158 episodes over 1,897 days, or just over 5 years. </a:t>
+            </a:r>
+            <a:br>
+              <a:rPr lang="en-US" sz="1400" dirty="0"/>
+            </a:br>
+            <a:br>
+              <a:rPr lang="en-US" sz="1400" dirty="0"/>
+            </a:br>
+            <a:r>
+              <a:rPr lang="en-US" sz="1400" dirty="0"/>
+              <a:t>‘A Cook’s Tour’ aired 42 episodes over 454, or just over 1 year. </a:t>
+            </a:r>
+            <a:br>
+              <a:rPr lang="en-US" sz="1400" dirty="0"/>
+            </a:br>
+            <a:br>
+              <a:rPr lang="en-US" sz="1400" dirty="0"/>
+            </a:br>
+            <a:r>
+              <a:rPr lang="en-US" sz="1400" dirty="0"/>
+              <a:t>‘The Layover’ aired only 20 episodes over 441 days, also just over 1 year.</a:t>
+            </a:r>
+          </a:p>
+        </p:txBody>
+      </p:sp>
+      <p:sp>
+        <p:nvSpPr>
+          <p:cNvPr id="20" name="Rectangle 19">
+            <a:extLst>
+              <a:ext uri="{FF2B5EF4-FFF2-40B4-BE49-F238E27FC236}">
+                <a16:creationId xmlns:a16="http://schemas.microsoft.com/office/drawing/2014/main" id="{19036E77-5F7B-494E-A117-FEA947B357EE}"/>
+              </a:ext>
+              <a:ext uri="{C183D7F6-B498-43B3-948B-1728B52AA6E4}">
+                <adec:decorative xmlns:adec="http://schemas.microsoft.com/office/drawing/2017/decorative" val="1"/>
+              </a:ext>
+            </a:extLst>
+          </p:cNvPr>
+          <p:cNvSpPr>
+            <a:spLocks noGrp="1" noRot="1" noChangeAspect="1" noMove="1" noResize="1" noEditPoints="1" noAdjustHandles="1" noChangeArrowheads="1" noChangeShapeType="1" noTextEdit="1"/>
+          </p:cNvSpPr>
+          <p:nvPr>
+            <p:extLst>
+              <p:ext uri="{386F3935-93C4-4BCD-93E2-E3B085C9AB24}">
+                <p16:designElem xmlns:p16="http://schemas.microsoft.com/office/powerpoint/2015/main" val="1"/>
+              </p:ext>
+            </p:extLst>
+          </p:nvPr>
+        </p:nvSpPr>
+        <p:spPr>
+          <a:xfrm>
+            <a:off x="7383661" y="0"/>
+            <a:ext cx="228600" cy="6858000"/>
+          </a:xfrm>
+          <a:prstGeom prst="rect">
+            <a:avLst/>
+          </a:prstGeom>
+          <a:solidFill>
+            <a:schemeClr val="tx1">
+              <a:lumMod val="50000"/>
+              <a:alpha val="40000"/>
+            </a:schemeClr>
+          </a:solidFill>
+          <a:ln>
+            <a:noFill/>
+          </a:ln>
+        </p:spPr>
+        <p:style>
+          <a:lnRef idx="2">
+            <a:schemeClr val="accent1">
+              <a:shade val="50000"/>
+            </a:schemeClr>
+          </a:lnRef>
+          <a:fillRef idx="1">
+            <a:schemeClr val="accent1"/>
+          </a:fillRef>
+          <a:effectRef idx="0">
+            <a:schemeClr val="accent1"/>
+          </a:effectRef>
+          <a:fontRef idx="minor">
+            <a:schemeClr val="lt1"/>
+          </a:fontRef>
+        </p:style>
+        <p:txBody>
+          <a:bodyPr/>
+          <a:lstStyle/>
+          <a:p>
+            <a:endParaRPr lang="en-US"/>
+          </a:p>
+        </p:txBody>
+      </p:sp>
+      <p:pic>
+        <p:nvPicPr>
+          <p:cNvPr id="1026" name="Picture 2">
+            <a:extLst>
+              <a:ext uri="{FF2B5EF4-FFF2-40B4-BE49-F238E27FC236}">
+                <a16:creationId xmlns:a16="http://schemas.microsoft.com/office/drawing/2014/main" id="{2103C665-E347-1685-49D2-431BA266CAF3}"/>
+              </a:ext>
+            </a:extLst>
+          </p:cNvPr>
+          <p:cNvPicPr>
+            <a:picLocks noChangeAspect="1" noChangeArrowheads="1"/>
+          </p:cNvPicPr>
+          <p:nvPr/>
+        </p:nvPicPr>
+        <p:blipFill>
+          <a:blip r:embed="rId3">
+            <a:extLst>
+              <a:ext uri="{28A0092B-C50C-407E-A947-70E740481C1C}">
+                <a14:useLocalDpi xmlns:a14="http://schemas.microsoft.com/office/drawing/2010/main" val="0"/>
+              </a:ext>
+            </a:extLst>
+          </a:blip>
+          <a:srcRect/>
+          <a:stretch>
+            <a:fillRect/>
+          </a:stretch>
+        </p:blipFill>
+        <p:spPr bwMode="auto">
+          <a:xfrm>
+            <a:off x="640081" y="1435903"/>
+            <a:ext cx="6097187" cy="3985441"/>
+          </a:xfrm>
+          <a:prstGeom prst="rect">
+            <a:avLst/>
+          </a:prstGeom>
+          <a:noFill/>
+          <a:extLst>
+            <a:ext uri="{909E8E84-426E-40DD-AFC4-6F175D3DCCD1}">
+              <a14:hiddenFill xmlns:a14="http://schemas.microsoft.com/office/drawing/2010/main">
+                <a:solidFill>
+                  <a:srgbClr val="FFFFFF"/>
+                </a:solidFill>
+              </a14:hiddenFill>
+            </a:ext>
+          </a:extLst>
+        </p:spPr>
+      </p:pic>
+    </p:spTree>
+    <p:extLst>
+      <p:ext uri="{BB962C8B-B14F-4D97-AF65-F5344CB8AC3E}">
+        <p14:creationId xmlns:p14="http://schemas.microsoft.com/office/powerpoint/2010/main" val="3260114449"/>
+      </p:ext>
+    </p:extLst>
+  </p:cSld>
+  <p:clrMapOvr>
+    <a:overrideClrMapping bg1="dk1" tx1="lt1" bg2="dk2" tx2="lt2" accent1="accent1" accent2="accent2" accent3="accent3" accent4="accent4" accent5="accent5" accent6="accent6" hlink="hlink" folHlink="folHlink"/>
+  </p:clrMapOvr>
+</p:sld>
+</file>
+
+<file path=ppt/slides/slide8.xml><?xml version="1.0" encoding="utf-8"?>
+<p:sld xmlns:a="http://schemas.openxmlformats.org/drawingml/2006/main" xmlns:r="http://schemas.openxmlformats.org/officeDocument/2006/relationships" xmlns:p="http://schemas.openxmlformats.org/presentationml/2006/main">
+  <p:cSld>
+    <p:bg>
+      <p:bgPr>
+        <a:solidFill>
+          <a:schemeClr val="bg2"/>
+        </a:solidFill>
+        <a:effectLst/>
+      </p:bgPr>
+    </p:bg>
+    <p:spTree>
+      <p:nvGrpSpPr>
+        <p:cNvPr id="1" name=""/>
+        <p:cNvGrpSpPr/>
+        <p:nvPr/>
+      </p:nvGrpSpPr>
+      <p:grpSpPr>
+        <a:xfrm>
+          <a:off x="0" y="0"/>
+          <a:ext cx="0" cy="0"/>
+          <a:chOff x="0" y="0"/>
+          <a:chExt cx="0" cy="0"/>
+        </a:xfrm>
+      </p:grpSpPr>
+      <p:sp useBgFill="1">
+        <p:nvSpPr>
+          <p:cNvPr id="18" name="Rectangle 17">
+            <a:extLst>
+              <a:ext uri="{FF2B5EF4-FFF2-40B4-BE49-F238E27FC236}">
+                <a16:creationId xmlns:a16="http://schemas.microsoft.com/office/drawing/2014/main" id="{59DB74EB-2A7D-443D-B969-8BF48F993159}"/>
+              </a:ext>
+              <a:ext uri="{C183D7F6-B498-43B3-948B-1728B52AA6E4}">
+                <adec:decorative xmlns:adec="http://schemas.microsoft.com/office/drawing/2017/decorative" val="1"/>
+              </a:ext>
+            </a:extLst>
+          </p:cNvPr>
+          <p:cNvSpPr>
+            <a:spLocks noGrp="1" noRot="1" noChangeAspect="1" noMove="1" noResize="1" noEditPoints="1" noAdjustHandles="1" noChangeArrowheads="1" noChangeShapeType="1" noTextEdit="1"/>
+          </p:cNvSpPr>
+          <p:nvPr>
+            <p:extLst>
+              <p:ext uri="{386F3935-93C4-4BCD-93E2-E3B085C9AB24}">
+                <p16:designElem xmlns:p16="http://schemas.microsoft.com/office/powerpoint/2015/main" val="1"/>
+              </p:ext>
+            </p:extLst>
+          </p:nvPr>
+        </p:nvSpPr>
+        <p:spPr>
+          <a:xfrm>
+            <a:off x="0" y="0"/>
+            <a:ext cx="12192000" cy="6858000"/>
+          </a:xfrm>
+          <a:prstGeom prst="rect">
+            <a:avLst/>
+          </a:prstGeom>
+          <a:ln>
+            <a:noFill/>
+          </a:ln>
+        </p:spPr>
+        <p:style>
+          <a:lnRef idx="2">
+            <a:schemeClr val="accent1">
+              <a:shade val="50000"/>
+            </a:schemeClr>
+          </a:lnRef>
+          <a:fillRef idx="1">
+            <a:schemeClr val="accent1"/>
+          </a:fillRef>
+          <a:effectRef idx="0">
+            <a:schemeClr val="accent1"/>
+          </a:effectRef>
+          <a:fontRef idx="minor">
+            <a:schemeClr val="lt1"/>
+          </a:fontRef>
+        </p:style>
+        <p:txBody>
+          <a:bodyPr rtlCol="0" anchor="ctr"/>
+          <a:lstStyle/>
+          <a:p>
+            <a:pPr algn="ctr"/>
+            <a:endParaRPr lang="en-US" dirty="0"/>
+          </a:p>
+        </p:txBody>
+      </p:sp>
+      <p:sp>
+        <p:nvSpPr>
+          <p:cNvPr id="2" name="Title 1">
+            <a:extLst>
+              <a:ext uri="{FF2B5EF4-FFF2-40B4-BE49-F238E27FC236}">
+                <a16:creationId xmlns:a16="http://schemas.microsoft.com/office/drawing/2014/main" id="{23F6D5E8-15CF-4755-910B-1B5A1E777357}"/>
+              </a:ext>
+            </a:extLst>
+          </p:cNvPr>
+          <p:cNvSpPr>
+            <a:spLocks noGrp="1"/>
+          </p:cNvSpPr>
+          <p:nvPr>
+            <p:ph type="title"/>
+          </p:nvPr>
+        </p:nvSpPr>
+        <p:spPr>
+          <a:xfrm>
+            <a:off x="8252340" y="639704"/>
+            <a:ext cx="3299579" cy="5577840"/>
+          </a:xfrm>
+        </p:spPr>
+        <p:txBody>
+          <a:bodyPr anchor="ctr">
+            <a:normAutofit/>
+          </a:bodyPr>
+          <a:lstStyle/>
+          <a:p>
+            <a:pPr algn="ctr"/>
+            <a:r>
+              <a:rPr lang="en-US" sz="2400" b="1" dirty="0"/>
+              <a:t>Do we see any trends in the areas or countries of his travels?</a:t>
+            </a:r>
+            <a:br>
+              <a:rPr lang="en-US" sz="2400" b="1" dirty="0"/>
+            </a:br>
+            <a:br>
+              <a:rPr lang="en-US" sz="1400" dirty="0"/>
+            </a:br>
+            <a:r>
+              <a:rPr lang="en-US" sz="1400" dirty="0">
+                <a:solidFill>
+                  <a:srgbClr val="EDCFAB"/>
+                </a:solidFill>
+                <a:effectLst>
+                  <a:outerShdw blurRad="25400" dist="38100" dir="13500000" algn="br" rotWithShape="0">
+                    <a:schemeClr val="tx1">
+                      <a:alpha val="40000"/>
+                    </a:schemeClr>
+                  </a:outerShdw>
+                </a:effectLst>
+              </a:rPr>
+              <a:t>‘No Reservations’ aired a total of 275 episodes over the course of 2,660 days, which is just over 7 years.</a:t>
+            </a:r>
+            <a:br>
+              <a:rPr lang="en-US" sz="1400" dirty="0">
+                <a:solidFill>
+                  <a:srgbClr val="EDCFAB"/>
+                </a:solidFill>
+                <a:effectLst>
+                  <a:outerShdw blurRad="25400" dist="38100" dir="13500000" algn="br" rotWithShape="0">
+                    <a:schemeClr val="tx1">
+                      <a:alpha val="40000"/>
+                    </a:schemeClr>
+                  </a:outerShdw>
+                </a:effectLst>
+              </a:rPr>
+            </a:br>
+            <a:br>
+              <a:rPr lang="en-US" sz="1400" dirty="0"/>
+            </a:br>
+            <a:r>
+              <a:rPr lang="en-US" sz="1400" dirty="0"/>
+              <a:t>‘Parts Unknown’ aired 158 episodes over 1,897 days, or just over 5 years. </a:t>
+            </a:r>
+            <a:br>
+              <a:rPr lang="en-US" sz="1400" dirty="0"/>
+            </a:br>
+            <a:br>
+              <a:rPr lang="en-US" sz="1400" dirty="0"/>
+            </a:br>
+            <a:r>
+              <a:rPr lang="en-US" sz="1400" dirty="0"/>
+              <a:t>‘A Cook’s Tour’ aired 42 episodes over 454, or just over 1 year. </a:t>
+            </a:r>
+            <a:br>
+              <a:rPr lang="en-US" sz="1400" dirty="0"/>
+            </a:br>
+            <a:br>
+              <a:rPr lang="en-US" sz="1400" dirty="0"/>
+            </a:br>
+            <a:r>
+              <a:rPr lang="en-US" sz="1400" dirty="0"/>
+              <a:t>‘The Layover’ aired only 20 episodes over 441 days, also just over 1 year.</a:t>
+            </a:r>
+          </a:p>
+        </p:txBody>
+      </p:sp>
+      <p:sp>
+        <p:nvSpPr>
+          <p:cNvPr id="20" name="Rectangle 19">
+            <a:extLst>
+              <a:ext uri="{FF2B5EF4-FFF2-40B4-BE49-F238E27FC236}">
+                <a16:creationId xmlns:a16="http://schemas.microsoft.com/office/drawing/2014/main" id="{19036E77-5F7B-494E-A117-FEA947B357EE}"/>
+              </a:ext>
+              <a:ext uri="{C183D7F6-B498-43B3-948B-1728B52AA6E4}">
+                <adec:decorative xmlns:adec="http://schemas.microsoft.com/office/drawing/2017/decorative" val="1"/>
+              </a:ext>
+            </a:extLst>
+          </p:cNvPr>
+          <p:cNvSpPr>
+            <a:spLocks noGrp="1" noRot="1" noChangeAspect="1" noMove="1" noResize="1" noEditPoints="1" noAdjustHandles="1" noChangeArrowheads="1" noChangeShapeType="1" noTextEdit="1"/>
+          </p:cNvSpPr>
+          <p:nvPr>
+            <p:extLst>
+              <p:ext uri="{386F3935-93C4-4BCD-93E2-E3B085C9AB24}">
+                <p16:designElem xmlns:p16="http://schemas.microsoft.com/office/powerpoint/2015/main" val="1"/>
+              </p:ext>
+            </p:extLst>
+          </p:nvPr>
+        </p:nvSpPr>
+        <p:spPr>
+          <a:xfrm>
+            <a:off x="7383661" y="0"/>
+            <a:ext cx="228600" cy="6858000"/>
+          </a:xfrm>
+          <a:prstGeom prst="rect">
+            <a:avLst/>
+          </a:prstGeom>
+          <a:solidFill>
+            <a:schemeClr val="tx1">
+              <a:lumMod val="50000"/>
+              <a:alpha val="40000"/>
+            </a:schemeClr>
+          </a:solidFill>
+          <a:ln>
+            <a:noFill/>
+          </a:ln>
+        </p:spPr>
+        <p:style>
+          <a:lnRef idx="2">
+            <a:schemeClr val="accent1">
+              <a:shade val="50000"/>
+            </a:schemeClr>
+          </a:lnRef>
+          <a:fillRef idx="1">
+            <a:schemeClr val="accent1"/>
+          </a:fillRef>
+          <a:effectRef idx="0">
+            <a:schemeClr val="accent1"/>
+          </a:effectRef>
+          <a:fontRef idx="minor">
+            <a:schemeClr val="lt1"/>
+          </a:fontRef>
+        </p:style>
+        <p:txBody>
+          <a:bodyPr/>
+          <a:lstStyle/>
+          <a:p>
+            <a:endParaRPr lang="en-US"/>
+          </a:p>
+        </p:txBody>
+      </p:sp>
+      <p:pic>
+        <p:nvPicPr>
+          <p:cNvPr id="1026" name="Picture 2">
+            <a:extLst>
+              <a:ext uri="{FF2B5EF4-FFF2-40B4-BE49-F238E27FC236}">
+                <a16:creationId xmlns:a16="http://schemas.microsoft.com/office/drawing/2014/main" id="{2103C665-E347-1685-49D2-431BA266CAF3}"/>
+              </a:ext>
+            </a:extLst>
+          </p:cNvPr>
+          <p:cNvPicPr>
+            <a:picLocks noChangeAspect="1" noChangeArrowheads="1"/>
+          </p:cNvPicPr>
+          <p:nvPr/>
+        </p:nvPicPr>
+        <p:blipFill>
+          <a:blip r:embed="rId3">
+            <a:extLst>
+              <a:ext uri="{28A0092B-C50C-407E-A947-70E740481C1C}">
+                <a14:useLocalDpi xmlns:a14="http://schemas.microsoft.com/office/drawing/2010/main" val="0"/>
+              </a:ext>
+            </a:extLst>
+          </a:blip>
+          <a:srcRect/>
+          <a:stretch>
+            <a:fillRect/>
+          </a:stretch>
+        </p:blipFill>
+        <p:spPr bwMode="auto">
+          <a:xfrm>
+            <a:off x="640081" y="1435903"/>
+            <a:ext cx="6097187" cy="3985441"/>
+          </a:xfrm>
+          <a:prstGeom prst="rect">
+            <a:avLst/>
+          </a:prstGeom>
+          <a:noFill/>
+          <a:extLst>
+            <a:ext uri="{909E8E84-426E-40DD-AFC4-6F175D3DCCD1}">
+              <a14:hiddenFill xmlns:a14="http://schemas.microsoft.com/office/drawing/2010/main">
+                <a:solidFill>
+                  <a:srgbClr val="FFFFFF"/>
+                </a:solidFill>
+              </a14:hiddenFill>
+            </a:ext>
+          </a:extLst>
+        </p:spPr>
+      </p:pic>
+    </p:spTree>
+    <p:extLst>
+      <p:ext uri="{BB962C8B-B14F-4D97-AF65-F5344CB8AC3E}">
+        <p14:creationId xmlns:p14="http://schemas.microsoft.com/office/powerpoint/2010/main" val="2370702979"/>
+      </p:ext>
+    </p:extLst>
+  </p:cSld>
+  <p:clrMapOvr>
+    <a:overrideClrMapping bg1="dk1" tx1="lt1" bg2="dk2" tx2="lt2" accent1="accent1" accent2="accent2" accent3="accent3" accent4="accent4" accent5="accent5" accent6="accent6" hlink="hlink" folHlink="folHlink"/>
+  </p:clrMapOvr>
+</p:sld>
+</file>
+
+<file path=ppt/slides/slide9.xml><?xml version="1.0" encoding="utf-8"?>
+<p:sld xmlns:a="http://schemas.openxmlformats.org/drawingml/2006/main" xmlns:r="http://schemas.openxmlformats.org/officeDocument/2006/relationships" xmlns:p="http://schemas.openxmlformats.org/presentationml/2006/main">
+  <p:cSld>
+    <p:bg>
+      <p:bgPr>
+        <a:solidFill>
+          <a:schemeClr val="bg2"/>
+        </a:solidFill>
+        <a:effectLst/>
+      </p:bgPr>
+    </p:bg>
+    <p:spTree>
+      <p:nvGrpSpPr>
+        <p:cNvPr id="1" name=""/>
+        <p:cNvGrpSpPr/>
+        <p:nvPr/>
+      </p:nvGrpSpPr>
+      <p:grpSpPr>
+        <a:xfrm>
+          <a:off x="0" y="0"/>
+          <a:ext cx="0" cy="0"/>
+          <a:chOff x="0" y="0"/>
+          <a:chExt cx="0" cy="0"/>
+        </a:xfrm>
+      </p:grpSpPr>
+      <p:sp useBgFill="1">
+        <p:nvSpPr>
+          <p:cNvPr id="18" name="Rectangle 17">
+            <a:extLst>
+              <a:ext uri="{FF2B5EF4-FFF2-40B4-BE49-F238E27FC236}">
+                <a16:creationId xmlns:a16="http://schemas.microsoft.com/office/drawing/2014/main" id="{59DB74EB-2A7D-443D-B969-8BF48F993159}"/>
+              </a:ext>
+              <a:ext uri="{C183D7F6-B498-43B3-948B-1728B52AA6E4}">
+                <adec:decorative xmlns:adec="http://schemas.microsoft.com/office/drawing/2017/decorative" val="1"/>
+              </a:ext>
+            </a:extLst>
+          </p:cNvPr>
+          <p:cNvSpPr>
+            <a:spLocks noGrp="1" noRot="1" noChangeAspect="1" noMove="1" noResize="1" noEditPoints="1" noAdjustHandles="1" noChangeArrowheads="1" noChangeShapeType="1" noTextEdit="1"/>
+          </p:cNvSpPr>
+          <p:nvPr>
+            <p:extLst>
+              <p:ext uri="{386F3935-93C4-4BCD-93E2-E3B085C9AB24}">
+                <p16:designElem xmlns:p16="http://schemas.microsoft.com/office/powerpoint/2015/main" val="1"/>
+              </p:ext>
+            </p:extLst>
+          </p:nvPr>
+        </p:nvSpPr>
+        <p:spPr>
+          <a:xfrm>
+            <a:off x="0" y="0"/>
+            <a:ext cx="12192000" cy="6858000"/>
+          </a:xfrm>
+          <a:prstGeom prst="rect">
+            <a:avLst/>
+          </a:prstGeom>
+          <a:ln>
+            <a:noFill/>
+          </a:ln>
+        </p:spPr>
+        <p:style>
+          <a:lnRef idx="2">
+            <a:schemeClr val="accent1">
+              <a:shade val="50000"/>
+            </a:schemeClr>
+          </a:lnRef>
+          <a:fillRef idx="1">
+            <a:schemeClr val="accent1"/>
+          </a:fillRef>
+          <a:effectRef idx="0">
+            <a:schemeClr val="accent1"/>
+          </a:effectRef>
+          <a:fontRef idx="minor">
+            <a:schemeClr val="lt1"/>
+          </a:fontRef>
+        </p:style>
+        <p:txBody>
+          <a:bodyPr rtlCol="0" anchor="ctr"/>
+          <a:lstStyle/>
+          <a:p>
+            <a:pPr algn="ctr"/>
+            <a:endParaRPr lang="en-US" dirty="0"/>
+          </a:p>
+        </p:txBody>
+      </p:sp>
+      <p:sp>
+        <p:nvSpPr>
+          <p:cNvPr id="2" name="Title 1">
+            <a:extLst>
+              <a:ext uri="{FF2B5EF4-FFF2-40B4-BE49-F238E27FC236}">
+                <a16:creationId xmlns:a16="http://schemas.microsoft.com/office/drawing/2014/main" id="{23F6D5E8-15CF-4755-910B-1B5A1E777357}"/>
+              </a:ext>
+            </a:extLst>
+          </p:cNvPr>
+          <p:cNvSpPr>
+            <a:spLocks noGrp="1"/>
+          </p:cNvSpPr>
+          <p:nvPr>
+            <p:ph type="title"/>
+          </p:nvPr>
+        </p:nvSpPr>
+        <p:spPr>
+          <a:xfrm>
+            <a:off x="8252340" y="639704"/>
+            <a:ext cx="3299579" cy="5577840"/>
+          </a:xfrm>
+        </p:spPr>
+        <p:txBody>
+          <a:bodyPr anchor="ctr">
+            <a:normAutofit/>
+          </a:bodyPr>
+          <a:lstStyle/>
+          <a:p>
+            <a:pPr algn="ctr"/>
+            <a:r>
+              <a:rPr lang="en-US" sz="2400" b="1" dirty="0" err="1"/>
+              <a:t>ydata_profiling</a:t>
+            </a:r>
+            <a:br>
+              <a:rPr lang="en-US" sz="2400" b="1" dirty="0"/>
+            </a:br>
+            <a:br>
+              <a:rPr lang="en-US" sz="1400" dirty="0"/>
+            </a:br>
+            <a:r>
+              <a:rPr lang="en-US" sz="1400" dirty="0">
+                <a:solidFill>
+                  <a:srgbClr val="EDCFAB"/>
+                </a:solidFill>
+                <a:effectLst>
+                  <a:outerShdw blurRad="25400" dist="38100" dir="13500000" algn="br" rotWithShape="0">
+                    <a:schemeClr val="tx1">
+                      <a:alpha val="40000"/>
+                    </a:schemeClr>
+                  </a:outerShdw>
+                </a:effectLst>
+              </a:rPr>
+              <a:t>‘No Reservations’</a:t>
+            </a:r>
+            <a:br>
+              <a:rPr lang="en-US" sz="1400" dirty="0">
+                <a:solidFill>
+                  <a:srgbClr val="EDCFAB"/>
+                </a:solidFill>
+                <a:effectLst>
+                  <a:outerShdw blurRad="25400" dist="38100" dir="13500000" algn="br" rotWithShape="0">
+                    <a:schemeClr val="tx1">
+                      <a:alpha val="40000"/>
+                    </a:schemeClr>
+                  </a:outerShdw>
+                </a:effectLst>
+              </a:rPr>
+            </a:br>
+            <a:br>
+              <a:rPr lang="en-US" sz="1400" dirty="0"/>
+            </a:br>
+            <a:r>
+              <a:rPr lang="en-US" sz="1400" dirty="0"/>
+              <a:t>‘Parts Unknown’</a:t>
+            </a:r>
+          </a:p>
+        </p:txBody>
+      </p:sp>
+      <p:sp>
+        <p:nvSpPr>
+          <p:cNvPr id="20" name="Rectangle 19">
+            <a:extLst>
+              <a:ext uri="{FF2B5EF4-FFF2-40B4-BE49-F238E27FC236}">
+                <a16:creationId xmlns:a16="http://schemas.microsoft.com/office/drawing/2014/main" id="{19036E77-5F7B-494E-A117-FEA947B357EE}"/>
+              </a:ext>
+              <a:ext uri="{C183D7F6-B498-43B3-948B-1728B52AA6E4}">
+                <adec:decorative xmlns:adec="http://schemas.microsoft.com/office/drawing/2017/decorative" val="1"/>
+              </a:ext>
+            </a:extLst>
+          </p:cNvPr>
+          <p:cNvSpPr>
+            <a:spLocks noGrp="1" noRot="1" noChangeAspect="1" noMove="1" noResize="1" noEditPoints="1" noAdjustHandles="1" noChangeArrowheads="1" noChangeShapeType="1" noTextEdit="1"/>
+          </p:cNvSpPr>
+          <p:nvPr>
+            <p:extLst>
+              <p:ext uri="{386F3935-93C4-4BCD-93E2-E3B085C9AB24}">
+                <p16:designElem xmlns:p16="http://schemas.microsoft.com/office/powerpoint/2015/main" val="1"/>
+              </p:ext>
+            </p:extLst>
+          </p:nvPr>
+        </p:nvSpPr>
+        <p:spPr>
+          <a:xfrm>
+            <a:off x="7383661" y="0"/>
+            <a:ext cx="228600" cy="6858000"/>
+          </a:xfrm>
+          <a:prstGeom prst="rect">
+            <a:avLst/>
+          </a:prstGeom>
+          <a:solidFill>
+            <a:schemeClr val="tx1">
+              <a:lumMod val="50000"/>
+              <a:alpha val="40000"/>
+            </a:schemeClr>
+          </a:solidFill>
+          <a:ln>
+            <a:noFill/>
+          </a:ln>
+        </p:spPr>
+        <p:style>
+          <a:lnRef idx="2">
+            <a:schemeClr val="accent1">
+              <a:shade val="50000"/>
+            </a:schemeClr>
+          </a:lnRef>
+          <a:fillRef idx="1">
+            <a:schemeClr val="accent1"/>
+          </a:fillRef>
+          <a:effectRef idx="0">
+            <a:schemeClr val="accent1"/>
+          </a:effectRef>
+          <a:fontRef idx="minor">
+            <a:schemeClr val="lt1"/>
+          </a:fontRef>
+        </p:style>
+        <p:txBody>
+          <a:bodyPr/>
+          <a:lstStyle/>
+          <a:p>
+            <a:endParaRPr lang="en-US"/>
+          </a:p>
+        </p:txBody>
+      </p:sp>
+      <p:pic>
+        <p:nvPicPr>
+          <p:cNvPr id="1026" name="Picture 2">
+            <a:extLst>
+              <a:ext uri="{FF2B5EF4-FFF2-40B4-BE49-F238E27FC236}">
+                <a16:creationId xmlns:a16="http://schemas.microsoft.com/office/drawing/2014/main" id="{2103C665-E347-1685-49D2-431BA266CAF3}"/>
+              </a:ext>
+            </a:extLst>
+          </p:cNvPr>
+          <p:cNvPicPr>
+            <a:picLocks noChangeAspect="1" noChangeArrowheads="1"/>
+          </p:cNvPicPr>
+          <p:nvPr/>
+        </p:nvPicPr>
+        <p:blipFill>
+          <a:blip r:embed="rId3">
+            <a:extLst>
+              <a:ext uri="{28A0092B-C50C-407E-A947-70E740481C1C}">
+                <a14:useLocalDpi xmlns:a14="http://schemas.microsoft.com/office/drawing/2010/main" val="0"/>
+              </a:ext>
+            </a:extLst>
+          </a:blip>
+          <a:srcRect/>
+          <a:stretch>
+            <a:fillRect/>
+          </a:stretch>
+        </p:blipFill>
+        <p:spPr bwMode="auto">
+          <a:xfrm>
+            <a:off x="640081" y="1435903"/>
+            <a:ext cx="6097187" cy="3985441"/>
+          </a:xfrm>
+          <a:prstGeom prst="rect">
+            <a:avLst/>
+          </a:prstGeom>
+          <a:noFill/>
+          <a:extLst>
+            <a:ext uri="{909E8E84-426E-40DD-AFC4-6F175D3DCCD1}">
+              <a14:hiddenFill xmlns:a14="http://schemas.microsoft.com/office/drawing/2010/main">
+                <a:solidFill>
+                  <a:srgbClr val="FFFFFF"/>
+                </a:solidFill>
+              </a14:hiddenFill>
+            </a:ext>
+          </a:extLst>
+        </p:spPr>
+      </p:pic>
+    </p:spTree>
+    <p:extLst>
+      <p:ext uri="{BB962C8B-B14F-4D97-AF65-F5344CB8AC3E}">
+        <p14:creationId xmlns:p14="http://schemas.microsoft.com/office/powerpoint/2010/main" val="2342112453"/>
+      </p:ext>
+    </p:extLst>
+  </p:cSld>
+  <p:clrMapOvr>
+    <a:overrideClrMapping bg1="dk1" tx1="lt1" bg2="dk2" tx2="lt2" accent1="accent1" accent2="accent2" accent3="accent3" accent4="accent4" accent5="accent5" accent6="accent6" hlink="hlink" folHlink="folHlink"/>
   </p:clrMapOvr>
 </p:sld>
 </file>
@@ -8442,6 +9581,15 @@
 </file>
 
 <file path=customXml/item2.xml><?xml version="1.0" encoding="utf-8"?>
+<p:properties xmlns:p="http://schemas.microsoft.com/office/2006/metadata/properties" xmlns:xsi="http://www.w3.org/2001/XMLSchema-instance" xmlns:pc="http://schemas.microsoft.com/office/infopath/2007/PartnerControls">
+  <documentManagement>
+    <Status xmlns="71af3243-3dd4-4a8d-8c0d-dd76da1f02a5">Not started</Status>
+    <MediaServiceKeyPoints xmlns="71af3243-3dd4-4a8d-8c0d-dd76da1f02a5" xsi:nil="true"/>
+  </documentManagement>
+</p:properties>
+</file>
+
+<file path=customXml/item3.xml><?xml version="1.0" encoding="utf-8"?>
 <ct:contentTypeSchema xmlns:ct="http://schemas.microsoft.com/office/2006/metadata/contentType" xmlns:ma="http://schemas.microsoft.com/office/2006/metadata/properties/metaAttributes" ct:_="" ma:_="" ma:contentTypeName="Document" ma:contentTypeID="0x01010079F111ED35F8CC479449609E8A0923A6" ma:contentTypeVersion="12" ma:contentTypeDescription="Create a new document." ma:contentTypeScope="" ma:versionID="93813dd7ca6ad654711aa0ab317e03a3">
   <xsd:schema xmlns:xsd="http://www.w3.org/2001/XMLSchema" xmlns:xs="http://www.w3.org/2001/XMLSchema" xmlns:p="http://schemas.microsoft.com/office/2006/metadata/properties" xmlns:ns2="71af3243-3dd4-4a8d-8c0d-dd76da1f02a5" xmlns:ns3="16c05727-aa75-4e4a-9b5f-8a80a1165891" targetNamespace="http://schemas.microsoft.com/office/2006/metadata/properties" ma:root="true" ma:fieldsID="f11dc0ce689dd3925e84e4e35398c6e7" ns2:_="" ns3:_="">
     <xsd:import namespace="71af3243-3dd4-4a8d-8c0d-dd76da1f02a5"/>
@@ -8662,15 +9810,6 @@
 </ct:contentTypeSchema>
 </file>
 
-<file path=customXml/item3.xml><?xml version="1.0" encoding="utf-8"?>
-<p:properties xmlns:p="http://schemas.microsoft.com/office/2006/metadata/properties" xmlns:xsi="http://www.w3.org/2001/XMLSchema-instance" xmlns:pc="http://schemas.microsoft.com/office/infopath/2007/PartnerControls">
-  <documentManagement>
-    <Status xmlns="71af3243-3dd4-4a8d-8c0d-dd76da1f02a5">Not started</Status>
-    <MediaServiceKeyPoints xmlns="71af3243-3dd4-4a8d-8c0d-dd76da1f02a5" xsi:nil="true"/>
-  </documentManagement>
-</p:properties>
-</file>
-
 <file path=customXml/itemProps1.xml><?xml version="1.0" encoding="utf-8"?>
 <ds:datastoreItem xmlns:ds="http://schemas.openxmlformats.org/officeDocument/2006/customXml" ds:itemID="{19E48938-CE0A-4976-83E6-A8FD4583CC20}">
   <ds:schemaRefs>
@@ -8680,6 +9819,16 @@
 </file>
 
 <file path=customXml/itemProps2.xml><?xml version="1.0" encoding="utf-8"?>
+<ds:datastoreItem xmlns:ds="http://schemas.openxmlformats.org/officeDocument/2006/customXml" ds:itemID="{E755A93C-578E-47D2-96A6-AF17136F6BCE}">
+  <ds:schemaRefs>
+    <ds:schemaRef ds:uri="http://schemas.microsoft.com/office/2006/metadata/properties"/>
+    <ds:schemaRef ds:uri="http://schemas.microsoft.com/office/infopath/2007/PartnerControls"/>
+    <ds:schemaRef ds:uri="71af3243-3dd4-4a8d-8c0d-dd76da1f02a5"/>
+  </ds:schemaRefs>
+</ds:datastoreItem>
+</file>
+
+<file path=customXml/itemProps3.xml><?xml version="1.0" encoding="utf-8"?>
 <ds:datastoreItem xmlns:ds="http://schemas.openxmlformats.org/officeDocument/2006/customXml" ds:itemID="{7F32B251-29F3-43CE-BD66-A3B48CC7BC2F}">
   <ds:schemaRefs>
     <ds:schemaRef ds:uri="http://schemas.microsoft.com/office/2006/metadata/contentType"/>
@@ -8696,14 +9845,4 @@
     <ds:schemaRef ds:uri="http://schemas.microsoft.com/internal/obd"/>
   </ds:schemaRefs>
 </ds:datastoreItem>
-</file>
-
-<file path=customXml/itemProps3.xml><?xml version="1.0" encoding="utf-8"?>
-<ds:datastoreItem xmlns:ds="http://schemas.openxmlformats.org/officeDocument/2006/customXml" ds:itemID="{E755A93C-578E-47D2-96A6-AF17136F6BCE}">
-  <ds:schemaRefs>
-    <ds:schemaRef ds:uri="http://schemas.microsoft.com/office/2006/metadata/properties"/>
-    <ds:schemaRef ds:uri="http://schemas.microsoft.com/office/infopath/2007/PartnerControls"/>
-    <ds:schemaRef ds:uri="71af3243-3dd4-4a8d-8c0d-dd76da1f02a5"/>
-  </ds:schemaRefs>
-</ds:datastoreItem>
 </file>
--- a/Anthony Bourdain’s Travels.pptx
+++ b/Anthony Bourdain’s Travels.pptx
@@ -131,6 +131,83 @@
 </p:presentation>
 </file>
 
+<file path=ppt/revisionInfo.xml><?xml version="1.0" encoding="utf-8"?>
+<p1510:revInfo xmlns:a="http://schemas.openxmlformats.org/drawingml/2006/main" xmlns:r="http://schemas.openxmlformats.org/officeDocument/2006/relationships" xmlns:p1510="http://schemas.microsoft.com/office/powerpoint/2015/10/main">
+  <p1510:revLst>
+    <p1510:client id="{5B247282-9225-4026-909E-8B5B47900240}" v="2" dt="2023-07-31T22:16:49.699"/>
+  </p1510:revLst>
+</p1510:revInfo>
+</file>
+
+<file path=ppt/changesInfos/changesInfo1.xml><?xml version="1.0" encoding="utf-8"?>
+<pc:chgInfo xmlns:a="http://schemas.openxmlformats.org/drawingml/2006/main" xmlns:r="http://schemas.openxmlformats.org/officeDocument/2006/relationships" xmlns:ac="http://schemas.microsoft.com/office/drawing/2013/main/command" xmlns:pc="http://schemas.microsoft.com/office/powerpoint/2013/main/command">
+  <pc:docChgLst>
+    <pc:chgData name="carlos delarosa" userId="5c06b4cd9ad9f6ec" providerId="LiveId" clId="{5B247282-9225-4026-909E-8B5B47900240}"/>
+    <pc:docChg chg="undo custSel addSld delSld modSld">
+      <pc:chgData name="carlos delarosa" userId="5c06b4cd9ad9f6ec" providerId="LiveId" clId="{5B247282-9225-4026-909E-8B5B47900240}" dt="2023-07-31T22:21:52.094" v="89" actId="2696"/>
+      <pc:docMkLst>
+        <pc:docMk/>
+      </pc:docMkLst>
+      <pc:sldChg chg="addSp modSp add del mod">
+        <pc:chgData name="carlos delarosa" userId="5c06b4cd9ad9f6ec" providerId="LiveId" clId="{5B247282-9225-4026-909E-8B5B47900240}" dt="2023-07-31T22:21:52.094" v="89" actId="2696"/>
+        <pc:sldMkLst>
+          <pc:docMk/>
+          <pc:sldMk cId="3404580602" sldId="282"/>
+        </pc:sldMkLst>
+        <pc:spChg chg="mod">
+          <ac:chgData name="carlos delarosa" userId="5c06b4cd9ad9f6ec" providerId="LiveId" clId="{5B247282-9225-4026-909E-8B5B47900240}" dt="2023-07-31T22:16:58.765" v="12" actId="1076"/>
+          <ac:spMkLst>
+            <pc:docMk/>
+            <pc:sldMk cId="3404580602" sldId="282"/>
+            <ac:spMk id="2" creationId="{23F6D5E8-15CF-4755-910B-1B5A1E777357}"/>
+          </ac:spMkLst>
+        </pc:spChg>
+        <pc:spChg chg="add mod">
+          <ac:chgData name="carlos delarosa" userId="5c06b4cd9ad9f6ec" providerId="LiveId" clId="{5B247282-9225-4026-909E-8B5B47900240}" dt="2023-07-31T22:20:01.057" v="67" actId="14100"/>
+          <ac:spMkLst>
+            <pc:docMk/>
+            <pc:sldMk cId="3404580602" sldId="282"/>
+            <ac:spMk id="3" creationId="{BBE3BF8E-0555-C88A-0938-9561DBB17290}"/>
+          </ac:spMkLst>
+        </pc:spChg>
+        <pc:spChg chg="add mod">
+          <ac:chgData name="carlos delarosa" userId="5c06b4cd9ad9f6ec" providerId="LiveId" clId="{5B247282-9225-4026-909E-8B5B47900240}" dt="2023-07-31T22:21:12.769" v="85" actId="1076"/>
+          <ac:spMkLst>
+            <pc:docMk/>
+            <pc:sldMk cId="3404580602" sldId="282"/>
+            <ac:spMk id="4" creationId="{C936F4D7-F3B7-FFEB-44B5-CA1A3DEEDBDF}"/>
+          </ac:spMkLst>
+        </pc:spChg>
+        <pc:spChg chg="mod">
+          <ac:chgData name="carlos delarosa" userId="5c06b4cd9ad9f6ec" providerId="LiveId" clId="{5B247282-9225-4026-909E-8B5B47900240}" dt="2023-07-31T22:21:41.789" v="88" actId="20577"/>
+          <ac:spMkLst>
+            <pc:docMk/>
+            <pc:sldMk cId="3404580602" sldId="282"/>
+            <ac:spMk id="7" creationId="{886EC3BB-23D6-DC21-EB07-A00BAAADB096}"/>
+          </ac:spMkLst>
+        </pc:spChg>
+        <pc:spChg chg="mod">
+          <ac:chgData name="carlos delarosa" userId="5c06b4cd9ad9f6ec" providerId="LiveId" clId="{5B247282-9225-4026-909E-8B5B47900240}" dt="2023-07-31T22:19:42.530" v="63" actId="14100"/>
+          <ac:spMkLst>
+            <pc:docMk/>
+            <pc:sldMk cId="3404580602" sldId="282"/>
+            <ac:spMk id="12" creationId="{41EB9B03-8810-5F48-E51B-B07C8110822B}"/>
+          </ac:spMkLst>
+        </pc:spChg>
+        <pc:spChg chg="mod">
+          <ac:chgData name="carlos delarosa" userId="5c06b4cd9ad9f6ec" providerId="LiveId" clId="{5B247282-9225-4026-909E-8B5B47900240}" dt="2023-07-31T22:20:08.106" v="69" actId="14100"/>
+          <ac:spMkLst>
+            <pc:docMk/>
+            <pc:sldMk cId="3404580602" sldId="282"/>
+            <ac:spMk id="14" creationId="{733AF448-44B1-024A-6B28-1F63959ED8C4}"/>
+          </ac:spMkLst>
+        </pc:spChg>
+      </pc:sldChg>
+    </pc:docChg>
+  </pc:docChgLst>
+</pc:chgInfo>
+</file>
+
 <file path=ppt/handoutMasters/handoutMaster1.xml><?xml version="1.0" encoding="utf-8"?>
 <p:handoutMaster xmlns:a="http://schemas.openxmlformats.org/drawingml/2006/main" xmlns:r="http://schemas.openxmlformats.org/officeDocument/2006/relationships" xmlns:p="http://schemas.openxmlformats.org/presentationml/2006/main">
   <p:cSld>
@@ -225,7 +302,7 @@
           <a:p>
             <a:fld id="{58B3D3C9-ED3E-4430-A8CA-03711A676035}" type="datetimeFigureOut">
               <a:rPr lang="en-US" smtClean="0"/>
-              <a:t>7/27/2023</a:t>
+              <a:t>7/31/2023</a:t>
             </a:fld>
             <a:endParaRPr lang="en-US" dirty="0"/>
           </a:p>
@@ -402,7 +479,7 @@
           <a:p>
             <a:fld id="{A3E67E2B-6215-4DB6-B113-75ACD1123374}" type="datetimeFigureOut">
               <a:rPr lang="en-US" smtClean="0"/>
-              <a:t>7/27/2023</a:t>
+              <a:t>7/31/2023</a:t>
             </a:fld>
             <a:endParaRPr lang="en-US" dirty="0"/>
           </a:p>
@@ -1511,7 +1588,7 @@
             <a:fld id="{87DE6118-2437-4B30-8E3C-4D2BE6020583}" type="datetimeFigureOut">
               <a:rPr lang="en-US" smtClean="0"/>
               <a:pPr/>
-              <a:t>7/27/2023</a:t>
+              <a:t>7/31/2023</a:t>
             </a:fld>
             <a:endParaRPr lang="en-US" dirty="0"/>
           </a:p>
@@ -1842,7 +1919,7 @@
           <a:p>
             <a:fld id="{87DE6118-2437-4B30-8E3C-4D2BE6020583}" type="datetimeFigureOut">
               <a:rPr lang="en-US" smtClean="0"/>
-              <a:t>7/27/2023</a:t>
+              <a:t>7/31/2023</a:t>
             </a:fld>
             <a:endParaRPr lang="en-US" dirty="0"/>
           </a:p>
@@ -2022,7 +2099,7 @@
           <a:p>
             <a:fld id="{87DE6118-2437-4B30-8E3C-4D2BE6020583}" type="datetimeFigureOut">
               <a:rPr lang="en-US" smtClean="0"/>
-              <a:t>7/27/2023</a:t>
+              <a:t>7/31/2023</a:t>
             </a:fld>
             <a:endParaRPr lang="en-US" dirty="0"/>
           </a:p>
@@ -2192,7 +2269,7 @@
           <a:p>
             <a:fld id="{87DE6118-2437-4B30-8E3C-4D2BE6020583}" type="datetimeFigureOut">
               <a:rPr lang="en-US" smtClean="0"/>
-              <a:t>7/27/2023</a:t>
+              <a:t>7/31/2023</a:t>
             </a:fld>
             <a:endParaRPr lang="en-US" dirty="0"/>
           </a:p>
@@ -2470,7 +2547,7 @@
             <a:fld id="{87DE6118-2437-4B30-8E3C-4D2BE6020583}" type="datetimeFigureOut">
               <a:rPr lang="en-US" smtClean="0"/>
               <a:pPr/>
-              <a:t>7/27/2023</a:t>
+              <a:t>7/31/2023</a:t>
             </a:fld>
             <a:endParaRPr lang="en-US" dirty="0"/>
           </a:p>
@@ -2865,7 +2942,7 @@
           <a:p>
             <a:fld id="{87DE6118-2437-4B30-8E3C-4D2BE6020583}" type="datetimeFigureOut">
               <a:rPr lang="en-US" smtClean="0"/>
-              <a:t>7/27/2023</a:t>
+              <a:t>7/31/2023</a:t>
             </a:fld>
             <a:endParaRPr lang="en-US" dirty="0"/>
           </a:p>
@@ -3342,7 +3419,7 @@
           <a:p>
             <a:fld id="{87DE6118-2437-4B30-8E3C-4D2BE6020583}" type="datetimeFigureOut">
               <a:rPr lang="en-US" smtClean="0"/>
-              <a:t>7/27/2023</a:t>
+              <a:t>7/31/2023</a:t>
             </a:fld>
             <a:endParaRPr lang="en-US" dirty="0"/>
           </a:p>
@@ -3460,7 +3537,7 @@
           <a:p>
             <a:fld id="{87DE6118-2437-4B30-8E3C-4D2BE6020583}" type="datetimeFigureOut">
               <a:rPr lang="en-US" smtClean="0"/>
-              <a:t>7/27/2023</a:t>
+              <a:t>7/31/2023</a:t>
             </a:fld>
             <a:endParaRPr lang="en-US" dirty="0"/>
           </a:p>
@@ -3555,7 +3632,7 @@
           <a:p>
             <a:fld id="{87DE6118-2437-4B30-8E3C-4D2BE6020583}" type="datetimeFigureOut">
               <a:rPr lang="en-US" smtClean="0"/>
-              <a:t>7/27/2023</a:t>
+              <a:t>7/31/2023</a:t>
             </a:fld>
             <a:endParaRPr lang="en-US" dirty="0"/>
           </a:p>
@@ -3902,7 +3979,7 @@
             <a:fld id="{87DE6118-2437-4B30-8E3C-4D2BE6020583}" type="datetimeFigureOut">
               <a:rPr lang="en-US" smtClean="0"/>
               <a:pPr/>
-              <a:t>7/27/2023</a:t>
+              <a:t>7/31/2023</a:t>
             </a:fld>
             <a:endParaRPr lang="en-US" dirty="0"/>
           </a:p>
@@ -4292,7 +4369,7 @@
             <a:fld id="{87DE6118-2437-4B30-8E3C-4D2BE6020583}" type="datetimeFigureOut">
               <a:rPr lang="en-US" smtClean="0"/>
               <a:pPr/>
-              <a:t>7/27/2023</a:t>
+              <a:t>7/31/2023</a:t>
             </a:fld>
             <a:endParaRPr lang="en-US" dirty="0"/>
           </a:p>
@@ -4572,7 +4649,7 @@
             <a:fld id="{87DE6118-2437-4B30-8E3C-4D2BE6020583}" type="datetimeFigureOut">
               <a:rPr lang="en-US" smtClean="0"/>
               <a:pPr/>
-              <a:t>7/27/2023</a:t>
+              <a:t>7/31/2023</a:t>
             </a:fld>
             <a:endParaRPr lang="en-US" dirty="0"/>
           </a:p>
@@ -9572,24 +9649,6 @@
 </file>
 
 <file path=customXml/item1.xml><?xml version="1.0" encoding="utf-8"?>
-<?mso-contentType ?>
-<FormTemplates xmlns="http://schemas.microsoft.com/sharepoint/v3/contenttype/forms">
-  <Display>DocumentLibraryForm</Display>
-  <Edit>DocumentLibraryForm</Edit>
-  <New>DocumentLibraryForm</New>
-</FormTemplates>
-</file>
-
-<file path=customXml/item2.xml><?xml version="1.0" encoding="utf-8"?>
-<p:properties xmlns:p="http://schemas.microsoft.com/office/2006/metadata/properties" xmlns:xsi="http://www.w3.org/2001/XMLSchema-instance" xmlns:pc="http://schemas.microsoft.com/office/infopath/2007/PartnerControls">
-  <documentManagement>
-    <Status xmlns="71af3243-3dd4-4a8d-8c0d-dd76da1f02a5">Not started</Status>
-    <MediaServiceKeyPoints xmlns="71af3243-3dd4-4a8d-8c0d-dd76da1f02a5" xsi:nil="true"/>
-  </documentManagement>
-</p:properties>
-</file>
-
-<file path=customXml/item3.xml><?xml version="1.0" encoding="utf-8"?>
 <ct:contentTypeSchema xmlns:ct="http://schemas.microsoft.com/office/2006/metadata/contentType" xmlns:ma="http://schemas.microsoft.com/office/2006/metadata/properties/metaAttributes" ct:_="" ma:_="" ma:contentTypeName="Document" ma:contentTypeID="0x01010079F111ED35F8CC479449609E8A0923A6" ma:contentTypeVersion="12" ma:contentTypeDescription="Create a new document." ma:contentTypeScope="" ma:versionID="93813dd7ca6ad654711aa0ab317e03a3">
   <xsd:schema xmlns:xsd="http://www.w3.org/2001/XMLSchema" xmlns:xs="http://www.w3.org/2001/XMLSchema" xmlns:p="http://schemas.microsoft.com/office/2006/metadata/properties" xmlns:ns2="71af3243-3dd4-4a8d-8c0d-dd76da1f02a5" xmlns:ns3="16c05727-aa75-4e4a-9b5f-8a80a1165891" targetNamespace="http://schemas.microsoft.com/office/2006/metadata/properties" ma:root="true" ma:fieldsID="f11dc0ce689dd3925e84e4e35398c6e7" ns2:_="" ns3:_="">
     <xsd:import namespace="71af3243-3dd4-4a8d-8c0d-dd76da1f02a5"/>
@@ -9810,25 +9869,25 @@
 </ct:contentTypeSchema>
 </file>
 
-<file path=customXml/itemProps1.xml><?xml version="1.0" encoding="utf-8"?>
-<ds:datastoreItem xmlns:ds="http://schemas.openxmlformats.org/officeDocument/2006/customXml" ds:itemID="{19E48938-CE0A-4976-83E6-A8FD4583CC20}">
-  <ds:schemaRefs>
-    <ds:schemaRef ds:uri="http://schemas.microsoft.com/sharepoint/v3/contenttype/forms"/>
-  </ds:schemaRefs>
-</ds:datastoreItem>
+<file path=customXml/item2.xml><?xml version="1.0" encoding="utf-8"?>
+<p:properties xmlns:p="http://schemas.microsoft.com/office/2006/metadata/properties" xmlns:xsi="http://www.w3.org/2001/XMLSchema-instance" xmlns:pc="http://schemas.microsoft.com/office/infopath/2007/PartnerControls">
+  <documentManagement>
+    <Status xmlns="71af3243-3dd4-4a8d-8c0d-dd76da1f02a5">Not started</Status>
+    <MediaServiceKeyPoints xmlns="71af3243-3dd4-4a8d-8c0d-dd76da1f02a5" xsi:nil="true"/>
+  </documentManagement>
+</p:properties>
 </file>
 
-<file path=customXml/itemProps2.xml><?xml version="1.0" encoding="utf-8"?>
-<ds:datastoreItem xmlns:ds="http://schemas.openxmlformats.org/officeDocument/2006/customXml" ds:itemID="{E755A93C-578E-47D2-96A6-AF17136F6BCE}">
-  <ds:schemaRefs>
-    <ds:schemaRef ds:uri="http://schemas.microsoft.com/office/2006/metadata/properties"/>
-    <ds:schemaRef ds:uri="http://schemas.microsoft.com/office/infopath/2007/PartnerControls"/>
-    <ds:schemaRef ds:uri="71af3243-3dd4-4a8d-8c0d-dd76da1f02a5"/>
-  </ds:schemaRefs>
-</ds:datastoreItem>
+<file path=customXml/item3.xml><?xml version="1.0" encoding="utf-8"?>
+<?mso-contentType ?>
+<FormTemplates xmlns="http://schemas.microsoft.com/sharepoint/v3/contenttype/forms">
+  <Display>DocumentLibraryForm</Display>
+  <Edit>DocumentLibraryForm</Edit>
+  <New>DocumentLibraryForm</New>
+</FormTemplates>
 </file>
 
-<file path=customXml/itemProps3.xml><?xml version="1.0" encoding="utf-8"?>
+<file path=customXml/itemProps1.xml><?xml version="1.0" encoding="utf-8"?>
 <ds:datastoreItem xmlns:ds="http://schemas.openxmlformats.org/officeDocument/2006/customXml" ds:itemID="{7F32B251-29F3-43CE-BD66-A3B48CC7BC2F}">
   <ds:schemaRefs>
     <ds:schemaRef ds:uri="http://schemas.microsoft.com/office/2006/metadata/contentType"/>
@@ -9845,4 +9904,22 @@
     <ds:schemaRef ds:uri="http://schemas.microsoft.com/internal/obd"/>
   </ds:schemaRefs>
 </ds:datastoreItem>
+</file>
+
+<file path=customXml/itemProps2.xml><?xml version="1.0" encoding="utf-8"?>
+<ds:datastoreItem xmlns:ds="http://schemas.openxmlformats.org/officeDocument/2006/customXml" ds:itemID="{E755A93C-578E-47D2-96A6-AF17136F6BCE}">
+  <ds:schemaRefs>
+    <ds:schemaRef ds:uri="http://schemas.microsoft.com/office/2006/metadata/properties"/>
+    <ds:schemaRef ds:uri="http://schemas.microsoft.com/office/infopath/2007/PartnerControls"/>
+    <ds:schemaRef ds:uri="71af3243-3dd4-4a8d-8c0d-dd76da1f02a5"/>
+  </ds:schemaRefs>
+</ds:datastoreItem>
+</file>
+
+<file path=customXml/itemProps3.xml><?xml version="1.0" encoding="utf-8"?>
+<ds:datastoreItem xmlns:ds="http://schemas.openxmlformats.org/officeDocument/2006/customXml" ds:itemID="{19E48938-CE0A-4976-83E6-A8FD4583CC20}">
+  <ds:schemaRefs>
+    <ds:schemaRef ds:uri="http://schemas.microsoft.com/sharepoint/v3/contenttype/forms"/>
+  </ds:schemaRefs>
+</ds:datastoreItem>
 </file>